--- a/PLAYTV2020/matt-boles-rest-api-intro.pptx
+++ b/PLAYTV2020/matt-boles-rest-api-intro.pptx
@@ -6,7 +6,7 @@
     <p:sldMasterId id="2147483651" r:id="rId2"/>
   </p:sldMasterIdLst>
   <p:notesMasterIdLst>
-    <p:notesMasterId r:id="rId28"/>
+    <p:notesMasterId r:id="rId30"/>
   </p:notesMasterIdLst>
   <p:sldIdLst>
     <p:sldId id="257" r:id="rId3"/>
@@ -17,23 +17,25 @@
     <p:sldId id="271" r:id="rId8"/>
     <p:sldId id="272" r:id="rId9"/>
     <p:sldId id="273" r:id="rId10"/>
-    <p:sldId id="294" r:id="rId11"/>
-    <p:sldId id="274" r:id="rId12"/>
-    <p:sldId id="290" r:id="rId13"/>
-    <p:sldId id="295" r:id="rId14"/>
-    <p:sldId id="293" r:id="rId15"/>
-    <p:sldId id="266" r:id="rId16"/>
-    <p:sldId id="296" r:id="rId17"/>
-    <p:sldId id="299" r:id="rId18"/>
-    <p:sldId id="297" r:id="rId19"/>
-    <p:sldId id="300" r:id="rId20"/>
-    <p:sldId id="301" r:id="rId21"/>
-    <p:sldId id="302" r:id="rId22"/>
-    <p:sldId id="298" r:id="rId23"/>
-    <p:sldId id="304" r:id="rId24"/>
-    <p:sldId id="305" r:id="rId25"/>
-    <p:sldId id="306" r:id="rId26"/>
-    <p:sldId id="268" r:id="rId27"/>
+    <p:sldId id="307" r:id="rId11"/>
+    <p:sldId id="294" r:id="rId12"/>
+    <p:sldId id="274" r:id="rId13"/>
+    <p:sldId id="290" r:id="rId14"/>
+    <p:sldId id="295" r:id="rId15"/>
+    <p:sldId id="293" r:id="rId16"/>
+    <p:sldId id="266" r:id="rId17"/>
+    <p:sldId id="296" r:id="rId18"/>
+    <p:sldId id="299" r:id="rId19"/>
+    <p:sldId id="297" r:id="rId20"/>
+    <p:sldId id="300" r:id="rId21"/>
+    <p:sldId id="301" r:id="rId22"/>
+    <p:sldId id="302" r:id="rId23"/>
+    <p:sldId id="298" r:id="rId24"/>
+    <p:sldId id="304" r:id="rId25"/>
+    <p:sldId id="305" r:id="rId26"/>
+    <p:sldId id="306" r:id="rId27"/>
+    <p:sldId id="308" r:id="rId28"/>
+    <p:sldId id="268" r:id="rId29"/>
   </p:sldIdLst>
   <p:sldSz cx="12192000" cy="6858000"/>
   <p:notesSz cx="6858000" cy="9144000"/>
@@ -316,7 +318,7 @@
       </p15:notesGuideLst>
     </p:ext>
     <p:ext uri="http://customooxmlschemas.google.com/">
-      <go:slidesCustomData xmlns="" xmlns:mc="http://schemas.openxmlformats.org/markup-compatibility/2006" xmlns:mv="urn:schemas-microsoft-com:mac:vml" xmlns:c="http://schemas.openxmlformats.org/drawingml/2006/chart" xmlns:dgm="http://schemas.openxmlformats.org/drawingml/2006/diagram" xmlns:o="urn:schemas-microsoft-com:office:office" xmlns:v="urn:schemas-microsoft-com:vml" xmlns:pvml="urn:schemas-microsoft-com:office:powerpoint" xmlns:com="http://schemas.openxmlformats.org/drawingml/2006/compatibility" xmlns:p14="http://schemas.microsoft.com/office/powerpoint/2010/main" xmlns:p15="http://schemas.microsoft.com/office/powerpoint/2012/main" xmlns:go="http://customooxmlschemas.google.com/" r:id="rId29" roundtripDataSignature="AMtx7mhTXUsXJMZT1PuQXuqxCJc3N1Qu9w=="/>
+      <go:slidesCustomData xmlns:go="http://customooxmlschemas.google.com/" xmlns:p15="http://schemas.microsoft.com/office/powerpoint/2012/main" xmlns:p14="http://schemas.microsoft.com/office/powerpoint/2010/main" xmlns:com="http://schemas.openxmlformats.org/drawingml/2006/compatibility" xmlns:pvml="urn:schemas-microsoft-com:office:powerpoint" xmlns:v="urn:schemas-microsoft-com:vml" xmlns:o="urn:schemas-microsoft-com:office:office" xmlns:dgm="http://schemas.openxmlformats.org/drawingml/2006/diagram" xmlns:c="http://schemas.openxmlformats.org/drawingml/2006/chart" xmlns:mv="urn:schemas-microsoft-com:mac:vml" xmlns:mc="http://schemas.openxmlformats.org/markup-compatibility/2006" xmlns="" r:id="rId31" roundtripDataSignature="AMtx7mhTXUsXJMZT1PuQXuqxCJc3N1Qu9w=="/>
     </p:ext>
   </p:extLst>
 </p:presentation>
@@ -1366,6 +1368,133 @@
   <p:cSld>
     <p:spTree>
       <p:nvGrpSpPr>
+        <p:cNvPr id="1" name="Shape 95"/>
+        <p:cNvGrpSpPr/>
+        <p:nvPr/>
+      </p:nvGrpSpPr>
+      <p:grpSpPr>
+        <a:xfrm>
+          <a:off x="0" y="0"/>
+          <a:ext cx="0" cy="0"/>
+          <a:chOff x="0" y="0"/>
+          <a:chExt cx="0" cy="0"/>
+        </a:xfrm>
+      </p:grpSpPr>
+      <p:sp>
+        <p:nvSpPr>
+          <p:cNvPr id="96" name="Google Shape;96;p3:notes"/>
+          <p:cNvSpPr txBox="1">
+            <a:spLocks noGrp="1"/>
+          </p:cNvSpPr>
+          <p:nvPr>
+            <p:ph type="body" idx="1"/>
+          </p:nvPr>
+        </p:nvSpPr>
+        <p:spPr>
+          <a:xfrm>
+            <a:off x="381000" y="3124200"/>
+            <a:ext cx="6096000" cy="5334000"/>
+          </a:xfrm>
+          <a:prstGeom prst="rect">
+            <a:avLst/>
+          </a:prstGeom>
+          <a:noFill/>
+          <a:ln>
+            <a:noFill/>
+          </a:ln>
+        </p:spPr>
+        <p:txBody>
+          <a:bodyPr spcFirstLastPara="1" wrap="square" lIns="0" tIns="0" rIns="0" bIns="0" anchor="t" anchorCtr="0">
+            <a:noAutofit/>
+          </a:bodyPr>
+          <a:lstStyle/>
+          <a:p>
+            <a:pPr marL="0" lvl="0" indent="0" algn="l" rtl="0">
+              <a:lnSpc>
+                <a:spcPct val="100000"/>
+              </a:lnSpc>
+              <a:spcBef>
+                <a:spcPts val="600"/>
+              </a:spcBef>
+              <a:spcAft>
+                <a:spcPts val="0"/>
+              </a:spcAft>
+              <a:buSzPts val="275"/>
+              <a:buNone/>
+            </a:pPr>
+            <a:endParaRPr dirty="0"/>
+          </a:p>
+        </p:txBody>
+      </p:sp>
+      <p:sp>
+        <p:nvSpPr>
+          <p:cNvPr id="97" name="Google Shape;97;p3:notes"/>
+          <p:cNvSpPr>
+            <a:spLocks noGrp="1" noRot="1" noChangeAspect="1"/>
+          </p:cNvSpPr>
+          <p:nvPr>
+            <p:ph type="sldImg" idx="2"/>
+          </p:nvPr>
+        </p:nvSpPr>
+        <p:spPr>
+          <a:xfrm>
+            <a:off x="381000" y="381000"/>
+            <a:ext cx="4572000" cy="2573338"/>
+          </a:xfrm>
+          <a:custGeom>
+            <a:avLst/>
+            <a:gdLst/>
+            <a:ahLst/>
+            <a:cxnLst/>
+            <a:rect l="l" t="t" r="r" b="b"/>
+            <a:pathLst>
+              <a:path w="120000" h="120000" extrusionOk="0">
+                <a:moveTo>
+                  <a:pt x="0" y="0"/>
+                </a:moveTo>
+                <a:lnTo>
+                  <a:pt x="120000" y="0"/>
+                </a:lnTo>
+                <a:lnTo>
+                  <a:pt x="120000" y="120000"/>
+                </a:lnTo>
+                <a:lnTo>
+                  <a:pt x="0" y="120000"/>
+                </a:lnTo>
+                <a:close/>
+              </a:path>
+            </a:pathLst>
+          </a:custGeom>
+          <a:noFill/>
+          <a:ln w="12700" cap="flat" cmpd="sng">
+            <a:solidFill>
+              <a:srgbClr val="000000"/>
+            </a:solidFill>
+            <a:prstDash val="solid"/>
+            <a:round/>
+            <a:headEnd type="none" w="sm" len="sm"/>
+            <a:tailEnd type="none" w="sm" len="sm"/>
+          </a:ln>
+        </p:spPr>
+      </p:sp>
+    </p:spTree>
+    <p:extLst>
+      <p:ext uri="{BB962C8B-B14F-4D97-AF65-F5344CB8AC3E}">
+        <p14:creationId xmlns:p14="http://schemas.microsoft.com/office/powerpoint/2010/main" val="1465713369"/>
+      </p:ext>
+    </p:extLst>
+  </p:cSld>
+  <p:clrMapOvr>
+    <a:masterClrMapping/>
+  </p:clrMapOvr>
+</p:notes>
+</file>
+
+<file path=ppt/notesSlides/notesSlide11.xml><?xml version="1.0" encoding="utf-8"?>
+<p:notes xmlns:a="http://schemas.openxmlformats.org/drawingml/2006/main" xmlns:r="http://schemas.openxmlformats.org/officeDocument/2006/relationships" xmlns:p="http://schemas.openxmlformats.org/presentationml/2006/main" showMasterSp="0" showMasterPhAnim="0">
+  <p:cSld>
+    <p:spTree>
+      <p:nvGrpSpPr>
         <p:cNvPr id="1" name="Shape 142"/>
         <p:cNvGrpSpPr/>
         <p:nvPr/>
@@ -1488,7 +1617,7 @@
 </p:notes>
 </file>
 
-<file path=ppt/notesSlides/notesSlide11.xml><?xml version="1.0" encoding="utf-8"?>
+<file path=ppt/notesSlides/notesSlide12.xml><?xml version="1.0" encoding="utf-8"?>
 <p:notes xmlns:a="http://schemas.openxmlformats.org/drawingml/2006/main" xmlns:r="http://schemas.openxmlformats.org/officeDocument/2006/relationships" xmlns:p="http://schemas.openxmlformats.org/presentationml/2006/main" showMasterSp="0" showMasterPhAnim="0">
   <p:cSld>
     <p:spTree>
@@ -1597,7 +1726,7 @@
 </p:notes>
 </file>
 
-<file path=ppt/notesSlides/notesSlide12.xml><?xml version="1.0" encoding="utf-8"?>
+<file path=ppt/notesSlides/notesSlide13.xml><?xml version="1.0" encoding="utf-8"?>
 <p:notes xmlns:a="http://schemas.openxmlformats.org/drawingml/2006/main" xmlns:r="http://schemas.openxmlformats.org/officeDocument/2006/relationships" xmlns:p="http://schemas.openxmlformats.org/presentationml/2006/main" showMasterSp="0" showMasterPhAnim="0">
   <p:cSld>
     <p:spTree>
@@ -1724,7 +1853,7 @@
 </p:notes>
 </file>
 
-<file path=ppt/notesSlides/notesSlide13.xml><?xml version="1.0" encoding="utf-8"?>
+<file path=ppt/notesSlides/notesSlide14.xml><?xml version="1.0" encoding="utf-8"?>
 <p:notes xmlns:a="http://schemas.openxmlformats.org/drawingml/2006/main" xmlns:r="http://schemas.openxmlformats.org/officeDocument/2006/relationships" xmlns:p="http://schemas.openxmlformats.org/presentationml/2006/main" showMasterSp="0" showMasterPhAnim="0">
   <p:cSld>
     <p:spTree>
@@ -1833,7 +1962,7 @@
 </p:notes>
 </file>
 
-<file path=ppt/notesSlides/notesSlide14.xml><?xml version="1.0" encoding="utf-8"?>
+<file path=ppt/notesSlides/notesSlide15.xml><?xml version="1.0" encoding="utf-8"?>
 <p:notes xmlns:a="http://schemas.openxmlformats.org/drawingml/2006/main" xmlns:r="http://schemas.openxmlformats.org/officeDocument/2006/relationships" xmlns:p="http://schemas.openxmlformats.org/presentationml/2006/main" showMasterSp="0" showMasterPhAnim="0">
   <p:cSld>
     <p:spTree>
@@ -1955,7 +2084,7 @@
 </p:notes>
 </file>
 
-<file path=ppt/notesSlides/notesSlide15.xml><?xml version="1.0" encoding="utf-8"?>
+<file path=ppt/notesSlides/notesSlide16.xml><?xml version="1.0" encoding="utf-8"?>
 <p:notes xmlns:a="http://schemas.openxmlformats.org/drawingml/2006/main" xmlns:r="http://schemas.openxmlformats.org/officeDocument/2006/relationships" xmlns:p="http://schemas.openxmlformats.org/presentationml/2006/main" showMasterSp="0" showMasterPhAnim="0">
   <p:cSld>
     <p:spTree>
@@ -2082,7 +2211,7 @@
 </p:notes>
 </file>
 
-<file path=ppt/notesSlides/notesSlide16.xml><?xml version="1.0" encoding="utf-8"?>
+<file path=ppt/notesSlides/notesSlide17.xml><?xml version="1.0" encoding="utf-8"?>
 <p:notes xmlns:a="http://schemas.openxmlformats.org/drawingml/2006/main" xmlns:r="http://schemas.openxmlformats.org/officeDocument/2006/relationships" xmlns:p="http://schemas.openxmlformats.org/presentationml/2006/main" showMasterSp="0" showMasterPhAnim="0">
   <p:cSld>
     <p:spTree>
@@ -2209,7 +2338,7 @@
 </p:notes>
 </file>
 
-<file path=ppt/notesSlides/notesSlide17.xml><?xml version="1.0" encoding="utf-8"?>
+<file path=ppt/notesSlides/notesSlide18.xml><?xml version="1.0" encoding="utf-8"?>
 <p:notes xmlns:a="http://schemas.openxmlformats.org/drawingml/2006/main" xmlns:r="http://schemas.openxmlformats.org/officeDocument/2006/relationships" xmlns:p="http://schemas.openxmlformats.org/presentationml/2006/main" showMasterSp="0" showMasterPhAnim="0">
   <p:cSld>
     <p:spTree>
@@ -2336,7 +2465,7 @@
 </p:notes>
 </file>
 
-<file path=ppt/notesSlides/notesSlide18.xml><?xml version="1.0" encoding="utf-8"?>
+<file path=ppt/notesSlides/notesSlide19.xml><?xml version="1.0" encoding="utf-8"?>
 <p:notes xmlns:a="http://schemas.openxmlformats.org/drawingml/2006/main" xmlns:r="http://schemas.openxmlformats.org/officeDocument/2006/relationships" xmlns:p="http://schemas.openxmlformats.org/presentationml/2006/main" showMasterSp="0" showMasterPhAnim="0">
   <p:cSld>
     <p:spTree>
@@ -2454,133 +2583,6 @@
     <p:extLst>
       <p:ext uri="{BB962C8B-B14F-4D97-AF65-F5344CB8AC3E}">
         <p14:creationId xmlns:p14="http://schemas.microsoft.com/office/powerpoint/2010/main" val="3213713874"/>
-      </p:ext>
-    </p:extLst>
-  </p:cSld>
-  <p:clrMapOvr>
-    <a:masterClrMapping/>
-  </p:clrMapOvr>
-</p:notes>
-</file>
-
-<file path=ppt/notesSlides/notesSlide19.xml><?xml version="1.0" encoding="utf-8"?>
-<p:notes xmlns:a="http://schemas.openxmlformats.org/drawingml/2006/main" xmlns:r="http://schemas.openxmlformats.org/officeDocument/2006/relationships" xmlns:p="http://schemas.openxmlformats.org/presentationml/2006/main" showMasterSp="0" showMasterPhAnim="0">
-  <p:cSld>
-    <p:spTree>
-      <p:nvGrpSpPr>
-        <p:cNvPr id="1" name="Shape 142"/>
-        <p:cNvGrpSpPr/>
-        <p:nvPr/>
-      </p:nvGrpSpPr>
-      <p:grpSpPr>
-        <a:xfrm>
-          <a:off x="0" y="0"/>
-          <a:ext cx="0" cy="0"/>
-          <a:chOff x="0" y="0"/>
-          <a:chExt cx="0" cy="0"/>
-        </a:xfrm>
-      </p:grpSpPr>
-      <p:sp>
-        <p:nvSpPr>
-          <p:cNvPr id="143" name="Google Shape;143;p12:notes"/>
-          <p:cNvSpPr txBox="1">
-            <a:spLocks noGrp="1"/>
-          </p:cNvSpPr>
-          <p:nvPr>
-            <p:ph type="body" idx="1"/>
-          </p:nvPr>
-        </p:nvSpPr>
-        <p:spPr>
-          <a:xfrm>
-            <a:off x="381000" y="3124200"/>
-            <a:ext cx="6096000" cy="5334000"/>
-          </a:xfrm>
-          <a:prstGeom prst="rect">
-            <a:avLst/>
-          </a:prstGeom>
-          <a:noFill/>
-          <a:ln>
-            <a:noFill/>
-          </a:ln>
-        </p:spPr>
-        <p:txBody>
-          <a:bodyPr spcFirstLastPara="1" wrap="square" lIns="0" tIns="0" rIns="0" bIns="0" anchor="t" anchorCtr="0">
-            <a:noAutofit/>
-          </a:bodyPr>
-          <a:lstStyle/>
-          <a:p>
-            <a:pPr marL="0" lvl="0" indent="0" algn="l" rtl="0">
-              <a:lnSpc>
-                <a:spcPct val="100000"/>
-              </a:lnSpc>
-              <a:spcBef>
-                <a:spcPts val="600"/>
-              </a:spcBef>
-              <a:spcAft>
-                <a:spcPts val="0"/>
-              </a:spcAft>
-              <a:buSzPts val="275"/>
-              <a:buNone/>
-            </a:pPr>
-            <a:endParaRPr dirty="0"/>
-          </a:p>
-        </p:txBody>
-      </p:sp>
-      <p:sp>
-        <p:nvSpPr>
-          <p:cNvPr id="144" name="Google Shape;144;p12:notes"/>
-          <p:cNvSpPr>
-            <a:spLocks noGrp="1" noRot="1" noChangeAspect="1"/>
-          </p:cNvSpPr>
-          <p:nvPr>
-            <p:ph type="sldImg" idx="2"/>
-          </p:nvPr>
-        </p:nvSpPr>
-        <p:spPr>
-          <a:xfrm>
-            <a:off x="381000" y="381000"/>
-            <a:ext cx="4572000" cy="2573338"/>
-          </a:xfrm>
-          <a:custGeom>
-            <a:avLst/>
-            <a:gdLst/>
-            <a:ahLst/>
-            <a:cxnLst/>
-            <a:rect l="l" t="t" r="r" b="b"/>
-            <a:pathLst>
-              <a:path w="120000" h="120000" extrusionOk="0">
-                <a:moveTo>
-                  <a:pt x="0" y="0"/>
-                </a:moveTo>
-                <a:lnTo>
-                  <a:pt x="120000" y="0"/>
-                </a:lnTo>
-                <a:lnTo>
-                  <a:pt x="120000" y="120000"/>
-                </a:lnTo>
-                <a:lnTo>
-                  <a:pt x="0" y="120000"/>
-                </a:lnTo>
-                <a:close/>
-              </a:path>
-            </a:pathLst>
-          </a:custGeom>
-          <a:noFill/>
-          <a:ln w="12700" cap="flat" cmpd="sng">
-            <a:solidFill>
-              <a:srgbClr val="000000"/>
-            </a:solidFill>
-            <a:prstDash val="solid"/>
-            <a:round/>
-            <a:headEnd type="none" w="sm" len="sm"/>
-            <a:tailEnd type="none" w="sm" len="sm"/>
-          </a:ln>
-        </p:spPr>
-      </p:sp>
-    </p:spTree>
-    <p:extLst>
-      <p:ext uri="{BB962C8B-B14F-4D97-AF65-F5344CB8AC3E}">
-        <p14:creationId xmlns:p14="http://schemas.microsoft.com/office/powerpoint/2010/main" val="4130973304"/>
       </p:ext>
     </p:extLst>
   </p:cSld>
@@ -2771,6 +2773,133 @@
   <p:cSld>
     <p:spTree>
       <p:nvGrpSpPr>
+        <p:cNvPr id="1" name="Shape 142"/>
+        <p:cNvGrpSpPr/>
+        <p:nvPr/>
+      </p:nvGrpSpPr>
+      <p:grpSpPr>
+        <a:xfrm>
+          <a:off x="0" y="0"/>
+          <a:ext cx="0" cy="0"/>
+          <a:chOff x="0" y="0"/>
+          <a:chExt cx="0" cy="0"/>
+        </a:xfrm>
+      </p:grpSpPr>
+      <p:sp>
+        <p:nvSpPr>
+          <p:cNvPr id="143" name="Google Shape;143;p12:notes"/>
+          <p:cNvSpPr txBox="1">
+            <a:spLocks noGrp="1"/>
+          </p:cNvSpPr>
+          <p:nvPr>
+            <p:ph type="body" idx="1"/>
+          </p:nvPr>
+        </p:nvSpPr>
+        <p:spPr>
+          <a:xfrm>
+            <a:off x="381000" y="3124200"/>
+            <a:ext cx="6096000" cy="5334000"/>
+          </a:xfrm>
+          <a:prstGeom prst="rect">
+            <a:avLst/>
+          </a:prstGeom>
+          <a:noFill/>
+          <a:ln>
+            <a:noFill/>
+          </a:ln>
+        </p:spPr>
+        <p:txBody>
+          <a:bodyPr spcFirstLastPara="1" wrap="square" lIns="0" tIns="0" rIns="0" bIns="0" anchor="t" anchorCtr="0">
+            <a:noAutofit/>
+          </a:bodyPr>
+          <a:lstStyle/>
+          <a:p>
+            <a:pPr marL="0" lvl="0" indent="0" algn="l" rtl="0">
+              <a:lnSpc>
+                <a:spcPct val="100000"/>
+              </a:lnSpc>
+              <a:spcBef>
+                <a:spcPts val="600"/>
+              </a:spcBef>
+              <a:spcAft>
+                <a:spcPts val="0"/>
+              </a:spcAft>
+              <a:buSzPts val="275"/>
+              <a:buNone/>
+            </a:pPr>
+            <a:endParaRPr dirty="0"/>
+          </a:p>
+        </p:txBody>
+      </p:sp>
+      <p:sp>
+        <p:nvSpPr>
+          <p:cNvPr id="144" name="Google Shape;144;p12:notes"/>
+          <p:cNvSpPr>
+            <a:spLocks noGrp="1" noRot="1" noChangeAspect="1"/>
+          </p:cNvSpPr>
+          <p:nvPr>
+            <p:ph type="sldImg" idx="2"/>
+          </p:nvPr>
+        </p:nvSpPr>
+        <p:spPr>
+          <a:xfrm>
+            <a:off x="381000" y="381000"/>
+            <a:ext cx="4572000" cy="2573338"/>
+          </a:xfrm>
+          <a:custGeom>
+            <a:avLst/>
+            <a:gdLst/>
+            <a:ahLst/>
+            <a:cxnLst/>
+            <a:rect l="l" t="t" r="r" b="b"/>
+            <a:pathLst>
+              <a:path w="120000" h="120000" extrusionOk="0">
+                <a:moveTo>
+                  <a:pt x="0" y="0"/>
+                </a:moveTo>
+                <a:lnTo>
+                  <a:pt x="120000" y="0"/>
+                </a:lnTo>
+                <a:lnTo>
+                  <a:pt x="120000" y="120000"/>
+                </a:lnTo>
+                <a:lnTo>
+                  <a:pt x="0" y="120000"/>
+                </a:lnTo>
+                <a:close/>
+              </a:path>
+            </a:pathLst>
+          </a:custGeom>
+          <a:noFill/>
+          <a:ln w="12700" cap="flat" cmpd="sng">
+            <a:solidFill>
+              <a:srgbClr val="000000"/>
+            </a:solidFill>
+            <a:prstDash val="solid"/>
+            <a:round/>
+            <a:headEnd type="none" w="sm" len="sm"/>
+            <a:tailEnd type="none" w="sm" len="sm"/>
+          </a:ln>
+        </p:spPr>
+      </p:sp>
+    </p:spTree>
+    <p:extLst>
+      <p:ext uri="{BB962C8B-B14F-4D97-AF65-F5344CB8AC3E}">
+        <p14:creationId xmlns:p14="http://schemas.microsoft.com/office/powerpoint/2010/main" val="4130973304"/>
+      </p:ext>
+    </p:extLst>
+  </p:cSld>
+  <p:clrMapOvr>
+    <a:masterClrMapping/>
+  </p:clrMapOvr>
+</p:notes>
+</file>
+
+<file path=ppt/notesSlides/notesSlide21.xml><?xml version="1.0" encoding="utf-8"?>
+<p:notes xmlns:a="http://schemas.openxmlformats.org/drawingml/2006/main" xmlns:r="http://schemas.openxmlformats.org/officeDocument/2006/relationships" xmlns:p="http://schemas.openxmlformats.org/presentationml/2006/main" showMasterSp="0" showMasterPhAnim="0">
+  <p:cSld>
+    <p:spTree>
+      <p:nvGrpSpPr>
         <p:cNvPr id="1" name="Shape 95"/>
         <p:cNvGrpSpPr/>
         <p:nvPr/>
@@ -2893,7 +3022,7 @@
 </p:notes>
 </file>
 
-<file path=ppt/notesSlides/notesSlide21.xml><?xml version="1.0" encoding="utf-8"?>
+<file path=ppt/notesSlides/notesSlide22.xml><?xml version="1.0" encoding="utf-8"?>
 <p:notes xmlns:a="http://schemas.openxmlformats.org/drawingml/2006/main" xmlns:r="http://schemas.openxmlformats.org/officeDocument/2006/relationships" xmlns:p="http://schemas.openxmlformats.org/presentationml/2006/main" showMasterSp="0" showMasterPhAnim="0">
   <p:cSld>
     <p:spTree>
@@ -3020,7 +3149,7 @@
 </p:notes>
 </file>
 
-<file path=ppt/notesSlides/notesSlide22.xml><?xml version="1.0" encoding="utf-8"?>
+<file path=ppt/notesSlides/notesSlide23.xml><?xml version="1.0" encoding="utf-8"?>
 <p:notes xmlns:a="http://schemas.openxmlformats.org/drawingml/2006/main" xmlns:r="http://schemas.openxmlformats.org/officeDocument/2006/relationships" xmlns:p="http://schemas.openxmlformats.org/presentationml/2006/main" showMasterSp="0" showMasterPhAnim="0">
   <p:cSld>
     <p:spTree>
@@ -3147,7 +3276,7 @@
 </p:notes>
 </file>
 
-<file path=ppt/notesSlides/notesSlide23.xml><?xml version="1.0" encoding="utf-8"?>
+<file path=ppt/notesSlides/notesSlide24.xml><?xml version="1.0" encoding="utf-8"?>
 <p:notes xmlns:a="http://schemas.openxmlformats.org/drawingml/2006/main" xmlns:r="http://schemas.openxmlformats.org/officeDocument/2006/relationships" xmlns:p="http://schemas.openxmlformats.org/presentationml/2006/main" showMasterSp="0" showMasterPhAnim="0">
   <p:cSld>
     <p:spTree>
@@ -3274,7 +3403,7 @@
 </p:notes>
 </file>
 
-<file path=ppt/notesSlides/notesSlide24.xml><?xml version="1.0" encoding="utf-8"?>
+<file path=ppt/notesSlides/notesSlide25.xml><?xml version="1.0" encoding="utf-8"?>
 <p:notes xmlns:a="http://schemas.openxmlformats.org/drawingml/2006/main" xmlns:r="http://schemas.openxmlformats.org/officeDocument/2006/relationships" xmlns:p="http://schemas.openxmlformats.org/presentationml/2006/main" showMasterSp="0" showMasterPhAnim="0">
   <p:cSld>
     <p:spTree>
@@ -3401,7 +3530,134 @@
 </p:notes>
 </file>
 
-<file path=ppt/notesSlides/notesSlide25.xml><?xml version="1.0" encoding="utf-8"?>
+<file path=ppt/notesSlides/notesSlide26.xml><?xml version="1.0" encoding="utf-8"?>
+<p:notes xmlns:a="http://schemas.openxmlformats.org/drawingml/2006/main" xmlns:r="http://schemas.openxmlformats.org/officeDocument/2006/relationships" xmlns:p="http://schemas.openxmlformats.org/presentationml/2006/main" showMasterSp="0" showMasterPhAnim="0">
+  <p:cSld>
+    <p:spTree>
+      <p:nvGrpSpPr>
+        <p:cNvPr id="1" name="Shape 142"/>
+        <p:cNvGrpSpPr/>
+        <p:nvPr/>
+      </p:nvGrpSpPr>
+      <p:grpSpPr>
+        <a:xfrm>
+          <a:off x="0" y="0"/>
+          <a:ext cx="0" cy="0"/>
+          <a:chOff x="0" y="0"/>
+          <a:chExt cx="0" cy="0"/>
+        </a:xfrm>
+      </p:grpSpPr>
+      <p:sp>
+        <p:nvSpPr>
+          <p:cNvPr id="143" name="Google Shape;143;p12:notes"/>
+          <p:cNvSpPr txBox="1">
+            <a:spLocks noGrp="1"/>
+          </p:cNvSpPr>
+          <p:nvPr>
+            <p:ph type="body" idx="1"/>
+          </p:nvPr>
+        </p:nvSpPr>
+        <p:spPr>
+          <a:xfrm>
+            <a:off x="381000" y="3124200"/>
+            <a:ext cx="6096000" cy="5334000"/>
+          </a:xfrm>
+          <a:prstGeom prst="rect">
+            <a:avLst/>
+          </a:prstGeom>
+          <a:noFill/>
+          <a:ln>
+            <a:noFill/>
+          </a:ln>
+        </p:spPr>
+        <p:txBody>
+          <a:bodyPr spcFirstLastPara="1" wrap="square" lIns="0" tIns="0" rIns="0" bIns="0" anchor="t" anchorCtr="0">
+            <a:noAutofit/>
+          </a:bodyPr>
+          <a:lstStyle/>
+          <a:p>
+            <a:pPr marL="0" lvl="0" indent="0" algn="l" rtl="0">
+              <a:lnSpc>
+                <a:spcPct val="100000"/>
+              </a:lnSpc>
+              <a:spcBef>
+                <a:spcPts val="600"/>
+              </a:spcBef>
+              <a:spcAft>
+                <a:spcPts val="0"/>
+              </a:spcAft>
+              <a:buSzPts val="275"/>
+              <a:buNone/>
+            </a:pPr>
+            <a:endParaRPr dirty="0"/>
+          </a:p>
+        </p:txBody>
+      </p:sp>
+      <p:sp>
+        <p:nvSpPr>
+          <p:cNvPr id="144" name="Google Shape;144;p12:notes"/>
+          <p:cNvSpPr>
+            <a:spLocks noGrp="1" noRot="1" noChangeAspect="1"/>
+          </p:cNvSpPr>
+          <p:nvPr>
+            <p:ph type="sldImg" idx="2"/>
+          </p:nvPr>
+        </p:nvSpPr>
+        <p:spPr>
+          <a:xfrm>
+            <a:off x="381000" y="381000"/>
+            <a:ext cx="4572000" cy="2573338"/>
+          </a:xfrm>
+          <a:custGeom>
+            <a:avLst/>
+            <a:gdLst/>
+            <a:ahLst/>
+            <a:cxnLst/>
+            <a:rect l="l" t="t" r="r" b="b"/>
+            <a:pathLst>
+              <a:path w="120000" h="120000" extrusionOk="0">
+                <a:moveTo>
+                  <a:pt x="0" y="0"/>
+                </a:moveTo>
+                <a:lnTo>
+                  <a:pt x="120000" y="0"/>
+                </a:lnTo>
+                <a:lnTo>
+                  <a:pt x="120000" y="120000"/>
+                </a:lnTo>
+                <a:lnTo>
+                  <a:pt x="0" y="120000"/>
+                </a:lnTo>
+                <a:close/>
+              </a:path>
+            </a:pathLst>
+          </a:custGeom>
+          <a:noFill/>
+          <a:ln w="12700" cap="flat" cmpd="sng">
+            <a:solidFill>
+              <a:srgbClr val="000000"/>
+            </a:solidFill>
+            <a:prstDash val="solid"/>
+            <a:round/>
+            <a:headEnd type="none" w="sm" len="sm"/>
+            <a:tailEnd type="none" w="sm" len="sm"/>
+          </a:ln>
+        </p:spPr>
+      </p:sp>
+    </p:spTree>
+    <p:extLst>
+      <p:ext uri="{BB962C8B-B14F-4D97-AF65-F5344CB8AC3E}">
+        <p14:creationId xmlns:p14="http://schemas.microsoft.com/office/powerpoint/2010/main" val="1069792844"/>
+      </p:ext>
+    </p:extLst>
+  </p:cSld>
+  <p:clrMapOvr>
+    <a:masterClrMapping/>
+  </p:clrMapOvr>
+</p:notes>
+</file>
+
+<file path=ppt/notesSlides/notesSlide27.xml><?xml version="1.0" encoding="utf-8"?>
 <p:notes xmlns:a="http://schemas.openxmlformats.org/drawingml/2006/main" xmlns:r="http://schemas.openxmlformats.org/officeDocument/2006/relationships" xmlns:p="http://schemas.openxmlformats.org/presentationml/2006/main" showMasterSp="0" showMasterPhAnim="0">
   <p:cSld>
     <p:spTree>
@@ -4285,7 +4541,7 @@
   <p:cSld>
     <p:spTree>
       <p:nvGrpSpPr>
-        <p:cNvPr id="1" name="Shape 95"/>
+        <p:cNvPr id="1" name="Shape 142"/>
         <p:cNvGrpSpPr/>
         <p:nvPr/>
       </p:nvGrpSpPr>
@@ -4299,7 +4555,7 @@
       </p:grpSpPr>
       <p:sp>
         <p:nvSpPr>
-          <p:cNvPr id="96" name="Google Shape;96;p3:notes"/>
+          <p:cNvPr id="143" name="Google Shape;143;p12:notes"/>
           <p:cNvSpPr txBox="1">
             <a:spLocks noGrp="1"/>
           </p:cNvSpPr>
@@ -4345,7 +4601,7 @@
       </p:sp>
       <p:sp>
         <p:nvSpPr>
-          <p:cNvPr id="97" name="Google Shape;97;p3:notes"/>
+          <p:cNvPr id="144" name="Google Shape;144;p12:notes"/>
           <p:cNvSpPr>
             <a:spLocks noGrp="1" noRot="1" noChangeAspect="1"/>
           </p:cNvSpPr>
@@ -4397,7 +4653,7 @@
     </p:spTree>
     <p:extLst>
       <p:ext uri="{BB962C8B-B14F-4D97-AF65-F5344CB8AC3E}">
-        <p14:creationId xmlns:p14="http://schemas.microsoft.com/office/powerpoint/2010/main" val="1465713369"/>
+        <p14:creationId xmlns:p14="http://schemas.microsoft.com/office/powerpoint/2010/main" val="1328445851"/>
       </p:ext>
     </p:extLst>
   </p:cSld>
@@ -5201,7 +5457,7 @@
         <p:fade/>
       </p:transition>
     </mc:Choice>
-    <mc:Fallback xmlns="" xmlns:mv="urn:schemas-microsoft-com:mac:vml" xmlns:c="http://schemas.openxmlformats.org/drawingml/2006/chart" xmlns:dgm="http://schemas.openxmlformats.org/drawingml/2006/diagram" xmlns:o="urn:schemas-microsoft-com:office:office" xmlns:v="urn:schemas-microsoft-com:vml" xmlns:pvml="urn:schemas-microsoft-com:office:powerpoint" xmlns:com="http://schemas.openxmlformats.org/drawingml/2006/compatibility" xmlns:p15="http://schemas.microsoft.com/office/powerpoint/2012/main">
+    <mc:Fallback xmlns:p15="http://schemas.microsoft.com/office/powerpoint/2012/main" xmlns:com="http://schemas.openxmlformats.org/drawingml/2006/compatibility" xmlns:pvml="urn:schemas-microsoft-com:office:powerpoint" xmlns:v="urn:schemas-microsoft-com:vml" xmlns:o="urn:schemas-microsoft-com:office:office" xmlns:dgm="http://schemas.openxmlformats.org/drawingml/2006/diagram" xmlns:c="http://schemas.openxmlformats.org/drawingml/2006/chart" xmlns:mv="urn:schemas-microsoft-com:mac:vml" xmlns="">
       <p:transition spd="slow">
         <p:fade/>
       </p:transition>
@@ -5601,7 +5857,7 @@
         <p:fade/>
       </p:transition>
     </mc:Choice>
-    <mc:Fallback xmlns="" xmlns:mv="urn:schemas-microsoft-com:mac:vml" xmlns:c="http://schemas.openxmlformats.org/drawingml/2006/chart" xmlns:dgm="http://schemas.openxmlformats.org/drawingml/2006/diagram" xmlns:o="urn:schemas-microsoft-com:office:office" xmlns:v="urn:schemas-microsoft-com:vml" xmlns:pvml="urn:schemas-microsoft-com:office:powerpoint" xmlns:com="http://schemas.openxmlformats.org/drawingml/2006/compatibility" xmlns:p15="http://schemas.microsoft.com/office/powerpoint/2012/main">
+    <mc:Fallback xmlns:p15="http://schemas.microsoft.com/office/powerpoint/2012/main" xmlns:com="http://schemas.openxmlformats.org/drawingml/2006/compatibility" xmlns:pvml="urn:schemas-microsoft-com:office:powerpoint" xmlns:v="urn:schemas-microsoft-com:vml" xmlns:o="urn:schemas-microsoft-com:office:office" xmlns:dgm="http://schemas.openxmlformats.org/drawingml/2006/diagram" xmlns:c="http://schemas.openxmlformats.org/drawingml/2006/chart" xmlns:mv="urn:schemas-microsoft-com:mac:vml" xmlns="">
       <p:transition spd="slow">
         <p:fade/>
       </p:transition>
@@ -6092,7 +6348,7 @@
         <p:fade/>
       </p:transition>
     </mc:Choice>
-    <mc:Fallback xmlns="" xmlns:mv="urn:schemas-microsoft-com:mac:vml" xmlns:c="http://schemas.openxmlformats.org/drawingml/2006/chart" xmlns:dgm="http://schemas.openxmlformats.org/drawingml/2006/diagram" xmlns:o="urn:schemas-microsoft-com:office:office" xmlns:v="urn:schemas-microsoft-com:vml" xmlns:pvml="urn:schemas-microsoft-com:office:powerpoint" xmlns:com="http://schemas.openxmlformats.org/drawingml/2006/compatibility" xmlns:p15="http://schemas.microsoft.com/office/powerpoint/2012/main">
+    <mc:Fallback xmlns:p15="http://schemas.microsoft.com/office/powerpoint/2012/main" xmlns:com="http://schemas.openxmlformats.org/drawingml/2006/compatibility" xmlns:pvml="urn:schemas-microsoft-com:office:powerpoint" xmlns:v="urn:schemas-microsoft-com:vml" xmlns:o="urn:schemas-microsoft-com:office:office" xmlns:dgm="http://schemas.openxmlformats.org/drawingml/2006/diagram" xmlns:c="http://schemas.openxmlformats.org/drawingml/2006/chart" xmlns:mv="urn:schemas-microsoft-com:mac:vml" xmlns="">
       <p:transition spd="slow">
         <p:fade/>
       </p:transition>
@@ -6500,7 +6756,7 @@
         <p:fade/>
       </p:transition>
     </mc:Choice>
-    <mc:Fallback xmlns="" xmlns:mv="urn:schemas-microsoft-com:mac:vml" xmlns:c="http://schemas.openxmlformats.org/drawingml/2006/chart" xmlns:dgm="http://schemas.openxmlformats.org/drawingml/2006/diagram" xmlns:o="urn:schemas-microsoft-com:office:office" xmlns:v="urn:schemas-microsoft-com:vml" xmlns:pvml="urn:schemas-microsoft-com:office:powerpoint" xmlns:com="http://schemas.openxmlformats.org/drawingml/2006/compatibility" xmlns:p15="http://schemas.microsoft.com/office/powerpoint/2012/main">
+    <mc:Fallback xmlns:p15="http://schemas.microsoft.com/office/powerpoint/2012/main" xmlns:com="http://schemas.openxmlformats.org/drawingml/2006/compatibility" xmlns:pvml="urn:schemas-microsoft-com:office:powerpoint" xmlns:v="urn:schemas-microsoft-com:vml" xmlns:o="urn:schemas-microsoft-com:office:office" xmlns:dgm="http://schemas.openxmlformats.org/drawingml/2006/diagram" xmlns:c="http://schemas.openxmlformats.org/drawingml/2006/chart" xmlns:mv="urn:schemas-microsoft-com:mac:vml" xmlns="">
       <p:transition spd="slow">
         <p:fade/>
       </p:transition>
@@ -6725,7 +6981,7 @@
         <p:fade/>
       </p:transition>
     </mc:Choice>
-    <mc:Fallback xmlns="" xmlns:mv="urn:schemas-microsoft-com:mac:vml" xmlns:c="http://schemas.openxmlformats.org/drawingml/2006/chart" xmlns:dgm="http://schemas.openxmlformats.org/drawingml/2006/diagram" xmlns:o="urn:schemas-microsoft-com:office:office" xmlns:v="urn:schemas-microsoft-com:vml" xmlns:pvml="urn:schemas-microsoft-com:office:powerpoint" xmlns:com="http://schemas.openxmlformats.org/drawingml/2006/compatibility" xmlns:p15="http://schemas.microsoft.com/office/powerpoint/2012/main">
+    <mc:Fallback xmlns:p15="http://schemas.microsoft.com/office/powerpoint/2012/main" xmlns:com="http://schemas.openxmlformats.org/drawingml/2006/compatibility" xmlns:pvml="urn:schemas-microsoft-com:office:powerpoint" xmlns:v="urn:schemas-microsoft-com:vml" xmlns:o="urn:schemas-microsoft-com:office:office" xmlns:dgm="http://schemas.openxmlformats.org/drawingml/2006/diagram" xmlns:c="http://schemas.openxmlformats.org/drawingml/2006/chart" xmlns:mv="urn:schemas-microsoft-com:mac:vml" xmlns="">
       <p:transition spd="slow">
         <p:fade/>
       </p:transition>
@@ -7110,7 +7366,7 @@
         <p:fade/>
       </p:transition>
     </mc:Choice>
-    <mc:Fallback xmlns="" xmlns:mv="urn:schemas-microsoft-com:mac:vml" xmlns:c="http://schemas.openxmlformats.org/drawingml/2006/chart" xmlns:dgm="http://schemas.openxmlformats.org/drawingml/2006/diagram" xmlns:o="urn:schemas-microsoft-com:office:office" xmlns:v="urn:schemas-microsoft-com:vml" xmlns:pvml="urn:schemas-microsoft-com:office:powerpoint" xmlns:com="http://schemas.openxmlformats.org/drawingml/2006/compatibility" xmlns:p15="http://schemas.microsoft.com/office/powerpoint/2012/main">
+    <mc:Fallback xmlns:p15="http://schemas.microsoft.com/office/powerpoint/2012/main" xmlns:com="http://schemas.openxmlformats.org/drawingml/2006/compatibility" xmlns:pvml="urn:schemas-microsoft-com:office:powerpoint" xmlns:v="urn:schemas-microsoft-com:vml" xmlns:o="urn:schemas-microsoft-com:office:office" xmlns:dgm="http://schemas.openxmlformats.org/drawingml/2006/diagram" xmlns:c="http://schemas.openxmlformats.org/drawingml/2006/chart" xmlns:mv="urn:schemas-microsoft-com:mac:vml" xmlns="">
       <p:transition spd="slow">
         <p:fade/>
       </p:transition>
@@ -8397,7 +8653,7 @@
         <p:fade/>
       </p:transition>
     </mc:Choice>
-    <mc:Fallback xmlns="" xmlns:mv="urn:schemas-microsoft-com:mac:vml" xmlns:c="http://schemas.openxmlformats.org/drawingml/2006/chart" xmlns:dgm="http://schemas.openxmlformats.org/drawingml/2006/diagram" xmlns:o="urn:schemas-microsoft-com:office:office" xmlns:v="urn:schemas-microsoft-com:vml" xmlns:pvml="urn:schemas-microsoft-com:office:powerpoint" xmlns:com="http://schemas.openxmlformats.org/drawingml/2006/compatibility" xmlns:p15="http://schemas.microsoft.com/office/powerpoint/2012/main">
+    <mc:Fallback xmlns:p15="http://schemas.microsoft.com/office/powerpoint/2012/main" xmlns:com="http://schemas.openxmlformats.org/drawingml/2006/compatibility" xmlns:pvml="urn:schemas-microsoft-com:office:powerpoint" xmlns:v="urn:schemas-microsoft-com:vml" xmlns:o="urn:schemas-microsoft-com:office:office" xmlns:dgm="http://schemas.openxmlformats.org/drawingml/2006/diagram" xmlns:c="http://schemas.openxmlformats.org/drawingml/2006/chart" xmlns:mv="urn:schemas-microsoft-com:mac:vml" xmlns="">
       <p:transition spd="slow">
         <p:fade/>
       </p:transition>
@@ -9742,7 +9998,7 @@
         <p:fade/>
       </p:transition>
     </mc:Choice>
-    <mc:Fallback xmlns="" xmlns:mv="urn:schemas-microsoft-com:mac:vml" xmlns:c="http://schemas.openxmlformats.org/drawingml/2006/chart" xmlns:dgm="http://schemas.openxmlformats.org/drawingml/2006/diagram" xmlns:o="urn:schemas-microsoft-com:office:office" xmlns:v="urn:schemas-microsoft-com:vml" xmlns:pvml="urn:schemas-microsoft-com:office:powerpoint" xmlns:com="http://schemas.openxmlformats.org/drawingml/2006/compatibility" xmlns:p15="http://schemas.microsoft.com/office/powerpoint/2012/main">
+    <mc:Fallback xmlns:p15="http://schemas.microsoft.com/office/powerpoint/2012/main" xmlns:com="http://schemas.openxmlformats.org/drawingml/2006/compatibility" xmlns:pvml="urn:schemas-microsoft-com:office:powerpoint" xmlns:v="urn:schemas-microsoft-com:vml" xmlns:o="urn:schemas-microsoft-com:office:office" xmlns:dgm="http://schemas.openxmlformats.org/drawingml/2006/diagram" xmlns:c="http://schemas.openxmlformats.org/drawingml/2006/chart" xmlns:mv="urn:schemas-microsoft-com:mac:vml" xmlns="">
       <p:transition spd="slow">
         <p:fade/>
       </p:transition>
@@ -10875,7 +11131,7 @@
         <p:fade/>
       </p:transition>
     </mc:Choice>
-    <mc:Fallback xmlns="" xmlns:mv="urn:schemas-microsoft-com:mac:vml" xmlns:c="http://schemas.openxmlformats.org/drawingml/2006/chart" xmlns:dgm="http://schemas.openxmlformats.org/drawingml/2006/diagram" xmlns:o="urn:schemas-microsoft-com:office:office" xmlns:v="urn:schemas-microsoft-com:vml" xmlns:pvml="urn:schemas-microsoft-com:office:powerpoint" xmlns:com="http://schemas.openxmlformats.org/drawingml/2006/compatibility" xmlns:p15="http://schemas.microsoft.com/office/powerpoint/2012/main">
+    <mc:Fallback xmlns:p15="http://schemas.microsoft.com/office/powerpoint/2012/main" xmlns:com="http://schemas.openxmlformats.org/drawingml/2006/compatibility" xmlns:pvml="urn:schemas-microsoft-com:office:powerpoint" xmlns:v="urn:schemas-microsoft-com:vml" xmlns:o="urn:schemas-microsoft-com:office:office" xmlns:dgm="http://schemas.openxmlformats.org/drawingml/2006/diagram" xmlns:c="http://schemas.openxmlformats.org/drawingml/2006/chart" xmlns:mv="urn:schemas-microsoft-com:mac:vml" xmlns="">
       <p:transition spd="slow">
         <p:fade/>
       </p:transition>
@@ -10885,6 +11141,165 @@
 </file>
 
 <file path=ppt/slides/slide10.xml><?xml version="1.0" encoding="utf-8"?>
+<p:sld xmlns:a="http://schemas.openxmlformats.org/drawingml/2006/main" xmlns:r="http://schemas.openxmlformats.org/officeDocument/2006/relationships" xmlns:p="http://schemas.openxmlformats.org/presentationml/2006/main">
+  <p:cSld>
+    <p:spTree>
+      <p:nvGrpSpPr>
+        <p:cNvPr id="1" name="Shape 98"/>
+        <p:cNvGrpSpPr/>
+        <p:nvPr/>
+      </p:nvGrpSpPr>
+      <p:grpSpPr>
+        <a:xfrm>
+          <a:off x="0" y="0"/>
+          <a:ext cx="0" cy="0"/>
+          <a:chOff x="0" y="0"/>
+          <a:chExt cx="0" cy="0"/>
+        </a:xfrm>
+      </p:grpSpPr>
+      <p:sp>
+        <p:nvSpPr>
+          <p:cNvPr id="99" name="Google Shape;99;p3"/>
+          <p:cNvSpPr txBox="1">
+            <a:spLocks noGrp="1"/>
+          </p:cNvSpPr>
+          <p:nvPr>
+            <p:ph type="title"/>
+          </p:nvPr>
+        </p:nvSpPr>
+        <p:spPr>
+          <a:xfrm>
+            <a:off x="609600" y="655914"/>
+            <a:ext cx="8044543" cy="1333903"/>
+          </a:xfrm>
+          <a:prstGeom prst="rect">
+            <a:avLst/>
+          </a:prstGeom>
+          <a:noFill/>
+          <a:ln>
+            <a:noFill/>
+          </a:ln>
+        </p:spPr>
+        <p:txBody>
+          <a:bodyPr spcFirstLastPara="1" wrap="square" lIns="0" tIns="0" rIns="0" bIns="0" anchor="t" anchorCtr="0">
+            <a:noAutofit/>
+          </a:bodyPr>
+          <a:lstStyle/>
+          <a:p>
+            <a:r>
+              <a:rPr lang="en-US" b="0" dirty="0"/>
+              <a:t>HIGH LEVEL IMPLEMENTATION VIEW</a:t>
+            </a:r>
+            <a:br>
+              <a:rPr lang="en-US" dirty="0"/>
+            </a:br>
+            <a:endParaRPr sz="6000" dirty="0"/>
+          </a:p>
+        </p:txBody>
+      </p:sp>
+      <p:sp>
+        <p:nvSpPr>
+          <p:cNvPr id="4" name="Google Shape;100;p3">
+            <a:extLst>
+              <a:ext uri="{FF2B5EF4-FFF2-40B4-BE49-F238E27FC236}">
+                <a16:creationId xmlns:a16="http://schemas.microsoft.com/office/drawing/2014/main" id="{5F29453B-CE75-FD40-B24E-2BB5DAC32986}"/>
+              </a:ext>
+            </a:extLst>
+          </p:cNvPr>
+          <p:cNvSpPr txBox="1">
+            <a:spLocks noGrp="1"/>
+          </p:cNvSpPr>
+          <p:nvPr>
+            <p:ph type="body" idx="1"/>
+          </p:nvPr>
+        </p:nvSpPr>
+        <p:spPr>
+          <a:xfrm>
+            <a:off x="609600" y="3586881"/>
+            <a:ext cx="7279341" cy="711912"/>
+          </a:xfrm>
+          <a:prstGeom prst="rect">
+            <a:avLst/>
+          </a:prstGeom>
+          <a:noFill/>
+          <a:ln>
+            <a:noFill/>
+          </a:ln>
+        </p:spPr>
+        <p:txBody>
+          <a:bodyPr spcFirstLastPara="1" wrap="square" lIns="0" tIns="0" rIns="0" bIns="0" anchor="t" anchorCtr="0">
+            <a:noAutofit/>
+          </a:bodyPr>
+          <a:lstStyle/>
+          <a:p>
+            <a:pPr marL="347663" lvl="0" indent="-342900" algn="l" rtl="0">
+              <a:lnSpc>
+                <a:spcPct val="90000"/>
+              </a:lnSpc>
+              <a:spcBef>
+                <a:spcPts val="0"/>
+              </a:spcBef>
+              <a:spcAft>
+                <a:spcPts val="0"/>
+              </a:spcAft>
+              <a:buSzPts val="2400"/>
+              <a:buFont typeface="Arial" panose="020B0604020202020204" pitchFamily="34" charset="0"/>
+              <a:buChar char="•"/>
+            </a:pPr>
+            <a:r>
+              <a:rPr lang="en-US" dirty="0"/>
+              <a:t>Three entities involved</a:t>
+            </a:r>
+          </a:p>
+          <a:p>
+            <a:pPr marL="347663" lvl="0" indent="-342900" algn="l" rtl="0">
+              <a:lnSpc>
+                <a:spcPct val="90000"/>
+              </a:lnSpc>
+              <a:spcBef>
+                <a:spcPts val="0"/>
+              </a:spcBef>
+              <a:spcAft>
+                <a:spcPts val="0"/>
+              </a:spcAft>
+              <a:buSzPts val="2400"/>
+              <a:buFont typeface="Arial" panose="020B0604020202020204" pitchFamily="34" charset="0"/>
+              <a:buChar char="•"/>
+            </a:pPr>
+            <a:r>
+              <a:rPr lang="en-US" dirty="0"/>
+              <a:t>Entity interaction</a:t>
+            </a:r>
+            <a:endParaRPr dirty="0"/>
+          </a:p>
+        </p:txBody>
+      </p:sp>
+    </p:spTree>
+    <p:extLst>
+      <p:ext uri="{BB962C8B-B14F-4D97-AF65-F5344CB8AC3E}">
+        <p14:creationId xmlns:p14="http://schemas.microsoft.com/office/powerpoint/2010/main" val="1740870512"/>
+      </p:ext>
+    </p:extLst>
+  </p:cSld>
+  <p:clrMapOvr>
+    <a:masterClrMapping/>
+  </p:clrMapOvr>
+  <mc:AlternateContent xmlns:mc="http://schemas.openxmlformats.org/markup-compatibility/2006" xmlns:p14="http://schemas.microsoft.com/office/powerpoint/2010/main">
+    <mc:Choice Requires="p14">
+      <p:transition spd="med" p14:dur="700">
+        <p:fade/>
+      </p:transition>
+    </mc:Choice>
+    <mc:Fallback xmlns:p15="http://schemas.microsoft.com/office/powerpoint/2012/main" xmlns:com="http://schemas.openxmlformats.org/drawingml/2006/compatibility" xmlns:pvml="urn:schemas-microsoft-com:office:powerpoint" xmlns:v="urn:schemas-microsoft-com:vml" xmlns:o="urn:schemas-microsoft-com:office:office" xmlns:dgm="http://schemas.openxmlformats.org/drawingml/2006/diagram" xmlns:c="http://schemas.openxmlformats.org/drawingml/2006/chart" xmlns:mv="urn:schemas-microsoft-com:mac:vml" xmlns="">
+      <p:transition spd="slow">
+        <p:fade/>
+      </p:transition>
+    </mc:Fallback>
+  </mc:AlternateContent>
+</p:sld>
+</file>
+
+<file path=ppt/slides/slide11.xml><?xml version="1.0" encoding="utf-8"?>
 <p:sld xmlns:a="http://schemas.openxmlformats.org/drawingml/2006/main" xmlns:r="http://schemas.openxmlformats.org/officeDocument/2006/relationships" xmlns:p="http://schemas.openxmlformats.org/presentationml/2006/main">
   <p:cSld>
     <p:spTree>
@@ -11070,9 +11485,25 @@
               <a:buSzPts val="1620"/>
             </a:pPr>
             <a:r>
-              <a:rPr lang="en-US" dirty="0"/>
+              <a:rPr lang="en-US" dirty="0">
+                <a:solidFill>
+                  <a:srgbClr val="0070C0"/>
+                </a:solidFill>
+                <a:hlinkClick r:id="rId3">
+                  <a:extLst>
+                    <a:ext uri="{A12FA001-AC4F-418D-AE19-62706E023703}">
+                      <ahyp:hlinkClr xmlns:ahyp="http://schemas.microsoft.com/office/drawing/2018/hyperlinkcolor" val="tx"/>
+                    </a:ext>
+                  </a:extLst>
+                </a:hlinkClick>
+              </a:rPr>
               <a:t>https://player.support.brightcove.com/getting-started/learning-guide-using-rest-apis.html#Proxy_code</a:t>
             </a:r>
+            <a:endParaRPr lang="en-US" dirty="0">
+              <a:solidFill>
+                <a:srgbClr val="0070C0"/>
+              </a:solidFill>
+            </a:endParaRPr>
           </a:p>
           <a:p>
             <a:pPr marL="971550" lvl="1" indent="-182880">
@@ -11204,7 +11635,7 @@
         <p:fade/>
       </p:transition>
     </mc:Choice>
-    <mc:Fallback xmlns="" xmlns:mv="urn:schemas-microsoft-com:mac:vml" xmlns:c="http://schemas.openxmlformats.org/drawingml/2006/chart" xmlns:dgm="http://schemas.openxmlformats.org/drawingml/2006/diagram" xmlns:o="urn:schemas-microsoft-com:office:office" xmlns:v="urn:schemas-microsoft-com:vml" xmlns:pvml="urn:schemas-microsoft-com:office:powerpoint" xmlns:com="http://schemas.openxmlformats.org/drawingml/2006/compatibility" xmlns:p15="http://schemas.microsoft.com/office/powerpoint/2012/main">
+    <mc:Fallback xmlns:p15="http://schemas.microsoft.com/office/powerpoint/2012/main" xmlns:com="http://schemas.openxmlformats.org/drawingml/2006/compatibility" xmlns:pvml="urn:schemas-microsoft-com:office:powerpoint" xmlns:v="urn:schemas-microsoft-com:vml" xmlns:o="urn:schemas-microsoft-com:office:office" xmlns:dgm="http://schemas.openxmlformats.org/drawingml/2006/diagram" xmlns:c="http://schemas.openxmlformats.org/drawingml/2006/chart" xmlns:mv="urn:schemas-microsoft-com:mac:vml" xmlns="">
       <p:transition spd="slow">
         <p:fade/>
       </p:transition>
@@ -11213,7 +11644,7 @@
 </p:sld>
 </file>
 
-<file path=ppt/slides/slide11.xml><?xml version="1.0" encoding="utf-8"?>
+<file path=ppt/slides/slide12.xml><?xml version="1.0" encoding="utf-8"?>
 <p:sld xmlns:a="http://schemas.openxmlformats.org/drawingml/2006/main" xmlns:r="http://schemas.openxmlformats.org/officeDocument/2006/relationships" xmlns:p="http://schemas.openxmlformats.org/presentationml/2006/main">
   <p:cSld>
     <p:spTree>
@@ -11310,7 +11741,7 @@
 </p:sld>
 </file>
 
-<file path=ppt/slides/slide12.xml><?xml version="1.0" encoding="utf-8"?>
+<file path=ppt/slides/slide13.xml><?xml version="1.0" encoding="utf-8"?>
 <p:sld xmlns:a="http://schemas.openxmlformats.org/drawingml/2006/main" xmlns:r="http://schemas.openxmlformats.org/officeDocument/2006/relationships" xmlns:p="http://schemas.openxmlformats.org/presentationml/2006/main">
   <p:cSld>
     <p:spTree>
@@ -11520,7 +11951,7 @@
         <p:fade/>
       </p:transition>
     </mc:Choice>
-    <mc:Fallback xmlns="" xmlns:mv="urn:schemas-microsoft-com:mac:vml" xmlns:c="http://schemas.openxmlformats.org/drawingml/2006/chart" xmlns:dgm="http://schemas.openxmlformats.org/drawingml/2006/diagram" xmlns:o="urn:schemas-microsoft-com:office:office" xmlns:v="urn:schemas-microsoft-com:vml" xmlns:pvml="urn:schemas-microsoft-com:office:powerpoint" xmlns:com="http://schemas.openxmlformats.org/drawingml/2006/compatibility" xmlns:p15="http://schemas.microsoft.com/office/powerpoint/2012/main">
+    <mc:Fallback xmlns:p15="http://schemas.microsoft.com/office/powerpoint/2012/main" xmlns:com="http://schemas.openxmlformats.org/drawingml/2006/compatibility" xmlns:pvml="urn:schemas-microsoft-com:office:powerpoint" xmlns:v="urn:schemas-microsoft-com:vml" xmlns:o="urn:schemas-microsoft-com:office:office" xmlns:dgm="http://schemas.openxmlformats.org/drawingml/2006/diagram" xmlns:c="http://schemas.openxmlformats.org/drawingml/2006/chart" xmlns:mv="urn:schemas-microsoft-com:mac:vml" xmlns="">
       <p:transition spd="slow">
         <p:fade/>
       </p:transition>
@@ -11529,7 +11960,7 @@
 </p:sld>
 </file>
 
-<file path=ppt/slides/slide13.xml><?xml version="1.0" encoding="utf-8"?>
+<file path=ppt/slides/slide14.xml><?xml version="1.0" encoding="utf-8"?>
 <p:sld xmlns:a="http://schemas.openxmlformats.org/drawingml/2006/main" xmlns:r="http://schemas.openxmlformats.org/officeDocument/2006/relationships" xmlns:p="http://schemas.openxmlformats.org/presentationml/2006/main">
   <p:cSld>
     <p:spTree>
@@ -11626,7 +12057,7 @@
 </p:sld>
 </file>
 
-<file path=ppt/slides/slide14.xml><?xml version="1.0" encoding="utf-8"?>
+<file path=ppt/slides/slide15.xml><?xml version="1.0" encoding="utf-8"?>
 <p:sld xmlns:a="http://schemas.openxmlformats.org/drawingml/2006/main" xmlns:r="http://schemas.openxmlformats.org/officeDocument/2006/relationships" xmlns:p="http://schemas.openxmlformats.org/presentationml/2006/main">
   <p:cSld>
     <p:spTree>
@@ -12011,7 +12442,7 @@
         <p:fade/>
       </p:transition>
     </mc:Choice>
-    <mc:Fallback xmlns="" xmlns:mv="urn:schemas-microsoft-com:mac:vml" xmlns:c="http://schemas.openxmlformats.org/drawingml/2006/chart" xmlns:dgm="http://schemas.openxmlformats.org/drawingml/2006/diagram" xmlns:o="urn:schemas-microsoft-com:office:office" xmlns:v="urn:schemas-microsoft-com:vml" xmlns:pvml="urn:schemas-microsoft-com:office:powerpoint" xmlns:com="http://schemas.openxmlformats.org/drawingml/2006/compatibility" xmlns:p15="http://schemas.microsoft.com/office/powerpoint/2012/main">
+    <mc:Fallback xmlns:p15="http://schemas.microsoft.com/office/powerpoint/2012/main" xmlns:com="http://schemas.openxmlformats.org/drawingml/2006/compatibility" xmlns:pvml="urn:schemas-microsoft-com:office:powerpoint" xmlns:v="urn:schemas-microsoft-com:vml" xmlns:o="urn:schemas-microsoft-com:office:office" xmlns:dgm="http://schemas.openxmlformats.org/drawingml/2006/diagram" xmlns:c="http://schemas.openxmlformats.org/drawingml/2006/chart" xmlns:mv="urn:schemas-microsoft-com:mac:vml" xmlns="">
       <p:transition spd="slow">
         <p:fade/>
       </p:transition>
@@ -12020,7 +12451,7 @@
 </p:sld>
 </file>
 
-<file path=ppt/slides/slide15.xml><?xml version="1.0" encoding="utf-8"?>
+<file path=ppt/slides/slide16.xml><?xml version="1.0" encoding="utf-8"?>
 <p:sld xmlns:a="http://schemas.openxmlformats.org/drawingml/2006/main" xmlns:r="http://schemas.openxmlformats.org/officeDocument/2006/relationships" xmlns:p="http://schemas.openxmlformats.org/presentationml/2006/main">
   <p:cSld>
     <p:spTree>
@@ -12412,7 +12843,7 @@
         <p:fade/>
       </p:transition>
     </mc:Choice>
-    <mc:Fallback xmlns="" xmlns:mv="urn:schemas-microsoft-com:mac:vml" xmlns:c="http://schemas.openxmlformats.org/drawingml/2006/chart" xmlns:dgm="http://schemas.openxmlformats.org/drawingml/2006/diagram" xmlns:o="urn:schemas-microsoft-com:office:office" xmlns:v="urn:schemas-microsoft-com:vml" xmlns:pvml="urn:schemas-microsoft-com:office:powerpoint" xmlns:com="http://schemas.openxmlformats.org/drawingml/2006/compatibility" xmlns:p15="http://schemas.microsoft.com/office/powerpoint/2012/main">
+    <mc:Fallback xmlns:p15="http://schemas.microsoft.com/office/powerpoint/2012/main" xmlns:com="http://schemas.openxmlformats.org/drawingml/2006/compatibility" xmlns:pvml="urn:schemas-microsoft-com:office:powerpoint" xmlns:v="urn:schemas-microsoft-com:vml" xmlns:o="urn:schemas-microsoft-com:office:office" xmlns:dgm="http://schemas.openxmlformats.org/drawingml/2006/diagram" xmlns:c="http://schemas.openxmlformats.org/drawingml/2006/chart" xmlns:mv="urn:schemas-microsoft-com:mac:vml" xmlns="">
       <p:transition spd="slow">
         <p:fade/>
       </p:transition>
@@ -12421,7 +12852,7 @@
 </p:sld>
 </file>
 
-<file path=ppt/slides/slide16.xml><?xml version="1.0" encoding="utf-8"?>
+<file path=ppt/slides/slide17.xml><?xml version="1.0" encoding="utf-8"?>
 <p:sld xmlns:a="http://schemas.openxmlformats.org/drawingml/2006/main" xmlns:r="http://schemas.openxmlformats.org/officeDocument/2006/relationships" xmlns:p="http://schemas.openxmlformats.org/presentationml/2006/main">
   <p:cSld>
     <p:spTree>
@@ -12550,7 +12981,7 @@
         <p:fade/>
       </p:transition>
     </mc:Choice>
-    <mc:Fallback xmlns="" xmlns:mv="urn:schemas-microsoft-com:mac:vml" xmlns:c="http://schemas.openxmlformats.org/drawingml/2006/chart" xmlns:dgm="http://schemas.openxmlformats.org/drawingml/2006/diagram" xmlns:o="urn:schemas-microsoft-com:office:office" xmlns:v="urn:schemas-microsoft-com:vml" xmlns:pvml="urn:schemas-microsoft-com:office:powerpoint" xmlns:com="http://schemas.openxmlformats.org/drawingml/2006/compatibility" xmlns:p15="http://schemas.microsoft.com/office/powerpoint/2012/main">
+    <mc:Fallback xmlns:p15="http://schemas.microsoft.com/office/powerpoint/2012/main" xmlns:com="http://schemas.openxmlformats.org/drawingml/2006/compatibility" xmlns:pvml="urn:schemas-microsoft-com:office:powerpoint" xmlns:v="urn:schemas-microsoft-com:vml" xmlns:o="urn:schemas-microsoft-com:office:office" xmlns:dgm="http://schemas.openxmlformats.org/drawingml/2006/diagram" xmlns:c="http://schemas.openxmlformats.org/drawingml/2006/chart" xmlns:mv="urn:schemas-microsoft-com:mac:vml" xmlns="">
       <p:transition spd="slow">
         <p:fade/>
       </p:transition>
@@ -12559,7 +12990,7 @@
 </p:sld>
 </file>
 
-<file path=ppt/slides/slide17.xml><?xml version="1.0" encoding="utf-8"?>
+<file path=ppt/slides/slide18.xml><?xml version="1.0" encoding="utf-8"?>
 <p:sld xmlns:a="http://schemas.openxmlformats.org/drawingml/2006/main" xmlns:r="http://schemas.openxmlformats.org/officeDocument/2006/relationships" xmlns:p="http://schemas.openxmlformats.org/presentationml/2006/main">
   <p:cSld>
     <p:spTree>
@@ -12794,7 +13225,7 @@
         <p:fade/>
       </p:transition>
     </mc:Choice>
-    <mc:Fallback xmlns="" xmlns:mv="urn:schemas-microsoft-com:mac:vml" xmlns:c="http://schemas.openxmlformats.org/drawingml/2006/chart" xmlns:dgm="http://schemas.openxmlformats.org/drawingml/2006/diagram" xmlns:o="urn:schemas-microsoft-com:office:office" xmlns:v="urn:schemas-microsoft-com:vml" xmlns:pvml="urn:schemas-microsoft-com:office:powerpoint" xmlns:com="http://schemas.openxmlformats.org/drawingml/2006/compatibility" xmlns:p15="http://schemas.microsoft.com/office/powerpoint/2012/main">
+    <mc:Fallback xmlns:p15="http://schemas.microsoft.com/office/powerpoint/2012/main" xmlns:com="http://schemas.openxmlformats.org/drawingml/2006/compatibility" xmlns:pvml="urn:schemas-microsoft-com:office:powerpoint" xmlns:v="urn:schemas-microsoft-com:vml" xmlns:o="urn:schemas-microsoft-com:office:office" xmlns:dgm="http://schemas.openxmlformats.org/drawingml/2006/diagram" xmlns:c="http://schemas.openxmlformats.org/drawingml/2006/chart" xmlns:mv="urn:schemas-microsoft-com:mac:vml" xmlns="">
       <p:transition spd="slow">
         <p:fade/>
       </p:transition>
@@ -12803,7 +13234,7 @@
 </p:sld>
 </file>
 
-<file path=ppt/slides/slide18.xml><?xml version="1.0" encoding="utf-8"?>
+<file path=ppt/slides/slide19.xml><?xml version="1.0" encoding="utf-8"?>
 <p:sld xmlns:a="http://schemas.openxmlformats.org/drawingml/2006/main" xmlns:r="http://schemas.openxmlformats.org/officeDocument/2006/relationships" xmlns:p="http://schemas.openxmlformats.org/presentationml/2006/main">
   <p:cSld>
     <p:spTree>
@@ -13324,145 +13755,7 @@
         <p:fade/>
       </p:transition>
     </mc:Choice>
-    <mc:Fallback xmlns="" xmlns:mv="urn:schemas-microsoft-com:mac:vml" xmlns:c="http://schemas.openxmlformats.org/drawingml/2006/chart" xmlns:dgm="http://schemas.openxmlformats.org/drawingml/2006/diagram" xmlns:o="urn:schemas-microsoft-com:office:office" xmlns:v="urn:schemas-microsoft-com:vml" xmlns:pvml="urn:schemas-microsoft-com:office:powerpoint" xmlns:com="http://schemas.openxmlformats.org/drawingml/2006/compatibility" xmlns:p15="http://schemas.microsoft.com/office/powerpoint/2012/main">
-      <p:transition spd="slow">
-        <p:fade/>
-      </p:transition>
-    </mc:Fallback>
-  </mc:AlternateContent>
-</p:sld>
-</file>
-
-<file path=ppt/slides/slide19.xml><?xml version="1.0" encoding="utf-8"?>
-<p:sld xmlns:a="http://schemas.openxmlformats.org/drawingml/2006/main" xmlns:r="http://schemas.openxmlformats.org/officeDocument/2006/relationships" xmlns:p="http://schemas.openxmlformats.org/presentationml/2006/main">
-  <p:cSld>
-    <p:spTree>
-      <p:nvGrpSpPr>
-        <p:cNvPr id="1" name="Shape 145"/>
-        <p:cNvGrpSpPr/>
-        <p:nvPr/>
-      </p:nvGrpSpPr>
-      <p:grpSpPr>
-        <a:xfrm>
-          <a:off x="0" y="0"/>
-          <a:ext cx="0" cy="0"/>
-          <a:chOff x="0" y="0"/>
-          <a:chExt cx="0" cy="0"/>
-        </a:xfrm>
-      </p:grpSpPr>
-      <p:sp>
-        <p:nvSpPr>
-          <p:cNvPr id="147" name="Google Shape;147;p12"/>
-          <p:cNvSpPr txBox="1"/>
-          <p:nvPr/>
-        </p:nvSpPr>
-        <p:spPr>
-          <a:xfrm>
-            <a:off x="619125" y="517844"/>
-            <a:ext cx="10969943" cy="411480"/>
-          </a:xfrm>
-          <a:prstGeom prst="rect">
-            <a:avLst/>
-          </a:prstGeom>
-          <a:noFill/>
-          <a:ln>
-            <a:noFill/>
-          </a:ln>
-        </p:spPr>
-        <p:txBody>
-          <a:bodyPr spcFirstLastPara="1" wrap="square" lIns="0" tIns="0" rIns="0" bIns="0" anchor="t" anchorCtr="0">
-            <a:noAutofit/>
-          </a:bodyPr>
-          <a:lstStyle/>
-          <a:p>
-            <a:pPr marL="0" marR="0" lvl="0" indent="0" algn="l" rtl="0">
-              <a:lnSpc>
-                <a:spcPct val="90000"/>
-              </a:lnSpc>
-              <a:spcBef>
-                <a:spcPts val="0"/>
-              </a:spcBef>
-              <a:spcAft>
-                <a:spcPts val="0"/>
-              </a:spcAft>
-              <a:buClr>
-                <a:schemeClr val="dk1"/>
-              </a:buClr>
-              <a:buSzPts val="3200"/>
-              <a:buFont typeface="Arial"/>
-              <a:buNone/>
-            </a:pPr>
-            <a:r>
-              <a:rPr lang="en-US" sz="4000" b="1" i="0" u="none" strike="noStrike" cap="none" dirty="0">
-                <a:solidFill>
-                  <a:srgbClr val="161614"/>
-                </a:solidFill>
-                <a:latin typeface="Arial"/>
-                <a:ea typeface="Arial"/>
-                <a:cs typeface="Arial"/>
-                <a:sym typeface="Arial"/>
-              </a:rPr>
-              <a:t>YOU WRITE THE CODE: DISPLAY DATA</a:t>
-            </a:r>
-            <a:endParaRPr sz="4000" b="1" i="0" u="none" strike="noStrike" cap="none" dirty="0">
-              <a:solidFill>
-                <a:srgbClr val="161614"/>
-              </a:solidFill>
-              <a:latin typeface="Arial"/>
-              <a:ea typeface="Arial"/>
-              <a:cs typeface="Arial"/>
-              <a:sym typeface="Arial"/>
-            </a:endParaRPr>
-          </a:p>
-        </p:txBody>
-      </p:sp>
-      <p:pic>
-        <p:nvPicPr>
-          <p:cNvPr id="2" name="Picture 1">
-            <a:extLst>
-              <a:ext uri="{FF2B5EF4-FFF2-40B4-BE49-F238E27FC236}">
-                <a16:creationId xmlns:a16="http://schemas.microsoft.com/office/drawing/2014/main" id="{7EC8664E-5F0A-A143-B475-C08C65B2FBAF}"/>
-              </a:ext>
-            </a:extLst>
-          </p:cNvPr>
-          <p:cNvPicPr>
-            <a:picLocks noChangeAspect="1"/>
-          </p:cNvPicPr>
-          <p:nvPr/>
-        </p:nvPicPr>
-        <p:blipFill>
-          <a:blip r:embed="rId3"/>
-          <a:stretch>
-            <a:fillRect/>
-          </a:stretch>
-        </p:blipFill>
-        <p:spPr>
-          <a:xfrm>
-            <a:off x="1417620" y="1408844"/>
-            <a:ext cx="8267700" cy="4800600"/>
-          </a:xfrm>
-          <a:prstGeom prst="rect">
-            <a:avLst/>
-          </a:prstGeom>
-        </p:spPr>
-      </p:pic>
-    </p:spTree>
-    <p:extLst>
-      <p:ext uri="{BB962C8B-B14F-4D97-AF65-F5344CB8AC3E}">
-        <p14:creationId xmlns:p14="http://schemas.microsoft.com/office/powerpoint/2010/main" val="1659030550"/>
-      </p:ext>
-    </p:extLst>
-  </p:cSld>
-  <p:clrMapOvr>
-    <a:masterClrMapping/>
-  </p:clrMapOvr>
-  <mc:AlternateContent xmlns:mc="http://schemas.openxmlformats.org/markup-compatibility/2006" xmlns:p14="http://schemas.microsoft.com/office/powerpoint/2010/main">
-    <mc:Choice Requires="p14">
-      <p:transition spd="med" p14:dur="700">
-        <p:fade/>
-      </p:transition>
-    </mc:Choice>
-    <mc:Fallback xmlns="" xmlns:mv="urn:schemas-microsoft-com:mac:vml" xmlns:c="http://schemas.openxmlformats.org/drawingml/2006/chart" xmlns:dgm="http://schemas.openxmlformats.org/drawingml/2006/diagram" xmlns:o="urn:schemas-microsoft-com:office:office" xmlns:v="urn:schemas-microsoft-com:vml" xmlns:pvml="urn:schemas-microsoft-com:office:powerpoint" xmlns:com="http://schemas.openxmlformats.org/drawingml/2006/compatibility" xmlns:p15="http://schemas.microsoft.com/office/powerpoint/2012/main">
+    <mc:Fallback xmlns:p15="http://schemas.microsoft.com/office/powerpoint/2012/main" xmlns:com="http://schemas.openxmlformats.org/drawingml/2006/compatibility" xmlns:pvml="urn:schemas-microsoft-com:office:powerpoint" xmlns:v="urn:schemas-microsoft-com:vml" xmlns:o="urn:schemas-microsoft-com:office:office" xmlns:dgm="http://schemas.openxmlformats.org/drawingml/2006/diagram" xmlns:c="http://schemas.openxmlformats.org/drawingml/2006/chart" xmlns:mv="urn:schemas-microsoft-com:mac:vml" xmlns="">
       <p:transition spd="slow">
         <p:fade/>
       </p:transition>
@@ -13623,6 +13916,144 @@
   <p:cSld>
     <p:spTree>
       <p:nvGrpSpPr>
+        <p:cNvPr id="1" name="Shape 145"/>
+        <p:cNvGrpSpPr/>
+        <p:nvPr/>
+      </p:nvGrpSpPr>
+      <p:grpSpPr>
+        <a:xfrm>
+          <a:off x="0" y="0"/>
+          <a:ext cx="0" cy="0"/>
+          <a:chOff x="0" y="0"/>
+          <a:chExt cx="0" cy="0"/>
+        </a:xfrm>
+      </p:grpSpPr>
+      <p:sp>
+        <p:nvSpPr>
+          <p:cNvPr id="147" name="Google Shape;147;p12"/>
+          <p:cNvSpPr txBox="1"/>
+          <p:nvPr/>
+        </p:nvSpPr>
+        <p:spPr>
+          <a:xfrm>
+            <a:off x="619125" y="517844"/>
+            <a:ext cx="10969943" cy="411480"/>
+          </a:xfrm>
+          <a:prstGeom prst="rect">
+            <a:avLst/>
+          </a:prstGeom>
+          <a:noFill/>
+          <a:ln>
+            <a:noFill/>
+          </a:ln>
+        </p:spPr>
+        <p:txBody>
+          <a:bodyPr spcFirstLastPara="1" wrap="square" lIns="0" tIns="0" rIns="0" bIns="0" anchor="t" anchorCtr="0">
+            <a:noAutofit/>
+          </a:bodyPr>
+          <a:lstStyle/>
+          <a:p>
+            <a:pPr marL="0" marR="0" lvl="0" indent="0" algn="l" rtl="0">
+              <a:lnSpc>
+                <a:spcPct val="90000"/>
+              </a:lnSpc>
+              <a:spcBef>
+                <a:spcPts val="0"/>
+              </a:spcBef>
+              <a:spcAft>
+                <a:spcPts val="0"/>
+              </a:spcAft>
+              <a:buClr>
+                <a:schemeClr val="dk1"/>
+              </a:buClr>
+              <a:buSzPts val="3200"/>
+              <a:buFont typeface="Arial"/>
+              <a:buNone/>
+            </a:pPr>
+            <a:r>
+              <a:rPr lang="en-US" sz="4000" b="1" i="0" u="none" strike="noStrike" cap="none" dirty="0">
+                <a:solidFill>
+                  <a:srgbClr val="161614"/>
+                </a:solidFill>
+                <a:latin typeface="Arial"/>
+                <a:ea typeface="Arial"/>
+                <a:cs typeface="Arial"/>
+                <a:sym typeface="Arial"/>
+              </a:rPr>
+              <a:t>YOU WRITE THE CODE: DISPLAY DATA</a:t>
+            </a:r>
+            <a:endParaRPr sz="4000" b="1" i="0" u="none" strike="noStrike" cap="none" dirty="0">
+              <a:solidFill>
+                <a:srgbClr val="161614"/>
+              </a:solidFill>
+              <a:latin typeface="Arial"/>
+              <a:ea typeface="Arial"/>
+              <a:cs typeface="Arial"/>
+              <a:sym typeface="Arial"/>
+            </a:endParaRPr>
+          </a:p>
+        </p:txBody>
+      </p:sp>
+      <p:pic>
+        <p:nvPicPr>
+          <p:cNvPr id="2" name="Picture 1">
+            <a:extLst>
+              <a:ext uri="{FF2B5EF4-FFF2-40B4-BE49-F238E27FC236}">
+                <a16:creationId xmlns:a16="http://schemas.microsoft.com/office/drawing/2014/main" id="{7EC8664E-5F0A-A143-B475-C08C65B2FBAF}"/>
+              </a:ext>
+            </a:extLst>
+          </p:cNvPr>
+          <p:cNvPicPr>
+            <a:picLocks noChangeAspect="1"/>
+          </p:cNvPicPr>
+          <p:nvPr/>
+        </p:nvPicPr>
+        <p:blipFill>
+          <a:blip r:embed="rId3"/>
+          <a:stretch>
+            <a:fillRect/>
+          </a:stretch>
+        </p:blipFill>
+        <p:spPr>
+          <a:xfrm>
+            <a:off x="1417620" y="1408844"/>
+            <a:ext cx="8267700" cy="4800600"/>
+          </a:xfrm>
+          <a:prstGeom prst="rect">
+            <a:avLst/>
+          </a:prstGeom>
+        </p:spPr>
+      </p:pic>
+    </p:spTree>
+    <p:extLst>
+      <p:ext uri="{BB962C8B-B14F-4D97-AF65-F5344CB8AC3E}">
+        <p14:creationId xmlns:p14="http://schemas.microsoft.com/office/powerpoint/2010/main" val="1659030550"/>
+      </p:ext>
+    </p:extLst>
+  </p:cSld>
+  <p:clrMapOvr>
+    <a:masterClrMapping/>
+  </p:clrMapOvr>
+  <mc:AlternateContent xmlns:mc="http://schemas.openxmlformats.org/markup-compatibility/2006" xmlns:p14="http://schemas.microsoft.com/office/powerpoint/2010/main">
+    <mc:Choice Requires="p14">
+      <p:transition spd="med" p14:dur="700">
+        <p:fade/>
+      </p:transition>
+    </mc:Choice>
+    <mc:Fallback xmlns:p15="http://schemas.microsoft.com/office/powerpoint/2012/main" xmlns:com="http://schemas.openxmlformats.org/drawingml/2006/compatibility" xmlns:pvml="urn:schemas-microsoft-com:office:powerpoint" xmlns:v="urn:schemas-microsoft-com:vml" xmlns:o="urn:schemas-microsoft-com:office:office" xmlns:dgm="http://schemas.openxmlformats.org/drawingml/2006/diagram" xmlns:c="http://schemas.openxmlformats.org/drawingml/2006/chart" xmlns:mv="urn:schemas-microsoft-com:mac:vml" xmlns="">
+      <p:transition spd="slow">
+        <p:fade/>
+      </p:transition>
+    </mc:Fallback>
+  </mc:AlternateContent>
+</p:sld>
+</file>
+
+<file path=ppt/slides/slide21.xml><?xml version="1.0" encoding="utf-8"?>
+<p:sld xmlns:a="http://schemas.openxmlformats.org/drawingml/2006/main" xmlns:r="http://schemas.openxmlformats.org/officeDocument/2006/relationships" xmlns:p="http://schemas.openxmlformats.org/presentationml/2006/main">
+  <p:cSld>
+    <p:spTree>
+      <p:nvGrpSpPr>
         <p:cNvPr id="1" name="Shape 98"/>
         <p:cNvGrpSpPr/>
         <p:nvPr/>
@@ -13821,192 +14252,7 @@
         <p:fade/>
       </p:transition>
     </mc:Choice>
-    <mc:Fallback xmlns="" xmlns:mv="urn:schemas-microsoft-com:mac:vml" xmlns:c="http://schemas.openxmlformats.org/drawingml/2006/chart" xmlns:dgm="http://schemas.openxmlformats.org/drawingml/2006/diagram" xmlns:o="urn:schemas-microsoft-com:office:office" xmlns:v="urn:schemas-microsoft-com:vml" xmlns:pvml="urn:schemas-microsoft-com:office:powerpoint" xmlns:com="http://schemas.openxmlformats.org/drawingml/2006/compatibility" xmlns:p15="http://schemas.microsoft.com/office/powerpoint/2012/main">
-      <p:transition spd="slow">
-        <p:fade/>
-      </p:transition>
-    </mc:Fallback>
-  </mc:AlternateContent>
-</p:sld>
-</file>
-
-<file path=ppt/slides/slide21.xml><?xml version="1.0" encoding="utf-8"?>
-<p:sld xmlns:a="http://schemas.openxmlformats.org/drawingml/2006/main" xmlns:r="http://schemas.openxmlformats.org/officeDocument/2006/relationships" xmlns:p="http://schemas.openxmlformats.org/presentationml/2006/main">
-  <p:cSld>
-    <p:spTree>
-      <p:nvGrpSpPr>
-        <p:cNvPr id="1" name="Shape 145"/>
-        <p:cNvGrpSpPr/>
-        <p:nvPr/>
-      </p:nvGrpSpPr>
-      <p:grpSpPr>
-        <a:xfrm>
-          <a:off x="0" y="0"/>
-          <a:ext cx="0" cy="0"/>
-          <a:chOff x="0" y="0"/>
-          <a:chExt cx="0" cy="0"/>
-        </a:xfrm>
-      </p:grpSpPr>
-      <p:sp>
-        <p:nvSpPr>
-          <p:cNvPr id="146" name="Google Shape;146;p12"/>
-          <p:cNvSpPr txBox="1">
-            <a:spLocks noGrp="1"/>
-          </p:cNvSpPr>
-          <p:nvPr>
-            <p:ph type="body" idx="1"/>
-          </p:nvPr>
-        </p:nvSpPr>
-        <p:spPr>
-          <a:xfrm>
-            <a:off x="619125" y="2017713"/>
-            <a:ext cx="9532938" cy="3294062"/>
-          </a:xfrm>
-          <a:prstGeom prst="rect">
-            <a:avLst/>
-          </a:prstGeom>
-          <a:noFill/>
-          <a:ln>
-            <a:noFill/>
-          </a:ln>
-        </p:spPr>
-        <p:txBody>
-          <a:bodyPr spcFirstLastPara="1" wrap="square" lIns="0" tIns="0" rIns="0" bIns="0" anchor="t" anchorCtr="0">
-            <a:noAutofit/>
-          </a:bodyPr>
-          <a:lstStyle/>
-          <a:p>
-            <a:pPr marL="514350" lvl="0" indent="-285750">
-              <a:buSzPts val="2000"/>
-            </a:pPr>
-            <a:r>
-              <a:rPr lang="en-US" sz="2000" dirty="0"/>
-              <a:t>Display Views in Controlbar (Brightcove Player related)</a:t>
-            </a:r>
-          </a:p>
-          <a:p>
-            <a:pPr marL="514350" indent="-285750"/>
-            <a:r>
-              <a:rPr lang="en-US" sz="2000" dirty="0">
-                <a:solidFill>
-                  <a:schemeClr val="tx2">
-                    <a:lumMod val="10000"/>
-                  </a:schemeClr>
-                </a:solidFill>
-              </a:rPr>
-              <a:t>https://player.support.brightcove.com/code-samples/brightcove-player-sample-display-views-controlbar.html</a:t>
-            </a:r>
-            <a:endParaRPr sz="2200" dirty="0">
-              <a:solidFill>
-                <a:srgbClr val="000000"/>
-              </a:solidFill>
-            </a:endParaRPr>
-          </a:p>
-          <a:p>
-            <a:pPr marL="0" lvl="0" indent="0" algn="l" rtl="0">
-              <a:lnSpc>
-                <a:spcPct val="90000"/>
-              </a:lnSpc>
-              <a:spcBef>
-                <a:spcPts val="0"/>
-              </a:spcBef>
-              <a:spcAft>
-                <a:spcPts val="0"/>
-              </a:spcAft>
-              <a:buClr>
-                <a:schemeClr val="dk1"/>
-              </a:buClr>
-              <a:buSzPts val="1800"/>
-              <a:buFont typeface="Arial"/>
-              <a:buNone/>
-            </a:pPr>
-            <a:endParaRPr dirty="0"/>
-          </a:p>
-        </p:txBody>
-      </p:sp>
-      <p:sp>
-        <p:nvSpPr>
-          <p:cNvPr id="147" name="Google Shape;147;p12"/>
-          <p:cNvSpPr txBox="1"/>
-          <p:nvPr/>
-        </p:nvSpPr>
-        <p:spPr>
-          <a:xfrm>
-            <a:off x="615192" y="856891"/>
-            <a:ext cx="10969943" cy="411480"/>
-          </a:xfrm>
-          <a:prstGeom prst="rect">
-            <a:avLst/>
-          </a:prstGeom>
-          <a:noFill/>
-          <a:ln>
-            <a:noFill/>
-          </a:ln>
-        </p:spPr>
-        <p:txBody>
-          <a:bodyPr spcFirstLastPara="1" wrap="square" lIns="0" tIns="0" rIns="0" bIns="0" anchor="t" anchorCtr="0">
-            <a:noAutofit/>
-          </a:bodyPr>
-          <a:lstStyle/>
-          <a:p>
-            <a:pPr marL="0" marR="0" lvl="0" indent="0" algn="l" rtl="0">
-              <a:lnSpc>
-                <a:spcPct val="90000"/>
-              </a:lnSpc>
-              <a:spcBef>
-                <a:spcPts val="0"/>
-              </a:spcBef>
-              <a:spcAft>
-                <a:spcPts val="0"/>
-              </a:spcAft>
-              <a:buClr>
-                <a:schemeClr val="dk1"/>
-              </a:buClr>
-              <a:buSzPts val="3200"/>
-              <a:buFont typeface="Arial"/>
-              <a:buNone/>
-            </a:pPr>
-            <a:r>
-              <a:rPr lang="en-US" sz="4000" b="1" i="0" u="none" strike="noStrike" cap="none" dirty="0">
-                <a:solidFill>
-                  <a:srgbClr val="161614"/>
-                </a:solidFill>
-                <a:latin typeface="Arial"/>
-                <a:ea typeface="Arial"/>
-                <a:cs typeface="Arial"/>
-                <a:sym typeface="Arial"/>
-              </a:rPr>
-              <a:t>DISPLAY VIEWS IN CONTROLBAR</a:t>
-            </a:r>
-            <a:endParaRPr sz="4000" b="1" i="0" u="none" strike="noStrike" cap="none" dirty="0">
-              <a:solidFill>
-                <a:srgbClr val="161614"/>
-              </a:solidFill>
-              <a:latin typeface="Arial"/>
-              <a:ea typeface="Arial"/>
-              <a:cs typeface="Arial"/>
-              <a:sym typeface="Arial"/>
-            </a:endParaRPr>
-          </a:p>
-        </p:txBody>
-      </p:sp>
-    </p:spTree>
-    <p:extLst>
-      <p:ext uri="{BB962C8B-B14F-4D97-AF65-F5344CB8AC3E}">
-        <p14:creationId xmlns:p14="http://schemas.microsoft.com/office/powerpoint/2010/main" val="1664961781"/>
-      </p:ext>
-    </p:extLst>
-  </p:cSld>
-  <p:clrMapOvr>
-    <a:masterClrMapping/>
-  </p:clrMapOvr>
-  <mc:AlternateContent xmlns:mc="http://schemas.openxmlformats.org/markup-compatibility/2006" xmlns:p14="http://schemas.microsoft.com/office/powerpoint/2010/main">
-    <mc:Choice Requires="p14">
-      <p:transition spd="med" p14:dur="700">
-        <p:fade/>
-      </p:transition>
-    </mc:Choice>
-    <mc:Fallback xmlns="" xmlns:mv="urn:schemas-microsoft-com:mac:vml" xmlns:c="http://schemas.openxmlformats.org/drawingml/2006/chart" xmlns:dgm="http://schemas.openxmlformats.org/drawingml/2006/diagram" xmlns:o="urn:schemas-microsoft-com:office:office" xmlns:v="urn:schemas-microsoft-com:vml" xmlns:pvml="urn:schemas-microsoft-com:office:powerpoint" xmlns:com="http://schemas.openxmlformats.org/drawingml/2006/compatibility" xmlns:p15="http://schemas.microsoft.com/office/powerpoint/2012/main">
+    <mc:Fallback xmlns:p15="http://schemas.microsoft.com/office/powerpoint/2012/main" xmlns:com="http://schemas.openxmlformats.org/drawingml/2006/compatibility" xmlns:pvml="urn:schemas-microsoft-com:office:powerpoint" xmlns:v="urn:schemas-microsoft-com:vml" xmlns:o="urn:schemas-microsoft-com:office:office" xmlns:dgm="http://schemas.openxmlformats.org/drawingml/2006/diagram" xmlns:c="http://schemas.openxmlformats.org/drawingml/2006/chart" xmlns:mv="urn:schemas-microsoft-com:mac:vml" xmlns="">
       <p:transition spd="slow">
         <p:fade/>
       </p:transition>
@@ -14061,47 +14307,27 @@
           </a:bodyPr>
           <a:lstStyle/>
           <a:p>
-            <a:pPr marL="514350" lvl="0" indent="-285750" algn="l" rtl="0">
-              <a:lnSpc>
-                <a:spcPct val="90000"/>
-              </a:lnSpc>
-              <a:spcBef>
-                <a:spcPts val="1200"/>
-              </a:spcBef>
-              <a:spcAft>
-                <a:spcPts val="0"/>
-              </a:spcAft>
-              <a:buClr>
-                <a:srgbClr val="000000"/>
-              </a:buClr>
-              <a:buSzPts val="2000"/>
-              <a:buFont typeface="Arial"/>
-              <a:buChar char="•"/>
-            </a:pPr>
-            <a:r>
-              <a:rPr lang="en-US" sz="2000" dirty="0">
-                <a:solidFill>
-                  <a:srgbClr val="000000"/>
-                </a:solidFill>
-              </a:rPr>
-              <a:t>Bulk update a set of video’s metadata</a:t>
-            </a:r>
-          </a:p>
-          <a:p>
             <a:pPr marL="514350" lvl="0" indent="-285750">
               <a:buSzPts val="2000"/>
             </a:pPr>
             <a:r>
-              <a:rPr lang="en-US" sz="1800" dirty="0"/>
-              <a:t>https://apis.support.brightcove.com/cms/code-samples/cms-api-sample-update-videos.html</a:t>
+              <a:rPr lang="en-US" sz="2000" dirty="0"/>
+              <a:t>Display Views in Controlbar (Brightcove Player related)</a:t>
             </a:r>
           </a:p>
           <a:p>
-            <a:pPr marL="228600" lvl="0" indent="0">
-              <a:buSzPts val="2000"/>
-              <a:buNone/>
-            </a:pPr>
-            <a:endParaRPr sz="1800" dirty="0">
+            <a:pPr marL="514350" indent="-285750"/>
+            <a:r>
+              <a:rPr lang="en-US" sz="2000" dirty="0">
+                <a:solidFill>
+                  <a:schemeClr val="tx2">
+                    <a:lumMod val="10000"/>
+                  </a:schemeClr>
+                </a:solidFill>
+              </a:rPr>
+              <a:t>https://player.support.brightcove.com/code-samples/brightcove-player-sample-display-views-controlbar.html</a:t>
+            </a:r>
+            <a:endParaRPr sz="2200" dirty="0">
               <a:solidFill>
                 <a:srgbClr val="000000"/>
               </a:solidFill>
@@ -14181,7 +14407,7 @@
                 <a:cs typeface="Arial"/>
                 <a:sym typeface="Arial"/>
               </a:rPr>
-              <a:t>UPDATE VIDEOS</a:t>
+              <a:t>DISPLAY VIEWS IN CONTROLBAR</a:t>
             </a:r>
             <a:endParaRPr sz="4000" b="1" i="0" u="none" strike="noStrike" cap="none" dirty="0">
               <a:solidFill>
@@ -14198,7 +14424,7 @@
     </p:spTree>
     <p:extLst>
       <p:ext uri="{BB962C8B-B14F-4D97-AF65-F5344CB8AC3E}">
-        <p14:creationId xmlns:p14="http://schemas.microsoft.com/office/powerpoint/2010/main" val="2814004009"/>
+        <p14:creationId xmlns:p14="http://schemas.microsoft.com/office/powerpoint/2010/main" val="1664961781"/>
       </p:ext>
     </p:extLst>
   </p:cSld>
@@ -14211,7 +14437,7 @@
         <p:fade/>
       </p:transition>
     </mc:Choice>
-    <mc:Fallback xmlns="" xmlns:mv="urn:schemas-microsoft-com:mac:vml" xmlns:c="http://schemas.openxmlformats.org/drawingml/2006/chart" xmlns:dgm="http://schemas.openxmlformats.org/drawingml/2006/diagram" xmlns:o="urn:schemas-microsoft-com:office:office" xmlns:v="urn:schemas-microsoft-com:vml" xmlns:pvml="urn:schemas-microsoft-com:office:powerpoint" xmlns:com="http://schemas.openxmlformats.org/drawingml/2006/compatibility" xmlns:p15="http://schemas.microsoft.com/office/powerpoint/2012/main">
+    <mc:Fallback xmlns:p15="http://schemas.microsoft.com/office/powerpoint/2012/main" xmlns:com="http://schemas.openxmlformats.org/drawingml/2006/compatibility" xmlns:pvml="urn:schemas-microsoft-com:office:powerpoint" xmlns:v="urn:schemas-microsoft-com:vml" xmlns:o="urn:schemas-microsoft-com:office:office" xmlns:dgm="http://schemas.openxmlformats.org/drawingml/2006/diagram" xmlns:c="http://schemas.openxmlformats.org/drawingml/2006/chart" xmlns:mv="urn:schemas-microsoft-com:mac:vml" xmlns="">
       <p:transition spd="slow">
         <p:fade/>
       </p:transition>
@@ -14342,6 +14568,211 @@
         </p:nvSpPr>
         <p:spPr>
           <a:xfrm>
+            <a:off x="615192" y="856891"/>
+            <a:ext cx="10969943" cy="411480"/>
+          </a:xfrm>
+          <a:prstGeom prst="rect">
+            <a:avLst/>
+          </a:prstGeom>
+          <a:noFill/>
+          <a:ln>
+            <a:noFill/>
+          </a:ln>
+        </p:spPr>
+        <p:txBody>
+          <a:bodyPr spcFirstLastPara="1" wrap="square" lIns="0" tIns="0" rIns="0" bIns="0" anchor="t" anchorCtr="0">
+            <a:noAutofit/>
+          </a:bodyPr>
+          <a:lstStyle/>
+          <a:p>
+            <a:pPr marL="0" marR="0" lvl="0" indent="0" algn="l" rtl="0">
+              <a:lnSpc>
+                <a:spcPct val="90000"/>
+              </a:lnSpc>
+              <a:spcBef>
+                <a:spcPts val="0"/>
+              </a:spcBef>
+              <a:spcAft>
+                <a:spcPts val="0"/>
+              </a:spcAft>
+              <a:buClr>
+                <a:schemeClr val="dk1"/>
+              </a:buClr>
+              <a:buSzPts val="3200"/>
+              <a:buFont typeface="Arial"/>
+              <a:buNone/>
+            </a:pPr>
+            <a:r>
+              <a:rPr lang="en-US" sz="4000" b="1" i="0" u="none" strike="noStrike" cap="none" dirty="0">
+                <a:solidFill>
+                  <a:srgbClr val="161614"/>
+                </a:solidFill>
+                <a:latin typeface="Arial"/>
+                <a:ea typeface="Arial"/>
+                <a:cs typeface="Arial"/>
+                <a:sym typeface="Arial"/>
+              </a:rPr>
+              <a:t>UPDATE VIDEOS</a:t>
+            </a:r>
+            <a:endParaRPr sz="4000" b="1" i="0" u="none" strike="noStrike" cap="none" dirty="0">
+              <a:solidFill>
+                <a:srgbClr val="161614"/>
+              </a:solidFill>
+              <a:latin typeface="Arial"/>
+              <a:ea typeface="Arial"/>
+              <a:cs typeface="Arial"/>
+              <a:sym typeface="Arial"/>
+            </a:endParaRPr>
+          </a:p>
+        </p:txBody>
+      </p:sp>
+    </p:spTree>
+    <p:extLst>
+      <p:ext uri="{BB962C8B-B14F-4D97-AF65-F5344CB8AC3E}">
+        <p14:creationId xmlns:p14="http://schemas.microsoft.com/office/powerpoint/2010/main" val="2814004009"/>
+      </p:ext>
+    </p:extLst>
+  </p:cSld>
+  <p:clrMapOvr>
+    <a:masterClrMapping/>
+  </p:clrMapOvr>
+  <mc:AlternateContent xmlns:mc="http://schemas.openxmlformats.org/markup-compatibility/2006" xmlns:p14="http://schemas.microsoft.com/office/powerpoint/2010/main">
+    <mc:Choice Requires="p14">
+      <p:transition spd="med" p14:dur="700">
+        <p:fade/>
+      </p:transition>
+    </mc:Choice>
+    <mc:Fallback xmlns:p15="http://schemas.microsoft.com/office/powerpoint/2012/main" xmlns:com="http://schemas.openxmlformats.org/drawingml/2006/compatibility" xmlns:pvml="urn:schemas-microsoft-com:office:powerpoint" xmlns:v="urn:schemas-microsoft-com:vml" xmlns:o="urn:schemas-microsoft-com:office:office" xmlns:dgm="http://schemas.openxmlformats.org/drawingml/2006/diagram" xmlns:c="http://schemas.openxmlformats.org/drawingml/2006/chart" xmlns:mv="urn:schemas-microsoft-com:mac:vml" xmlns="">
+      <p:transition spd="slow">
+        <p:fade/>
+      </p:transition>
+    </mc:Fallback>
+  </mc:AlternateContent>
+</p:sld>
+</file>
+
+<file path=ppt/slides/slide24.xml><?xml version="1.0" encoding="utf-8"?>
+<p:sld xmlns:a="http://schemas.openxmlformats.org/drawingml/2006/main" xmlns:r="http://schemas.openxmlformats.org/officeDocument/2006/relationships" xmlns:p="http://schemas.openxmlformats.org/presentationml/2006/main">
+  <p:cSld>
+    <p:spTree>
+      <p:nvGrpSpPr>
+        <p:cNvPr id="1" name="Shape 145"/>
+        <p:cNvGrpSpPr/>
+        <p:nvPr/>
+      </p:nvGrpSpPr>
+      <p:grpSpPr>
+        <a:xfrm>
+          <a:off x="0" y="0"/>
+          <a:ext cx="0" cy="0"/>
+          <a:chOff x="0" y="0"/>
+          <a:chExt cx="0" cy="0"/>
+        </a:xfrm>
+      </p:grpSpPr>
+      <p:sp>
+        <p:nvSpPr>
+          <p:cNvPr id="146" name="Google Shape;146;p12"/>
+          <p:cNvSpPr txBox="1">
+            <a:spLocks noGrp="1"/>
+          </p:cNvSpPr>
+          <p:nvPr>
+            <p:ph type="body" idx="1"/>
+          </p:nvPr>
+        </p:nvSpPr>
+        <p:spPr>
+          <a:xfrm>
+            <a:off x="619125" y="2017713"/>
+            <a:ext cx="9532938" cy="3294062"/>
+          </a:xfrm>
+          <a:prstGeom prst="rect">
+            <a:avLst/>
+          </a:prstGeom>
+          <a:noFill/>
+          <a:ln>
+            <a:noFill/>
+          </a:ln>
+        </p:spPr>
+        <p:txBody>
+          <a:bodyPr spcFirstLastPara="1" wrap="square" lIns="0" tIns="0" rIns="0" bIns="0" anchor="t" anchorCtr="0">
+            <a:noAutofit/>
+          </a:bodyPr>
+          <a:lstStyle/>
+          <a:p>
+            <a:pPr marL="514350" lvl="0" indent="-285750" algn="l" rtl="0">
+              <a:lnSpc>
+                <a:spcPct val="90000"/>
+              </a:lnSpc>
+              <a:spcBef>
+                <a:spcPts val="1200"/>
+              </a:spcBef>
+              <a:spcAft>
+                <a:spcPts val="0"/>
+              </a:spcAft>
+              <a:buClr>
+                <a:srgbClr val="000000"/>
+              </a:buClr>
+              <a:buSzPts val="2000"/>
+              <a:buFont typeface="Arial"/>
+              <a:buChar char="•"/>
+            </a:pPr>
+            <a:r>
+              <a:rPr lang="en-US" sz="2000" dirty="0">
+                <a:solidFill>
+                  <a:srgbClr val="000000"/>
+                </a:solidFill>
+              </a:rPr>
+              <a:t>Bulk update a set of video’s metadata</a:t>
+            </a:r>
+          </a:p>
+          <a:p>
+            <a:pPr marL="514350" lvl="0" indent="-285750">
+              <a:buSzPts val="2000"/>
+            </a:pPr>
+            <a:r>
+              <a:rPr lang="en-US" sz="1800" dirty="0"/>
+              <a:t>https://apis.support.brightcove.com/cms/code-samples/cms-api-sample-update-videos.html</a:t>
+            </a:r>
+          </a:p>
+          <a:p>
+            <a:pPr marL="228600" lvl="0" indent="0">
+              <a:buSzPts val="2000"/>
+              <a:buNone/>
+            </a:pPr>
+            <a:endParaRPr sz="1800" dirty="0">
+              <a:solidFill>
+                <a:srgbClr val="000000"/>
+              </a:solidFill>
+            </a:endParaRPr>
+          </a:p>
+          <a:p>
+            <a:pPr marL="0" lvl="0" indent="0" algn="l" rtl="0">
+              <a:lnSpc>
+                <a:spcPct val="90000"/>
+              </a:lnSpc>
+              <a:spcBef>
+                <a:spcPts val="0"/>
+              </a:spcBef>
+              <a:spcAft>
+                <a:spcPts val="0"/>
+              </a:spcAft>
+              <a:buClr>
+                <a:schemeClr val="dk1"/>
+              </a:buClr>
+              <a:buSzPts val="1800"/>
+              <a:buFont typeface="Arial"/>
+              <a:buNone/>
+            </a:pPr>
+            <a:endParaRPr dirty="0"/>
+          </a:p>
+        </p:txBody>
+      </p:sp>
+      <p:sp>
+        <p:nvSpPr>
+          <p:cNvPr id="147" name="Google Shape;147;p12"/>
+          <p:cNvSpPr txBox="1"/>
+          <p:nvPr/>
+        </p:nvSpPr>
+        <p:spPr>
+          <a:xfrm>
             <a:off x="619125" y="856891"/>
             <a:ext cx="10966010" cy="411480"/>
           </a:xfrm>
@@ -14434,7 +14865,7 @@
         <p:fade/>
       </p:transition>
     </mc:Choice>
-    <mc:Fallback xmlns="" xmlns:mv="urn:schemas-microsoft-com:mac:vml" xmlns:c="http://schemas.openxmlformats.org/drawingml/2006/chart" xmlns:dgm="http://schemas.openxmlformats.org/drawingml/2006/diagram" xmlns:o="urn:schemas-microsoft-com:office:office" xmlns:v="urn:schemas-microsoft-com:vml" xmlns:pvml="urn:schemas-microsoft-com:office:powerpoint" xmlns:com="http://schemas.openxmlformats.org/drawingml/2006/compatibility" xmlns:p15="http://schemas.microsoft.com/office/powerpoint/2012/main">
+    <mc:Fallback xmlns:p15="http://schemas.microsoft.com/office/powerpoint/2012/main" xmlns:com="http://schemas.openxmlformats.org/drawingml/2006/compatibility" xmlns:pvml="urn:schemas-microsoft-com:office:powerpoint" xmlns:v="urn:schemas-microsoft-com:vml" xmlns:o="urn:schemas-microsoft-com:office:office" xmlns:dgm="http://schemas.openxmlformats.org/drawingml/2006/diagram" xmlns:c="http://schemas.openxmlformats.org/drawingml/2006/chart" xmlns:mv="urn:schemas-microsoft-com:mac:vml" xmlns="">
       <p:transition spd="slow">
         <p:fade/>
       </p:transition>
@@ -14443,7 +14874,7 @@
 </p:sld>
 </file>
 
-<file path=ppt/slides/slide24.xml><?xml version="1.0" encoding="utf-8"?>
+<file path=ppt/slides/slide25.xml><?xml version="1.0" encoding="utf-8"?>
 <p:sld xmlns:a="http://schemas.openxmlformats.org/drawingml/2006/main" xmlns:r="http://schemas.openxmlformats.org/officeDocument/2006/relationships" xmlns:p="http://schemas.openxmlformats.org/presentationml/2006/main">
   <p:cSld>
     <p:spTree>
@@ -14719,7 +15150,7 @@
         <p:fade/>
       </p:transition>
     </mc:Choice>
-    <mc:Fallback xmlns="" xmlns:mv="urn:schemas-microsoft-com:mac:vml" xmlns:c="http://schemas.openxmlformats.org/drawingml/2006/chart" xmlns:dgm="http://schemas.openxmlformats.org/drawingml/2006/diagram" xmlns:o="urn:schemas-microsoft-com:office:office" xmlns:v="urn:schemas-microsoft-com:vml" xmlns:pvml="urn:schemas-microsoft-com:office:powerpoint" xmlns:com="http://schemas.openxmlformats.org/drawingml/2006/compatibility" xmlns:p15="http://schemas.microsoft.com/office/powerpoint/2012/main">
+    <mc:Fallback xmlns:p15="http://schemas.microsoft.com/office/powerpoint/2012/main" xmlns:com="http://schemas.openxmlformats.org/drawingml/2006/compatibility" xmlns:pvml="urn:schemas-microsoft-com:office:powerpoint" xmlns:v="urn:schemas-microsoft-com:vml" xmlns:o="urn:schemas-microsoft-com:office:office" xmlns:dgm="http://schemas.openxmlformats.org/drawingml/2006/diagram" xmlns:c="http://schemas.openxmlformats.org/drawingml/2006/chart" xmlns:mv="urn:schemas-microsoft-com:mac:vml" xmlns="">
       <p:transition spd="slow">
         <p:fade/>
       </p:transition>
@@ -14728,7 +15159,303 @@
 </p:sld>
 </file>
 
-<file path=ppt/slides/slide25.xml><?xml version="1.0" encoding="utf-8"?>
+<file path=ppt/slides/slide26.xml><?xml version="1.0" encoding="utf-8"?>
+<p:sld xmlns:a="http://schemas.openxmlformats.org/drawingml/2006/main" xmlns:r="http://schemas.openxmlformats.org/officeDocument/2006/relationships" xmlns:p="http://schemas.openxmlformats.org/presentationml/2006/main">
+  <p:cSld>
+    <p:spTree>
+      <p:nvGrpSpPr>
+        <p:cNvPr id="1" name="Shape 145"/>
+        <p:cNvGrpSpPr/>
+        <p:nvPr/>
+      </p:nvGrpSpPr>
+      <p:grpSpPr>
+        <a:xfrm>
+          <a:off x="0" y="0"/>
+          <a:ext cx="0" cy="0"/>
+          <a:chOff x="0" y="0"/>
+          <a:chExt cx="0" cy="0"/>
+        </a:xfrm>
+      </p:grpSpPr>
+      <p:sp>
+        <p:nvSpPr>
+          <p:cNvPr id="146" name="Google Shape;146;p12"/>
+          <p:cNvSpPr txBox="1">
+            <a:spLocks noGrp="1"/>
+          </p:cNvSpPr>
+          <p:nvPr>
+            <p:ph type="body" idx="1"/>
+          </p:nvPr>
+        </p:nvSpPr>
+        <p:spPr>
+          <a:xfrm>
+            <a:off x="619125" y="2017713"/>
+            <a:ext cx="9532938" cy="3294062"/>
+          </a:xfrm>
+          <a:prstGeom prst="rect">
+            <a:avLst/>
+          </a:prstGeom>
+          <a:noFill/>
+          <a:ln>
+            <a:noFill/>
+          </a:ln>
+        </p:spPr>
+        <p:txBody>
+          <a:bodyPr spcFirstLastPara="1" wrap="square" lIns="0" tIns="0" rIns="0" bIns="0" anchor="t" anchorCtr="0">
+            <a:noAutofit/>
+          </a:bodyPr>
+          <a:lstStyle/>
+          <a:p>
+            <a:pPr marL="514350" indent="-285750"/>
+            <a:r>
+              <a:rPr lang="en-US" sz="2000" dirty="0"/>
+              <a:t>Learning Guide: Using the REST APIs</a:t>
+            </a:r>
+            <a:endParaRPr lang="en-US" sz="2000" dirty="0">
+              <a:solidFill>
+                <a:srgbClr val="002060"/>
+              </a:solidFill>
+              <a:hlinkClick r:id="rId3">
+                <a:extLst>
+                  <a:ext uri="{A12FA001-AC4F-418D-AE19-62706E023703}">
+                    <ahyp:hlinkClr xmlns:ahyp="http://schemas.microsoft.com/office/drawing/2018/hyperlinkcolor" val="tx"/>
+                  </a:ext>
+                </a:extLst>
+              </a:hlinkClick>
+            </a:endParaRPr>
+          </a:p>
+          <a:p>
+            <a:pPr marL="514350" indent="-285750"/>
+            <a:r>
+              <a:rPr lang="en-US" sz="2000" dirty="0">
+                <a:solidFill>
+                  <a:srgbClr val="0070C0"/>
+                </a:solidFill>
+                <a:hlinkClick r:id="rId3">
+                  <a:extLst>
+                    <a:ext uri="{A12FA001-AC4F-418D-AE19-62706E023703}">
+                      <ahyp:hlinkClr xmlns:ahyp="http://schemas.microsoft.com/office/drawing/2018/hyperlinkcolor" val="tx"/>
+                    </a:ext>
+                  </a:extLst>
+                </a:hlinkClick>
+              </a:rPr>
+              <a:t>https://player.support.brightcove.com/code-samples/brightcove-player-sample-display-views-controlbar.html</a:t>
+            </a:r>
+            <a:endParaRPr lang="en-US" sz="2000" dirty="0">
+              <a:solidFill>
+                <a:srgbClr val="0070C0"/>
+              </a:solidFill>
+            </a:endParaRPr>
+          </a:p>
+          <a:p>
+            <a:pPr marL="514350" indent="-285750"/>
+            <a:endParaRPr lang="en-US" sz="2000" dirty="0">
+              <a:solidFill>
+                <a:schemeClr val="tx2">
+                  <a:lumMod val="10000"/>
+                </a:schemeClr>
+              </a:solidFill>
+            </a:endParaRPr>
+          </a:p>
+          <a:p>
+            <a:pPr marL="514350" indent="-285750"/>
+            <a:r>
+              <a:rPr lang="en-US" sz="2000" dirty="0">
+                <a:solidFill>
+                  <a:schemeClr val="tx2">
+                    <a:lumMod val="10000"/>
+                  </a:schemeClr>
+                </a:solidFill>
+              </a:rPr>
+              <a:t>Video Cloud Platform APIs Documentation</a:t>
+            </a:r>
+          </a:p>
+          <a:p>
+            <a:pPr marL="514350" indent="-285750"/>
+            <a:r>
+              <a:rPr lang="en-US" sz="2000" dirty="0">
+                <a:solidFill>
+                  <a:srgbClr val="0070C0"/>
+                </a:solidFill>
+              </a:rPr>
+              <a:t>https://</a:t>
+            </a:r>
+            <a:r>
+              <a:rPr lang="en-US" sz="2000" dirty="0" err="1">
+                <a:solidFill>
+                  <a:srgbClr val="0070C0"/>
+                </a:solidFill>
+              </a:rPr>
+              <a:t>apis.support.brightcove.com</a:t>
+            </a:r>
+            <a:r>
+              <a:rPr lang="en-US" sz="2000" dirty="0">
+                <a:solidFill>
+                  <a:srgbClr val="0070C0"/>
+                </a:solidFill>
+              </a:rPr>
+              <a:t>/</a:t>
+            </a:r>
+          </a:p>
+          <a:p>
+            <a:pPr marL="514350" indent="-285750"/>
+            <a:endParaRPr lang="en-US" sz="2000" dirty="0">
+              <a:solidFill>
+                <a:schemeClr val="tx2">
+                  <a:lumMod val="10000"/>
+                </a:schemeClr>
+              </a:solidFill>
+            </a:endParaRPr>
+          </a:p>
+          <a:p>
+            <a:pPr marL="514350" indent="-285750"/>
+            <a:r>
+              <a:rPr lang="en-US" sz="2000" dirty="0">
+                <a:solidFill>
+                  <a:schemeClr val="tx2">
+                    <a:lumMod val="10000"/>
+                  </a:schemeClr>
+                </a:solidFill>
+              </a:rPr>
+              <a:t>Player Samples</a:t>
+            </a:r>
+          </a:p>
+          <a:p>
+            <a:pPr marL="514350" indent="-285750"/>
+            <a:r>
+              <a:rPr lang="en-US" sz="2000" dirty="0">
+                <a:solidFill>
+                  <a:srgbClr val="0070C0"/>
+                </a:solidFill>
+                <a:hlinkClick r:id="rId4">
+                  <a:extLst>
+                    <a:ext uri="{A12FA001-AC4F-418D-AE19-62706E023703}">
+                      <ahyp:hlinkClr xmlns:ahyp="http://schemas.microsoft.com/office/drawing/2018/hyperlinkcolor" val="tx"/>
+                    </a:ext>
+                  </a:extLst>
+                </a:hlinkClick>
+              </a:rPr>
+              <a:t>https://player.support.brightcove.com/code-samples/</a:t>
+            </a:r>
+            <a:endParaRPr sz="2200" dirty="0">
+              <a:solidFill>
+                <a:srgbClr val="0070C0"/>
+              </a:solidFill>
+            </a:endParaRPr>
+          </a:p>
+          <a:p>
+            <a:pPr marL="0" lvl="0" indent="0" algn="l" rtl="0">
+              <a:lnSpc>
+                <a:spcPct val="90000"/>
+              </a:lnSpc>
+              <a:spcBef>
+                <a:spcPts val="0"/>
+              </a:spcBef>
+              <a:spcAft>
+                <a:spcPts val="0"/>
+              </a:spcAft>
+              <a:buClr>
+                <a:schemeClr val="dk1"/>
+              </a:buClr>
+              <a:buSzPts val="1800"/>
+              <a:buFont typeface="Arial"/>
+              <a:buNone/>
+            </a:pPr>
+            <a:endParaRPr dirty="0"/>
+          </a:p>
+        </p:txBody>
+      </p:sp>
+      <p:sp>
+        <p:nvSpPr>
+          <p:cNvPr id="147" name="Google Shape;147;p12"/>
+          <p:cNvSpPr txBox="1"/>
+          <p:nvPr/>
+        </p:nvSpPr>
+        <p:spPr>
+          <a:xfrm>
+            <a:off x="615192" y="856891"/>
+            <a:ext cx="10969943" cy="411480"/>
+          </a:xfrm>
+          <a:prstGeom prst="rect">
+            <a:avLst/>
+          </a:prstGeom>
+          <a:noFill/>
+          <a:ln>
+            <a:noFill/>
+          </a:ln>
+        </p:spPr>
+        <p:txBody>
+          <a:bodyPr spcFirstLastPara="1" wrap="square" lIns="0" tIns="0" rIns="0" bIns="0" anchor="t" anchorCtr="0">
+            <a:noAutofit/>
+          </a:bodyPr>
+          <a:lstStyle/>
+          <a:p>
+            <a:pPr marL="0" marR="0" lvl="0" indent="0" algn="l" rtl="0">
+              <a:lnSpc>
+                <a:spcPct val="90000"/>
+              </a:lnSpc>
+              <a:spcBef>
+                <a:spcPts val="0"/>
+              </a:spcBef>
+              <a:spcAft>
+                <a:spcPts val="0"/>
+              </a:spcAft>
+              <a:buClr>
+                <a:schemeClr val="dk1"/>
+              </a:buClr>
+              <a:buSzPts val="3200"/>
+              <a:buFont typeface="Arial"/>
+              <a:buNone/>
+            </a:pPr>
+            <a:r>
+              <a:rPr lang="en-US" sz="4000" b="1" i="0" u="none" strike="noStrike" cap="none" dirty="0">
+                <a:solidFill>
+                  <a:srgbClr val="161614"/>
+                </a:solidFill>
+                <a:latin typeface="Arial"/>
+                <a:ea typeface="Arial"/>
+                <a:cs typeface="Arial"/>
+                <a:sym typeface="Arial"/>
+              </a:rPr>
+              <a:t>KEY RESOURCES</a:t>
+            </a:r>
+            <a:endParaRPr sz="4000" b="1" i="0" u="none" strike="noStrike" cap="none" dirty="0">
+              <a:solidFill>
+                <a:srgbClr val="161614"/>
+              </a:solidFill>
+              <a:latin typeface="Arial"/>
+              <a:ea typeface="Arial"/>
+              <a:cs typeface="Arial"/>
+              <a:sym typeface="Arial"/>
+            </a:endParaRPr>
+          </a:p>
+        </p:txBody>
+      </p:sp>
+    </p:spTree>
+    <p:extLst>
+      <p:ext uri="{BB962C8B-B14F-4D97-AF65-F5344CB8AC3E}">
+        <p14:creationId xmlns:p14="http://schemas.microsoft.com/office/powerpoint/2010/main" val="1488237546"/>
+      </p:ext>
+    </p:extLst>
+  </p:cSld>
+  <p:clrMapOvr>
+    <a:masterClrMapping/>
+  </p:clrMapOvr>
+  <mc:AlternateContent xmlns:mc="http://schemas.openxmlformats.org/markup-compatibility/2006" xmlns:p14="http://schemas.microsoft.com/office/powerpoint/2010/main">
+    <mc:Choice Requires="p14">
+      <p:transition spd="med" p14:dur="700">
+        <p:fade/>
+      </p:transition>
+    </mc:Choice>
+    <mc:Fallback xmlns:p15="http://schemas.microsoft.com/office/powerpoint/2012/main" xmlns:com="http://schemas.openxmlformats.org/drawingml/2006/compatibility" xmlns:pvml="urn:schemas-microsoft-com:office:powerpoint" xmlns:v="urn:schemas-microsoft-com:vml" xmlns:o="urn:schemas-microsoft-com:office:office" xmlns:dgm="http://schemas.openxmlformats.org/drawingml/2006/diagram" xmlns:c="http://schemas.openxmlformats.org/drawingml/2006/chart" xmlns:mv="urn:schemas-microsoft-com:mac:vml" xmlns="">
+      <p:transition spd="slow">
+        <p:fade/>
+      </p:transition>
+    </mc:Fallback>
+  </mc:AlternateContent>
+</p:sld>
+</file>
+
+<file path=ppt/slides/slide27.xml><?xml version="1.0" encoding="utf-8"?>
 <p:sld xmlns:a="http://schemas.openxmlformats.org/drawingml/2006/main" xmlns:r="http://schemas.openxmlformats.org/officeDocument/2006/relationships" xmlns:p="http://schemas.openxmlformats.org/presentationml/2006/main">
   <p:cSld>
     <p:spTree>
@@ -14756,7 +15483,7 @@
         <p:fade/>
       </p:transition>
     </mc:Choice>
-    <mc:Fallback xmlns="" xmlns:mv="urn:schemas-microsoft-com:mac:vml" xmlns:c="http://schemas.openxmlformats.org/drawingml/2006/chart" xmlns:dgm="http://schemas.openxmlformats.org/drawingml/2006/diagram" xmlns:o="urn:schemas-microsoft-com:office:office" xmlns:v="urn:schemas-microsoft-com:vml" xmlns:pvml="urn:schemas-microsoft-com:office:powerpoint" xmlns:com="http://schemas.openxmlformats.org/drawingml/2006/compatibility" xmlns:p15="http://schemas.microsoft.com/office/powerpoint/2012/main">
+    <mc:Fallback xmlns:p15="http://schemas.microsoft.com/office/powerpoint/2012/main" xmlns:com="http://schemas.openxmlformats.org/drawingml/2006/compatibility" xmlns:pvml="urn:schemas-microsoft-com:office:powerpoint" xmlns:v="urn:schemas-microsoft-com:vml" xmlns:o="urn:schemas-microsoft-com:office:office" xmlns:dgm="http://schemas.openxmlformats.org/drawingml/2006/diagram" xmlns:c="http://schemas.openxmlformats.org/drawingml/2006/chart" xmlns:mv="urn:schemas-microsoft-com:mac:vml" xmlns="">
       <p:transition spd="slow">
         <p:fade/>
       </p:transition>
@@ -14924,7 +15651,7 @@
         <p:fade/>
       </p:transition>
     </mc:Choice>
-    <mc:Fallback xmlns="" xmlns:mv="urn:schemas-microsoft-com:mac:vml" xmlns:c="http://schemas.openxmlformats.org/drawingml/2006/chart" xmlns:dgm="http://schemas.openxmlformats.org/drawingml/2006/diagram" xmlns:o="urn:schemas-microsoft-com:office:office" xmlns:v="urn:schemas-microsoft-com:vml" xmlns:pvml="urn:schemas-microsoft-com:office:powerpoint" xmlns:com="http://schemas.openxmlformats.org/drawingml/2006/compatibility" xmlns:p15="http://schemas.microsoft.com/office/powerpoint/2012/main">
+    <mc:Fallback xmlns:p15="http://schemas.microsoft.com/office/powerpoint/2012/main" xmlns:com="http://schemas.openxmlformats.org/drawingml/2006/compatibility" xmlns:pvml="urn:schemas-microsoft-com:office:powerpoint" xmlns:v="urn:schemas-microsoft-com:vml" xmlns:o="urn:schemas-microsoft-com:office:office" xmlns:dgm="http://schemas.openxmlformats.org/drawingml/2006/diagram" xmlns:c="http://schemas.openxmlformats.org/drawingml/2006/chart" xmlns:mv="urn:schemas-microsoft-com:mac:vml" xmlns="">
       <p:transition spd="slow">
         <p:fade/>
       </p:transition>
@@ -15203,7 +15930,7 @@
         <p:fade/>
       </p:transition>
     </mc:Choice>
-    <mc:Fallback xmlns="" xmlns:mv="urn:schemas-microsoft-com:mac:vml" xmlns:c="http://schemas.openxmlformats.org/drawingml/2006/chart" xmlns:dgm="http://schemas.openxmlformats.org/drawingml/2006/diagram" xmlns:o="urn:schemas-microsoft-com:office:office" xmlns:v="urn:schemas-microsoft-com:vml" xmlns:pvml="urn:schemas-microsoft-com:office:powerpoint" xmlns:com="http://schemas.openxmlformats.org/drawingml/2006/compatibility" xmlns:p15="http://schemas.microsoft.com/office/powerpoint/2012/main">
+    <mc:Fallback xmlns:p15="http://schemas.microsoft.com/office/powerpoint/2012/main" xmlns:com="http://schemas.openxmlformats.org/drawingml/2006/compatibility" xmlns:pvml="urn:schemas-microsoft-com:office:powerpoint" xmlns:v="urn:schemas-microsoft-com:vml" xmlns:o="urn:schemas-microsoft-com:office:office" xmlns:dgm="http://schemas.openxmlformats.org/drawingml/2006/diagram" xmlns:c="http://schemas.openxmlformats.org/drawingml/2006/chart" xmlns:mv="urn:schemas-microsoft-com:mac:vml" xmlns="">
       <p:transition spd="slow">
         <p:fade/>
       </p:transition>
@@ -15376,6 +16103,26 @@
               <a:rPr lang="en-US" dirty="0"/>
               <a:t>Demonstration of a few samples</a:t>
             </a:r>
+          </a:p>
+          <a:p>
+            <a:pPr marL="347663" lvl="0" indent="-342900" algn="l" rtl="0">
+              <a:lnSpc>
+                <a:spcPct val="90000"/>
+              </a:lnSpc>
+              <a:spcBef>
+                <a:spcPts val="0"/>
+              </a:spcBef>
+              <a:spcAft>
+                <a:spcPts val="0"/>
+              </a:spcAft>
+              <a:buSzPts val="2400"/>
+              <a:buFont typeface="Arial" panose="020B0604020202020204" pitchFamily="34" charset="0"/>
+              <a:buChar char="•"/>
+            </a:pPr>
+            <a:r>
+              <a:rPr lang="en-US" dirty="0"/>
+              <a:t>Lots of functionality</a:t>
+            </a:r>
             <a:endParaRPr dirty="0"/>
           </a:p>
           <a:p>
@@ -15416,7 +16163,7 @@
         <p:fade/>
       </p:transition>
     </mc:Choice>
-    <mc:Fallback xmlns="" xmlns:mv="urn:schemas-microsoft-com:mac:vml" xmlns:c="http://schemas.openxmlformats.org/drawingml/2006/chart" xmlns:dgm="http://schemas.openxmlformats.org/drawingml/2006/diagram" xmlns:o="urn:schemas-microsoft-com:office:office" xmlns:v="urn:schemas-microsoft-com:vml" xmlns:pvml="urn:schemas-microsoft-com:office:powerpoint" xmlns:com="http://schemas.openxmlformats.org/drawingml/2006/compatibility" xmlns:p15="http://schemas.microsoft.com/office/powerpoint/2012/main">
+    <mc:Fallback xmlns:p15="http://schemas.microsoft.com/office/powerpoint/2012/main" xmlns:com="http://schemas.openxmlformats.org/drawingml/2006/compatibility" xmlns:pvml="urn:schemas-microsoft-com:office:powerpoint" xmlns:v="urn:schemas-microsoft-com:vml" xmlns:o="urn:schemas-microsoft-com:office:office" xmlns:dgm="http://schemas.openxmlformats.org/drawingml/2006/diagram" xmlns:c="http://schemas.openxmlformats.org/drawingml/2006/chart" xmlns:mv="urn:schemas-microsoft-com:mac:vml" xmlns="">
       <p:transition spd="slow">
         <p:fade/>
       </p:transition>
@@ -15612,7 +16359,7 @@
         <p:fade/>
       </p:transition>
     </mc:Choice>
-    <mc:Fallback xmlns="" xmlns:mv="urn:schemas-microsoft-com:mac:vml" xmlns:c="http://schemas.openxmlformats.org/drawingml/2006/chart" xmlns:dgm="http://schemas.openxmlformats.org/drawingml/2006/diagram" xmlns:o="urn:schemas-microsoft-com:office:office" xmlns:v="urn:schemas-microsoft-com:vml" xmlns:pvml="urn:schemas-microsoft-com:office:powerpoint" xmlns:com="http://schemas.openxmlformats.org/drawingml/2006/compatibility" xmlns:p15="http://schemas.microsoft.com/office/powerpoint/2012/main">
+    <mc:Fallback xmlns:p15="http://schemas.microsoft.com/office/powerpoint/2012/main" xmlns:com="http://schemas.openxmlformats.org/drawingml/2006/compatibility" xmlns:pvml="urn:schemas-microsoft-com:office:powerpoint" xmlns:v="urn:schemas-microsoft-com:vml" xmlns:o="urn:schemas-microsoft-com:office:office" xmlns:dgm="http://schemas.openxmlformats.org/drawingml/2006/diagram" xmlns:c="http://schemas.openxmlformats.org/drawingml/2006/chart" xmlns:mv="urn:schemas-microsoft-com:mac:vml" xmlns="">
       <p:transition spd="slow">
         <p:fade/>
       </p:transition>
@@ -15902,7 +16649,7 @@
         <p:fade/>
       </p:transition>
     </mc:Choice>
-    <mc:Fallback xmlns="" xmlns:mv="urn:schemas-microsoft-com:mac:vml" xmlns:c="http://schemas.openxmlformats.org/drawingml/2006/chart" xmlns:dgm="http://schemas.openxmlformats.org/drawingml/2006/diagram" xmlns:o="urn:schemas-microsoft-com:office:office" xmlns:v="urn:schemas-microsoft-com:vml" xmlns:pvml="urn:schemas-microsoft-com:office:powerpoint" xmlns:com="http://schemas.openxmlformats.org/drawingml/2006/compatibility" xmlns:p15="http://schemas.microsoft.com/office/powerpoint/2012/main">
+    <mc:Fallback xmlns:p15="http://schemas.microsoft.com/office/powerpoint/2012/main" xmlns:com="http://schemas.openxmlformats.org/drawingml/2006/compatibility" xmlns:pvml="urn:schemas-microsoft-com:office:powerpoint" xmlns:v="urn:schemas-microsoft-com:vml" xmlns:o="urn:schemas-microsoft-com:office:office" xmlns:dgm="http://schemas.openxmlformats.org/drawingml/2006/diagram" xmlns:c="http://schemas.openxmlformats.org/drawingml/2006/chart" xmlns:mv="urn:schemas-microsoft-com:mac:vml" xmlns="">
       <p:transition spd="slow">
         <p:fade/>
       </p:transition>
@@ -16123,7 +16870,7 @@
         <p:fade/>
       </p:transition>
     </mc:Choice>
-    <mc:Fallback xmlns="" xmlns:mv="urn:schemas-microsoft-com:mac:vml" xmlns:c="http://schemas.openxmlformats.org/drawingml/2006/chart" xmlns:dgm="http://schemas.openxmlformats.org/drawingml/2006/diagram" xmlns:o="urn:schemas-microsoft-com:office:office" xmlns:v="urn:schemas-microsoft-com:vml" xmlns:pvml="urn:schemas-microsoft-com:office:powerpoint" xmlns:com="http://schemas.openxmlformats.org/drawingml/2006/compatibility" xmlns:p15="http://schemas.microsoft.com/office/powerpoint/2012/main">
+    <mc:Fallback xmlns:p15="http://schemas.microsoft.com/office/powerpoint/2012/main" xmlns:com="http://schemas.openxmlformats.org/drawingml/2006/compatibility" xmlns:pvml="urn:schemas-microsoft-com:office:powerpoint" xmlns:v="urn:schemas-microsoft-com:vml" xmlns:o="urn:schemas-microsoft-com:office:office" xmlns:dgm="http://schemas.openxmlformats.org/drawingml/2006/diagram" xmlns:c="http://schemas.openxmlformats.org/drawingml/2006/chart" xmlns:mv="urn:schemas-microsoft-com:mac:vml" xmlns="">
       <p:transition spd="slow">
         <p:fade/>
       </p:transition>
@@ -16137,7 +16884,7 @@
   <p:cSld>
     <p:spTree>
       <p:nvGrpSpPr>
-        <p:cNvPr id="1" name="Shape 98"/>
+        <p:cNvPr id="1" name="Shape 145"/>
         <p:cNvGrpSpPr/>
         <p:nvPr/>
       </p:nvGrpSpPr>
@@ -16151,18 +16898,18 @@
       </p:grpSpPr>
       <p:sp>
         <p:nvSpPr>
-          <p:cNvPr id="99" name="Google Shape;99;p3"/>
+          <p:cNvPr id="146" name="Google Shape;146;p12"/>
           <p:cNvSpPr txBox="1">
             <a:spLocks noGrp="1"/>
           </p:cNvSpPr>
           <p:nvPr>
-            <p:ph type="title"/>
+            <p:ph type="body" idx="1"/>
           </p:nvPr>
         </p:nvSpPr>
         <p:spPr>
           <a:xfrm>
-            <a:off x="609600" y="655914"/>
-            <a:ext cx="8044543" cy="1333903"/>
+            <a:off x="619125" y="1448656"/>
+            <a:ext cx="4363841" cy="544531"/>
           </a:xfrm>
           <a:prstGeom prst="rect">
             <a:avLst/>
@@ -16178,37 +16925,43 @@
           </a:bodyPr>
           <a:lstStyle/>
           <a:p>
+            <a:pPr marL="228600" lvl="0" indent="0">
+              <a:buSzPts val="2000"/>
+              <a:buNone/>
+            </a:pPr>
             <a:r>
-              <a:rPr lang="en-US" b="0" dirty="0"/>
-              <a:t>HIGH LEVEL IMPLEMENTATION VIEW</a:t>
+              <a:rPr lang="en-US" sz="2000" dirty="0">
+                <a:solidFill>
+                  <a:srgbClr val="0070C0"/>
+                </a:solidFill>
+                <a:hlinkClick r:id="rId3">
+                  <a:extLst>
+                    <a:ext uri="{A12FA001-AC4F-418D-AE19-62706E023703}">
+                      <ahyp:hlinkClr xmlns:ahyp="http://schemas.microsoft.com/office/drawing/2018/hyperlinkcolor" val="tx"/>
+                    </a:ext>
+                  </a:extLst>
+                </a:hlinkClick>
+              </a:rPr>
+              <a:t>https://apis.support.brightcove.com/</a:t>
             </a:r>
-            <a:br>
-              <a:rPr lang="en-US" dirty="0"/>
-            </a:br>
-            <a:endParaRPr sz="6000" dirty="0"/>
+            <a:endParaRPr lang="en-US" sz="2000" dirty="0">
+              <a:solidFill>
+                <a:srgbClr val="0070C0"/>
+              </a:solidFill>
+            </a:endParaRPr>
           </a:p>
         </p:txBody>
       </p:sp>
       <p:sp>
         <p:nvSpPr>
-          <p:cNvPr id="4" name="Google Shape;100;p3">
-            <a:extLst>
-              <a:ext uri="{FF2B5EF4-FFF2-40B4-BE49-F238E27FC236}">
-                <a16:creationId xmlns:a16="http://schemas.microsoft.com/office/drawing/2014/main" id="{5F29453B-CE75-FD40-B24E-2BB5DAC32986}"/>
-              </a:ext>
-            </a:extLst>
-          </p:cNvPr>
-          <p:cNvSpPr txBox="1">
-            <a:spLocks noGrp="1"/>
-          </p:cNvSpPr>
-          <p:nvPr>
-            <p:ph type="body" idx="1"/>
-          </p:nvPr>
+          <p:cNvPr id="147" name="Google Shape;147;p12"/>
+          <p:cNvSpPr txBox="1"/>
+          <p:nvPr/>
         </p:nvSpPr>
         <p:spPr>
           <a:xfrm>
-            <a:off x="609600" y="3586881"/>
-            <a:ext cx="7279341" cy="711912"/>
+            <a:off x="615192" y="856891"/>
+            <a:ext cx="10969943" cy="411480"/>
           </a:xfrm>
           <a:prstGeom prst="rect">
             <a:avLst/>
@@ -16224,7 +16977,7 @@
           </a:bodyPr>
           <a:lstStyle/>
           <a:p>
-            <a:pPr marL="347663" lvl="0" indent="-342900" algn="l" rtl="0">
+            <a:pPr marL="0" marR="0" lvl="0" indent="0" algn="l" rtl="0">
               <a:lnSpc>
                 <a:spcPct val="90000"/>
               </a:lnSpc>
@@ -16234,42 +16987,71 @@
               <a:spcAft>
                 <a:spcPts val="0"/>
               </a:spcAft>
-              <a:buSzPts val="2400"/>
-              <a:buFont typeface="Arial" panose="020B0604020202020204" pitchFamily="34" charset="0"/>
-              <a:buChar char="•"/>
+              <a:buClr>
+                <a:schemeClr val="dk1"/>
+              </a:buClr>
+              <a:buSzPts val="3200"/>
+              <a:buFont typeface="Arial"/>
+              <a:buNone/>
             </a:pPr>
             <a:r>
-              <a:rPr lang="en-US" dirty="0"/>
-              <a:t>Three entities involved</a:t>
+              <a:rPr lang="en-US" sz="4000" b="1" i="0" u="none" strike="noStrike" cap="none" dirty="0">
+                <a:solidFill>
+                  <a:srgbClr val="161614"/>
+                </a:solidFill>
+                <a:latin typeface="Arial"/>
+                <a:ea typeface="Arial"/>
+                <a:cs typeface="Arial"/>
+                <a:sym typeface="Arial"/>
+              </a:rPr>
+              <a:t>LOTS OF FUNCTIONALITY</a:t>
             </a:r>
-          </a:p>
-          <a:p>
-            <a:pPr marL="347663" lvl="0" indent="-342900" algn="l" rtl="0">
-              <a:lnSpc>
-                <a:spcPct val="90000"/>
-              </a:lnSpc>
-              <a:spcBef>
-                <a:spcPts val="0"/>
-              </a:spcBef>
-              <a:spcAft>
-                <a:spcPts val="0"/>
-              </a:spcAft>
-              <a:buSzPts val="2400"/>
-              <a:buFont typeface="Arial" panose="020B0604020202020204" pitchFamily="34" charset="0"/>
-              <a:buChar char="•"/>
-            </a:pPr>
-            <a:r>
-              <a:rPr lang="en-US" dirty="0"/>
-              <a:t>Entity interaction</a:t>
-            </a:r>
-            <a:endParaRPr dirty="0"/>
+            <a:endParaRPr sz="4000" b="1" i="0" u="none" strike="noStrike" cap="none" dirty="0">
+              <a:solidFill>
+                <a:srgbClr val="161614"/>
+              </a:solidFill>
+              <a:latin typeface="Arial"/>
+              <a:ea typeface="Arial"/>
+              <a:cs typeface="Arial"/>
+              <a:sym typeface="Arial"/>
+            </a:endParaRPr>
           </a:p>
         </p:txBody>
       </p:sp>
+      <p:pic>
+        <p:nvPicPr>
+          <p:cNvPr id="2" name="Picture 1">
+            <a:extLst>
+              <a:ext uri="{FF2B5EF4-FFF2-40B4-BE49-F238E27FC236}">
+                <a16:creationId xmlns:a16="http://schemas.microsoft.com/office/drawing/2014/main" id="{966D8C8C-EDF5-4D4B-AE7D-13D2F4DCFD3D}"/>
+              </a:ext>
+            </a:extLst>
+          </p:cNvPr>
+          <p:cNvPicPr>
+            <a:picLocks noChangeAspect="1"/>
+          </p:cNvPicPr>
+          <p:nvPr/>
+        </p:nvPicPr>
+        <p:blipFill>
+          <a:blip r:embed="rId4"/>
+          <a:stretch>
+            <a:fillRect/>
+          </a:stretch>
+        </p:blipFill>
+        <p:spPr>
+          <a:xfrm>
+            <a:off x="5271523" y="1448656"/>
+            <a:ext cx="4358847" cy="5363235"/>
+          </a:xfrm>
+          <a:prstGeom prst="rect">
+            <a:avLst/>
+          </a:prstGeom>
+        </p:spPr>
+      </p:pic>
     </p:spTree>
     <p:extLst>
       <p:ext uri="{BB962C8B-B14F-4D97-AF65-F5344CB8AC3E}">
-        <p14:creationId xmlns:p14="http://schemas.microsoft.com/office/powerpoint/2010/main" val="1740870512"/>
+        <p14:creationId xmlns:p14="http://schemas.microsoft.com/office/powerpoint/2010/main" val="1167515500"/>
       </p:ext>
     </p:extLst>
   </p:cSld>
@@ -16282,7 +17064,7 @@
         <p:fade/>
       </p:transition>
     </mc:Choice>
-    <mc:Fallback xmlns="" xmlns:mv="urn:schemas-microsoft-com:mac:vml" xmlns:c="http://schemas.openxmlformats.org/drawingml/2006/chart" xmlns:dgm="http://schemas.openxmlformats.org/drawingml/2006/diagram" xmlns:o="urn:schemas-microsoft-com:office:office" xmlns:v="urn:schemas-microsoft-com:vml" xmlns:pvml="urn:schemas-microsoft-com:office:powerpoint" xmlns:com="http://schemas.openxmlformats.org/drawingml/2006/compatibility" xmlns:p15="http://schemas.microsoft.com/office/powerpoint/2012/main">
+    <mc:Fallback xmlns:p15="http://schemas.microsoft.com/office/powerpoint/2012/main" xmlns:com="http://schemas.openxmlformats.org/drawingml/2006/compatibility" xmlns:pvml="urn:schemas-microsoft-com:office:powerpoint" xmlns:v="urn:schemas-microsoft-com:vml" xmlns:o="urn:schemas-microsoft-com:office:office" xmlns:dgm="http://schemas.openxmlformats.org/drawingml/2006/diagram" xmlns:c="http://schemas.openxmlformats.org/drawingml/2006/chart" xmlns:mv="urn:schemas-microsoft-com:mac:vml" xmlns="">
       <p:transition spd="slow">
         <p:fade/>
       </p:transition>

--- a/PLAYTV2020/matt-boles-rest-api-intro.pptx
+++ b/PLAYTV2020/matt-boles-rest-api-intro.pptx
@@ -6,7 +6,7 @@
     <p:sldMasterId id="2147483651" r:id="rId2"/>
   </p:sldMasterIdLst>
   <p:notesMasterIdLst>
-    <p:notesMasterId r:id="rId30"/>
+    <p:notesMasterId r:id="rId26"/>
   </p:notesMasterIdLst>
   <p:sldIdLst>
     <p:sldId id="257" r:id="rId3"/>
@@ -29,13 +29,9 @@
     <p:sldId id="297" r:id="rId20"/>
     <p:sldId id="300" r:id="rId21"/>
     <p:sldId id="301" r:id="rId22"/>
-    <p:sldId id="302" r:id="rId23"/>
-    <p:sldId id="298" r:id="rId24"/>
-    <p:sldId id="304" r:id="rId25"/>
-    <p:sldId id="305" r:id="rId26"/>
-    <p:sldId id="306" r:id="rId27"/>
-    <p:sldId id="308" r:id="rId28"/>
-    <p:sldId id="268" r:id="rId29"/>
+    <p:sldId id="306" r:id="rId23"/>
+    <p:sldId id="308" r:id="rId24"/>
+    <p:sldId id="268" r:id="rId25"/>
   </p:sldIdLst>
   <p:sldSz cx="12192000" cy="6858000"/>
   <p:notesSz cx="6858000" cy="9144000"/>
@@ -318,7 +314,7 @@
       </p15:notesGuideLst>
     </p:ext>
     <p:ext uri="http://customooxmlschemas.google.com/">
-      <go:slidesCustomData xmlns:go="http://customooxmlschemas.google.com/" xmlns:p15="http://schemas.microsoft.com/office/powerpoint/2012/main" xmlns:p14="http://schemas.microsoft.com/office/powerpoint/2010/main" xmlns:com="http://schemas.openxmlformats.org/drawingml/2006/compatibility" xmlns:pvml="urn:schemas-microsoft-com:office:powerpoint" xmlns:v="urn:schemas-microsoft-com:vml" xmlns:o="urn:schemas-microsoft-com:office:office" xmlns:dgm="http://schemas.openxmlformats.org/drawingml/2006/diagram" xmlns:c="http://schemas.openxmlformats.org/drawingml/2006/chart" xmlns:mv="urn:schemas-microsoft-com:mac:vml" xmlns:mc="http://schemas.openxmlformats.org/markup-compatibility/2006" xmlns="" r:id="rId31" roundtripDataSignature="AMtx7mhTXUsXJMZT1PuQXuqxCJc3N1Qu9w=="/>
+      <go:slidesCustomData xmlns="" xmlns:mc="http://schemas.openxmlformats.org/markup-compatibility/2006" xmlns:mv="urn:schemas-microsoft-com:mac:vml" xmlns:c="http://schemas.openxmlformats.org/drawingml/2006/chart" xmlns:dgm="http://schemas.openxmlformats.org/drawingml/2006/diagram" xmlns:o="urn:schemas-microsoft-com:office:office" xmlns:v="urn:schemas-microsoft-com:vml" xmlns:pvml="urn:schemas-microsoft-com:office:powerpoint" xmlns:com="http://schemas.openxmlformats.org/drawingml/2006/compatibility" xmlns:p14="http://schemas.microsoft.com/office/powerpoint/2010/main" xmlns:p15="http://schemas.microsoft.com/office/powerpoint/2012/main" xmlns:go="http://customooxmlschemas.google.com/" r:id="rId31" roundtripDataSignature="AMtx7mhTXUsXJMZT1PuQXuqxCJc3N1Qu9w=="/>
     </p:ext>
   </p:extLst>
 </p:presentation>
@@ -3012,7 +3008,7 @@
     </p:spTree>
     <p:extLst>
       <p:ext uri="{BB962C8B-B14F-4D97-AF65-F5344CB8AC3E}">
-        <p14:creationId xmlns:p14="http://schemas.microsoft.com/office/powerpoint/2010/main" val="2579923558"/>
+        <p14:creationId xmlns:p14="http://schemas.microsoft.com/office/powerpoint/2010/main" val="1739709399"/>
       </p:ext>
     </p:extLst>
   </p:cSld>
@@ -3023,514 +3019,6 @@
 </file>
 
 <file path=ppt/notesSlides/notesSlide22.xml><?xml version="1.0" encoding="utf-8"?>
-<p:notes xmlns:a="http://schemas.openxmlformats.org/drawingml/2006/main" xmlns:r="http://schemas.openxmlformats.org/officeDocument/2006/relationships" xmlns:p="http://schemas.openxmlformats.org/presentationml/2006/main" showMasterSp="0" showMasterPhAnim="0">
-  <p:cSld>
-    <p:spTree>
-      <p:nvGrpSpPr>
-        <p:cNvPr id="1" name="Shape 142"/>
-        <p:cNvGrpSpPr/>
-        <p:nvPr/>
-      </p:nvGrpSpPr>
-      <p:grpSpPr>
-        <a:xfrm>
-          <a:off x="0" y="0"/>
-          <a:ext cx="0" cy="0"/>
-          <a:chOff x="0" y="0"/>
-          <a:chExt cx="0" cy="0"/>
-        </a:xfrm>
-      </p:grpSpPr>
-      <p:sp>
-        <p:nvSpPr>
-          <p:cNvPr id="143" name="Google Shape;143;p12:notes"/>
-          <p:cNvSpPr txBox="1">
-            <a:spLocks noGrp="1"/>
-          </p:cNvSpPr>
-          <p:nvPr>
-            <p:ph type="body" idx="1"/>
-          </p:nvPr>
-        </p:nvSpPr>
-        <p:spPr>
-          <a:xfrm>
-            <a:off x="381000" y="3124200"/>
-            <a:ext cx="6096000" cy="5334000"/>
-          </a:xfrm>
-          <a:prstGeom prst="rect">
-            <a:avLst/>
-          </a:prstGeom>
-          <a:noFill/>
-          <a:ln>
-            <a:noFill/>
-          </a:ln>
-        </p:spPr>
-        <p:txBody>
-          <a:bodyPr spcFirstLastPara="1" wrap="square" lIns="0" tIns="0" rIns="0" bIns="0" anchor="t" anchorCtr="0">
-            <a:noAutofit/>
-          </a:bodyPr>
-          <a:lstStyle/>
-          <a:p>
-            <a:pPr marL="0" lvl="0" indent="0" algn="l" rtl="0">
-              <a:lnSpc>
-                <a:spcPct val="100000"/>
-              </a:lnSpc>
-              <a:spcBef>
-                <a:spcPts val="600"/>
-              </a:spcBef>
-              <a:spcAft>
-                <a:spcPts val="0"/>
-              </a:spcAft>
-              <a:buSzPts val="275"/>
-              <a:buNone/>
-            </a:pPr>
-            <a:endParaRPr dirty="0"/>
-          </a:p>
-        </p:txBody>
-      </p:sp>
-      <p:sp>
-        <p:nvSpPr>
-          <p:cNvPr id="144" name="Google Shape;144;p12:notes"/>
-          <p:cNvSpPr>
-            <a:spLocks noGrp="1" noRot="1" noChangeAspect="1"/>
-          </p:cNvSpPr>
-          <p:nvPr>
-            <p:ph type="sldImg" idx="2"/>
-          </p:nvPr>
-        </p:nvSpPr>
-        <p:spPr>
-          <a:xfrm>
-            <a:off x="381000" y="381000"/>
-            <a:ext cx="4572000" cy="2573338"/>
-          </a:xfrm>
-          <a:custGeom>
-            <a:avLst/>
-            <a:gdLst/>
-            <a:ahLst/>
-            <a:cxnLst/>
-            <a:rect l="l" t="t" r="r" b="b"/>
-            <a:pathLst>
-              <a:path w="120000" h="120000" extrusionOk="0">
-                <a:moveTo>
-                  <a:pt x="0" y="0"/>
-                </a:moveTo>
-                <a:lnTo>
-                  <a:pt x="120000" y="0"/>
-                </a:lnTo>
-                <a:lnTo>
-                  <a:pt x="120000" y="120000"/>
-                </a:lnTo>
-                <a:lnTo>
-                  <a:pt x="0" y="120000"/>
-                </a:lnTo>
-                <a:close/>
-              </a:path>
-            </a:pathLst>
-          </a:custGeom>
-          <a:noFill/>
-          <a:ln w="12700" cap="flat" cmpd="sng">
-            <a:solidFill>
-              <a:srgbClr val="000000"/>
-            </a:solidFill>
-            <a:prstDash val="solid"/>
-            <a:round/>
-            <a:headEnd type="none" w="sm" len="sm"/>
-            <a:tailEnd type="none" w="sm" len="sm"/>
-          </a:ln>
-        </p:spPr>
-      </p:sp>
-    </p:spTree>
-    <p:extLst>
-      <p:ext uri="{BB962C8B-B14F-4D97-AF65-F5344CB8AC3E}">
-        <p14:creationId xmlns:p14="http://schemas.microsoft.com/office/powerpoint/2010/main" val="2495460098"/>
-      </p:ext>
-    </p:extLst>
-  </p:cSld>
-  <p:clrMapOvr>
-    <a:masterClrMapping/>
-  </p:clrMapOvr>
-</p:notes>
-</file>
-
-<file path=ppt/notesSlides/notesSlide23.xml><?xml version="1.0" encoding="utf-8"?>
-<p:notes xmlns:a="http://schemas.openxmlformats.org/drawingml/2006/main" xmlns:r="http://schemas.openxmlformats.org/officeDocument/2006/relationships" xmlns:p="http://schemas.openxmlformats.org/presentationml/2006/main" showMasterSp="0" showMasterPhAnim="0">
-  <p:cSld>
-    <p:spTree>
-      <p:nvGrpSpPr>
-        <p:cNvPr id="1" name="Shape 142"/>
-        <p:cNvGrpSpPr/>
-        <p:nvPr/>
-      </p:nvGrpSpPr>
-      <p:grpSpPr>
-        <a:xfrm>
-          <a:off x="0" y="0"/>
-          <a:ext cx="0" cy="0"/>
-          <a:chOff x="0" y="0"/>
-          <a:chExt cx="0" cy="0"/>
-        </a:xfrm>
-      </p:grpSpPr>
-      <p:sp>
-        <p:nvSpPr>
-          <p:cNvPr id="143" name="Google Shape;143;p12:notes"/>
-          <p:cNvSpPr txBox="1">
-            <a:spLocks noGrp="1"/>
-          </p:cNvSpPr>
-          <p:nvPr>
-            <p:ph type="body" idx="1"/>
-          </p:nvPr>
-        </p:nvSpPr>
-        <p:spPr>
-          <a:xfrm>
-            <a:off x="381000" y="3124200"/>
-            <a:ext cx="6096000" cy="5334000"/>
-          </a:xfrm>
-          <a:prstGeom prst="rect">
-            <a:avLst/>
-          </a:prstGeom>
-          <a:noFill/>
-          <a:ln>
-            <a:noFill/>
-          </a:ln>
-        </p:spPr>
-        <p:txBody>
-          <a:bodyPr spcFirstLastPara="1" wrap="square" lIns="0" tIns="0" rIns="0" bIns="0" anchor="t" anchorCtr="0">
-            <a:noAutofit/>
-          </a:bodyPr>
-          <a:lstStyle/>
-          <a:p>
-            <a:pPr marL="0" lvl="0" indent="0" algn="l" rtl="0">
-              <a:lnSpc>
-                <a:spcPct val="100000"/>
-              </a:lnSpc>
-              <a:spcBef>
-                <a:spcPts val="600"/>
-              </a:spcBef>
-              <a:spcAft>
-                <a:spcPts val="0"/>
-              </a:spcAft>
-              <a:buSzPts val="275"/>
-              <a:buNone/>
-            </a:pPr>
-            <a:endParaRPr dirty="0"/>
-          </a:p>
-        </p:txBody>
-      </p:sp>
-      <p:sp>
-        <p:nvSpPr>
-          <p:cNvPr id="144" name="Google Shape;144;p12:notes"/>
-          <p:cNvSpPr>
-            <a:spLocks noGrp="1" noRot="1" noChangeAspect="1"/>
-          </p:cNvSpPr>
-          <p:nvPr>
-            <p:ph type="sldImg" idx="2"/>
-          </p:nvPr>
-        </p:nvSpPr>
-        <p:spPr>
-          <a:xfrm>
-            <a:off x="381000" y="381000"/>
-            <a:ext cx="4572000" cy="2573338"/>
-          </a:xfrm>
-          <a:custGeom>
-            <a:avLst/>
-            <a:gdLst/>
-            <a:ahLst/>
-            <a:cxnLst/>
-            <a:rect l="l" t="t" r="r" b="b"/>
-            <a:pathLst>
-              <a:path w="120000" h="120000" extrusionOk="0">
-                <a:moveTo>
-                  <a:pt x="0" y="0"/>
-                </a:moveTo>
-                <a:lnTo>
-                  <a:pt x="120000" y="0"/>
-                </a:lnTo>
-                <a:lnTo>
-                  <a:pt x="120000" y="120000"/>
-                </a:lnTo>
-                <a:lnTo>
-                  <a:pt x="0" y="120000"/>
-                </a:lnTo>
-                <a:close/>
-              </a:path>
-            </a:pathLst>
-          </a:custGeom>
-          <a:noFill/>
-          <a:ln w="12700" cap="flat" cmpd="sng">
-            <a:solidFill>
-              <a:srgbClr val="000000"/>
-            </a:solidFill>
-            <a:prstDash val="solid"/>
-            <a:round/>
-            <a:headEnd type="none" w="sm" len="sm"/>
-            <a:tailEnd type="none" w="sm" len="sm"/>
-          </a:ln>
-        </p:spPr>
-      </p:sp>
-    </p:spTree>
-    <p:extLst>
-      <p:ext uri="{BB962C8B-B14F-4D97-AF65-F5344CB8AC3E}">
-        <p14:creationId xmlns:p14="http://schemas.microsoft.com/office/powerpoint/2010/main" val="2025553902"/>
-      </p:ext>
-    </p:extLst>
-  </p:cSld>
-  <p:clrMapOvr>
-    <a:masterClrMapping/>
-  </p:clrMapOvr>
-</p:notes>
-</file>
-
-<file path=ppt/notesSlides/notesSlide24.xml><?xml version="1.0" encoding="utf-8"?>
-<p:notes xmlns:a="http://schemas.openxmlformats.org/drawingml/2006/main" xmlns:r="http://schemas.openxmlformats.org/officeDocument/2006/relationships" xmlns:p="http://schemas.openxmlformats.org/presentationml/2006/main" showMasterSp="0" showMasterPhAnim="0">
-  <p:cSld>
-    <p:spTree>
-      <p:nvGrpSpPr>
-        <p:cNvPr id="1" name="Shape 142"/>
-        <p:cNvGrpSpPr/>
-        <p:nvPr/>
-      </p:nvGrpSpPr>
-      <p:grpSpPr>
-        <a:xfrm>
-          <a:off x="0" y="0"/>
-          <a:ext cx="0" cy="0"/>
-          <a:chOff x="0" y="0"/>
-          <a:chExt cx="0" cy="0"/>
-        </a:xfrm>
-      </p:grpSpPr>
-      <p:sp>
-        <p:nvSpPr>
-          <p:cNvPr id="143" name="Google Shape;143;p12:notes"/>
-          <p:cNvSpPr txBox="1">
-            <a:spLocks noGrp="1"/>
-          </p:cNvSpPr>
-          <p:nvPr>
-            <p:ph type="body" idx="1"/>
-          </p:nvPr>
-        </p:nvSpPr>
-        <p:spPr>
-          <a:xfrm>
-            <a:off x="381000" y="3124200"/>
-            <a:ext cx="6096000" cy="5334000"/>
-          </a:xfrm>
-          <a:prstGeom prst="rect">
-            <a:avLst/>
-          </a:prstGeom>
-          <a:noFill/>
-          <a:ln>
-            <a:noFill/>
-          </a:ln>
-        </p:spPr>
-        <p:txBody>
-          <a:bodyPr spcFirstLastPara="1" wrap="square" lIns="0" tIns="0" rIns="0" bIns="0" anchor="t" anchorCtr="0">
-            <a:noAutofit/>
-          </a:bodyPr>
-          <a:lstStyle/>
-          <a:p>
-            <a:pPr marL="0" lvl="0" indent="0" algn="l" rtl="0">
-              <a:lnSpc>
-                <a:spcPct val="100000"/>
-              </a:lnSpc>
-              <a:spcBef>
-                <a:spcPts val="600"/>
-              </a:spcBef>
-              <a:spcAft>
-                <a:spcPts val="0"/>
-              </a:spcAft>
-              <a:buSzPts val="275"/>
-              <a:buNone/>
-            </a:pPr>
-            <a:endParaRPr dirty="0"/>
-          </a:p>
-        </p:txBody>
-      </p:sp>
-      <p:sp>
-        <p:nvSpPr>
-          <p:cNvPr id="144" name="Google Shape;144;p12:notes"/>
-          <p:cNvSpPr>
-            <a:spLocks noGrp="1" noRot="1" noChangeAspect="1"/>
-          </p:cNvSpPr>
-          <p:nvPr>
-            <p:ph type="sldImg" idx="2"/>
-          </p:nvPr>
-        </p:nvSpPr>
-        <p:spPr>
-          <a:xfrm>
-            <a:off x="381000" y="381000"/>
-            <a:ext cx="4572000" cy="2573338"/>
-          </a:xfrm>
-          <a:custGeom>
-            <a:avLst/>
-            <a:gdLst/>
-            <a:ahLst/>
-            <a:cxnLst/>
-            <a:rect l="l" t="t" r="r" b="b"/>
-            <a:pathLst>
-              <a:path w="120000" h="120000" extrusionOk="0">
-                <a:moveTo>
-                  <a:pt x="0" y="0"/>
-                </a:moveTo>
-                <a:lnTo>
-                  <a:pt x="120000" y="0"/>
-                </a:lnTo>
-                <a:lnTo>
-                  <a:pt x="120000" y="120000"/>
-                </a:lnTo>
-                <a:lnTo>
-                  <a:pt x="0" y="120000"/>
-                </a:lnTo>
-                <a:close/>
-              </a:path>
-            </a:pathLst>
-          </a:custGeom>
-          <a:noFill/>
-          <a:ln w="12700" cap="flat" cmpd="sng">
-            <a:solidFill>
-              <a:srgbClr val="000000"/>
-            </a:solidFill>
-            <a:prstDash val="solid"/>
-            <a:round/>
-            <a:headEnd type="none" w="sm" len="sm"/>
-            <a:tailEnd type="none" w="sm" len="sm"/>
-          </a:ln>
-        </p:spPr>
-      </p:sp>
-    </p:spTree>
-    <p:extLst>
-      <p:ext uri="{BB962C8B-B14F-4D97-AF65-F5344CB8AC3E}">
-        <p14:creationId xmlns:p14="http://schemas.microsoft.com/office/powerpoint/2010/main" val="80699009"/>
-      </p:ext>
-    </p:extLst>
-  </p:cSld>
-  <p:clrMapOvr>
-    <a:masterClrMapping/>
-  </p:clrMapOvr>
-</p:notes>
-</file>
-
-<file path=ppt/notesSlides/notesSlide25.xml><?xml version="1.0" encoding="utf-8"?>
-<p:notes xmlns:a="http://schemas.openxmlformats.org/drawingml/2006/main" xmlns:r="http://schemas.openxmlformats.org/officeDocument/2006/relationships" xmlns:p="http://schemas.openxmlformats.org/presentationml/2006/main" showMasterSp="0" showMasterPhAnim="0">
-  <p:cSld>
-    <p:spTree>
-      <p:nvGrpSpPr>
-        <p:cNvPr id="1" name="Shape 95"/>
-        <p:cNvGrpSpPr/>
-        <p:nvPr/>
-      </p:nvGrpSpPr>
-      <p:grpSpPr>
-        <a:xfrm>
-          <a:off x="0" y="0"/>
-          <a:ext cx="0" cy="0"/>
-          <a:chOff x="0" y="0"/>
-          <a:chExt cx="0" cy="0"/>
-        </a:xfrm>
-      </p:grpSpPr>
-      <p:sp>
-        <p:nvSpPr>
-          <p:cNvPr id="96" name="Google Shape;96;p3:notes"/>
-          <p:cNvSpPr txBox="1">
-            <a:spLocks noGrp="1"/>
-          </p:cNvSpPr>
-          <p:nvPr>
-            <p:ph type="body" idx="1"/>
-          </p:nvPr>
-        </p:nvSpPr>
-        <p:spPr>
-          <a:xfrm>
-            <a:off x="381000" y="3124200"/>
-            <a:ext cx="6096000" cy="5334000"/>
-          </a:xfrm>
-          <a:prstGeom prst="rect">
-            <a:avLst/>
-          </a:prstGeom>
-          <a:noFill/>
-          <a:ln>
-            <a:noFill/>
-          </a:ln>
-        </p:spPr>
-        <p:txBody>
-          <a:bodyPr spcFirstLastPara="1" wrap="square" lIns="0" tIns="0" rIns="0" bIns="0" anchor="t" anchorCtr="0">
-            <a:noAutofit/>
-          </a:bodyPr>
-          <a:lstStyle/>
-          <a:p>
-            <a:pPr marL="0" lvl="0" indent="0" algn="l" rtl="0">
-              <a:lnSpc>
-                <a:spcPct val="100000"/>
-              </a:lnSpc>
-              <a:spcBef>
-                <a:spcPts val="600"/>
-              </a:spcBef>
-              <a:spcAft>
-                <a:spcPts val="0"/>
-              </a:spcAft>
-              <a:buSzPts val="275"/>
-              <a:buNone/>
-            </a:pPr>
-            <a:endParaRPr dirty="0"/>
-          </a:p>
-        </p:txBody>
-      </p:sp>
-      <p:sp>
-        <p:nvSpPr>
-          <p:cNvPr id="97" name="Google Shape;97;p3:notes"/>
-          <p:cNvSpPr>
-            <a:spLocks noGrp="1" noRot="1" noChangeAspect="1"/>
-          </p:cNvSpPr>
-          <p:nvPr>
-            <p:ph type="sldImg" idx="2"/>
-          </p:nvPr>
-        </p:nvSpPr>
-        <p:spPr>
-          <a:xfrm>
-            <a:off x="381000" y="381000"/>
-            <a:ext cx="4572000" cy="2573338"/>
-          </a:xfrm>
-          <a:custGeom>
-            <a:avLst/>
-            <a:gdLst/>
-            <a:ahLst/>
-            <a:cxnLst/>
-            <a:rect l="l" t="t" r="r" b="b"/>
-            <a:pathLst>
-              <a:path w="120000" h="120000" extrusionOk="0">
-                <a:moveTo>
-                  <a:pt x="0" y="0"/>
-                </a:moveTo>
-                <a:lnTo>
-                  <a:pt x="120000" y="0"/>
-                </a:lnTo>
-                <a:lnTo>
-                  <a:pt x="120000" y="120000"/>
-                </a:lnTo>
-                <a:lnTo>
-                  <a:pt x="0" y="120000"/>
-                </a:lnTo>
-                <a:close/>
-              </a:path>
-            </a:pathLst>
-          </a:custGeom>
-          <a:noFill/>
-          <a:ln w="12700" cap="flat" cmpd="sng">
-            <a:solidFill>
-              <a:srgbClr val="000000"/>
-            </a:solidFill>
-            <a:prstDash val="solid"/>
-            <a:round/>
-            <a:headEnd type="none" w="sm" len="sm"/>
-            <a:tailEnd type="none" w="sm" len="sm"/>
-          </a:ln>
-        </p:spPr>
-      </p:sp>
-    </p:spTree>
-    <p:extLst>
-      <p:ext uri="{BB962C8B-B14F-4D97-AF65-F5344CB8AC3E}">
-        <p14:creationId xmlns:p14="http://schemas.microsoft.com/office/powerpoint/2010/main" val="1739709399"/>
-      </p:ext>
-    </p:extLst>
-  </p:cSld>
-  <p:clrMapOvr>
-    <a:masterClrMapping/>
-  </p:clrMapOvr>
-</p:notes>
-</file>
-
-<file path=ppt/notesSlides/notesSlide26.xml><?xml version="1.0" encoding="utf-8"?>
 <p:notes xmlns:a="http://schemas.openxmlformats.org/drawingml/2006/main" xmlns:r="http://schemas.openxmlformats.org/officeDocument/2006/relationships" xmlns:p="http://schemas.openxmlformats.org/presentationml/2006/main" showMasterSp="0" showMasterPhAnim="0">
   <p:cSld>
     <p:spTree>
@@ -3657,7 +3145,7 @@
 </p:notes>
 </file>
 
-<file path=ppt/notesSlides/notesSlide27.xml><?xml version="1.0" encoding="utf-8"?>
+<file path=ppt/notesSlides/notesSlide23.xml><?xml version="1.0" encoding="utf-8"?>
 <p:notes xmlns:a="http://schemas.openxmlformats.org/drawingml/2006/main" xmlns:r="http://schemas.openxmlformats.org/officeDocument/2006/relationships" xmlns:p="http://schemas.openxmlformats.org/presentationml/2006/main" showMasterSp="0" showMasterPhAnim="0">
   <p:cSld>
     <p:spTree>
@@ -5457,7 +4945,7 @@
         <p:fade/>
       </p:transition>
     </mc:Choice>
-    <mc:Fallback xmlns:p15="http://schemas.microsoft.com/office/powerpoint/2012/main" xmlns:com="http://schemas.openxmlformats.org/drawingml/2006/compatibility" xmlns:pvml="urn:schemas-microsoft-com:office:powerpoint" xmlns:v="urn:schemas-microsoft-com:vml" xmlns:o="urn:schemas-microsoft-com:office:office" xmlns:dgm="http://schemas.openxmlformats.org/drawingml/2006/diagram" xmlns:c="http://schemas.openxmlformats.org/drawingml/2006/chart" xmlns:mv="urn:schemas-microsoft-com:mac:vml" xmlns="">
+    <mc:Fallback xmlns="" xmlns:mv="urn:schemas-microsoft-com:mac:vml" xmlns:c="http://schemas.openxmlformats.org/drawingml/2006/chart" xmlns:dgm="http://schemas.openxmlformats.org/drawingml/2006/diagram" xmlns:o="urn:schemas-microsoft-com:office:office" xmlns:v="urn:schemas-microsoft-com:vml" xmlns:pvml="urn:schemas-microsoft-com:office:powerpoint" xmlns:com="http://schemas.openxmlformats.org/drawingml/2006/compatibility" xmlns:p15="http://schemas.microsoft.com/office/powerpoint/2012/main">
       <p:transition spd="slow">
         <p:fade/>
       </p:transition>
@@ -5857,7 +5345,7 @@
         <p:fade/>
       </p:transition>
     </mc:Choice>
-    <mc:Fallback xmlns:p15="http://schemas.microsoft.com/office/powerpoint/2012/main" xmlns:com="http://schemas.openxmlformats.org/drawingml/2006/compatibility" xmlns:pvml="urn:schemas-microsoft-com:office:powerpoint" xmlns:v="urn:schemas-microsoft-com:vml" xmlns:o="urn:schemas-microsoft-com:office:office" xmlns:dgm="http://schemas.openxmlformats.org/drawingml/2006/diagram" xmlns:c="http://schemas.openxmlformats.org/drawingml/2006/chart" xmlns:mv="urn:schemas-microsoft-com:mac:vml" xmlns="">
+    <mc:Fallback xmlns="" xmlns:mv="urn:schemas-microsoft-com:mac:vml" xmlns:c="http://schemas.openxmlformats.org/drawingml/2006/chart" xmlns:dgm="http://schemas.openxmlformats.org/drawingml/2006/diagram" xmlns:o="urn:schemas-microsoft-com:office:office" xmlns:v="urn:schemas-microsoft-com:vml" xmlns:pvml="urn:schemas-microsoft-com:office:powerpoint" xmlns:com="http://schemas.openxmlformats.org/drawingml/2006/compatibility" xmlns:p15="http://schemas.microsoft.com/office/powerpoint/2012/main">
       <p:transition spd="slow">
         <p:fade/>
       </p:transition>
@@ -6348,7 +5836,7 @@
         <p:fade/>
       </p:transition>
     </mc:Choice>
-    <mc:Fallback xmlns:p15="http://schemas.microsoft.com/office/powerpoint/2012/main" xmlns:com="http://schemas.openxmlformats.org/drawingml/2006/compatibility" xmlns:pvml="urn:schemas-microsoft-com:office:powerpoint" xmlns:v="urn:schemas-microsoft-com:vml" xmlns:o="urn:schemas-microsoft-com:office:office" xmlns:dgm="http://schemas.openxmlformats.org/drawingml/2006/diagram" xmlns:c="http://schemas.openxmlformats.org/drawingml/2006/chart" xmlns:mv="urn:schemas-microsoft-com:mac:vml" xmlns="">
+    <mc:Fallback xmlns="" xmlns:mv="urn:schemas-microsoft-com:mac:vml" xmlns:c="http://schemas.openxmlformats.org/drawingml/2006/chart" xmlns:dgm="http://schemas.openxmlformats.org/drawingml/2006/diagram" xmlns:o="urn:schemas-microsoft-com:office:office" xmlns:v="urn:schemas-microsoft-com:vml" xmlns:pvml="urn:schemas-microsoft-com:office:powerpoint" xmlns:com="http://schemas.openxmlformats.org/drawingml/2006/compatibility" xmlns:p15="http://schemas.microsoft.com/office/powerpoint/2012/main">
       <p:transition spd="slow">
         <p:fade/>
       </p:transition>
@@ -6756,7 +6244,7 @@
         <p:fade/>
       </p:transition>
     </mc:Choice>
-    <mc:Fallback xmlns:p15="http://schemas.microsoft.com/office/powerpoint/2012/main" xmlns:com="http://schemas.openxmlformats.org/drawingml/2006/compatibility" xmlns:pvml="urn:schemas-microsoft-com:office:powerpoint" xmlns:v="urn:schemas-microsoft-com:vml" xmlns:o="urn:schemas-microsoft-com:office:office" xmlns:dgm="http://schemas.openxmlformats.org/drawingml/2006/diagram" xmlns:c="http://schemas.openxmlformats.org/drawingml/2006/chart" xmlns:mv="urn:schemas-microsoft-com:mac:vml" xmlns="">
+    <mc:Fallback xmlns="" xmlns:mv="urn:schemas-microsoft-com:mac:vml" xmlns:c="http://schemas.openxmlformats.org/drawingml/2006/chart" xmlns:dgm="http://schemas.openxmlformats.org/drawingml/2006/diagram" xmlns:o="urn:schemas-microsoft-com:office:office" xmlns:v="urn:schemas-microsoft-com:vml" xmlns:pvml="urn:schemas-microsoft-com:office:powerpoint" xmlns:com="http://schemas.openxmlformats.org/drawingml/2006/compatibility" xmlns:p15="http://schemas.microsoft.com/office/powerpoint/2012/main">
       <p:transition spd="slow">
         <p:fade/>
       </p:transition>
@@ -6981,7 +6469,7 @@
         <p:fade/>
       </p:transition>
     </mc:Choice>
-    <mc:Fallback xmlns:p15="http://schemas.microsoft.com/office/powerpoint/2012/main" xmlns:com="http://schemas.openxmlformats.org/drawingml/2006/compatibility" xmlns:pvml="urn:schemas-microsoft-com:office:powerpoint" xmlns:v="urn:schemas-microsoft-com:vml" xmlns:o="urn:schemas-microsoft-com:office:office" xmlns:dgm="http://schemas.openxmlformats.org/drawingml/2006/diagram" xmlns:c="http://schemas.openxmlformats.org/drawingml/2006/chart" xmlns:mv="urn:schemas-microsoft-com:mac:vml" xmlns="">
+    <mc:Fallback xmlns="" xmlns:mv="urn:schemas-microsoft-com:mac:vml" xmlns:c="http://schemas.openxmlformats.org/drawingml/2006/chart" xmlns:dgm="http://schemas.openxmlformats.org/drawingml/2006/diagram" xmlns:o="urn:schemas-microsoft-com:office:office" xmlns:v="urn:schemas-microsoft-com:vml" xmlns:pvml="urn:schemas-microsoft-com:office:powerpoint" xmlns:com="http://schemas.openxmlformats.org/drawingml/2006/compatibility" xmlns:p15="http://schemas.microsoft.com/office/powerpoint/2012/main">
       <p:transition spd="slow">
         <p:fade/>
       </p:transition>
@@ -7366,7 +6854,7 @@
         <p:fade/>
       </p:transition>
     </mc:Choice>
-    <mc:Fallback xmlns:p15="http://schemas.microsoft.com/office/powerpoint/2012/main" xmlns:com="http://schemas.openxmlformats.org/drawingml/2006/compatibility" xmlns:pvml="urn:schemas-microsoft-com:office:powerpoint" xmlns:v="urn:schemas-microsoft-com:vml" xmlns:o="urn:schemas-microsoft-com:office:office" xmlns:dgm="http://schemas.openxmlformats.org/drawingml/2006/diagram" xmlns:c="http://schemas.openxmlformats.org/drawingml/2006/chart" xmlns:mv="urn:schemas-microsoft-com:mac:vml" xmlns="">
+    <mc:Fallback xmlns="" xmlns:mv="urn:schemas-microsoft-com:mac:vml" xmlns:c="http://schemas.openxmlformats.org/drawingml/2006/chart" xmlns:dgm="http://schemas.openxmlformats.org/drawingml/2006/diagram" xmlns:o="urn:schemas-microsoft-com:office:office" xmlns:v="urn:schemas-microsoft-com:vml" xmlns:pvml="urn:schemas-microsoft-com:office:powerpoint" xmlns:com="http://schemas.openxmlformats.org/drawingml/2006/compatibility" xmlns:p15="http://schemas.microsoft.com/office/powerpoint/2012/main">
       <p:transition spd="slow">
         <p:fade/>
       </p:transition>
@@ -8653,7 +8141,7 @@
         <p:fade/>
       </p:transition>
     </mc:Choice>
-    <mc:Fallback xmlns:p15="http://schemas.microsoft.com/office/powerpoint/2012/main" xmlns:com="http://schemas.openxmlformats.org/drawingml/2006/compatibility" xmlns:pvml="urn:schemas-microsoft-com:office:powerpoint" xmlns:v="urn:schemas-microsoft-com:vml" xmlns:o="urn:schemas-microsoft-com:office:office" xmlns:dgm="http://schemas.openxmlformats.org/drawingml/2006/diagram" xmlns:c="http://schemas.openxmlformats.org/drawingml/2006/chart" xmlns:mv="urn:schemas-microsoft-com:mac:vml" xmlns="">
+    <mc:Fallback xmlns="" xmlns:mv="urn:schemas-microsoft-com:mac:vml" xmlns:c="http://schemas.openxmlformats.org/drawingml/2006/chart" xmlns:dgm="http://schemas.openxmlformats.org/drawingml/2006/diagram" xmlns:o="urn:schemas-microsoft-com:office:office" xmlns:v="urn:schemas-microsoft-com:vml" xmlns:pvml="urn:schemas-microsoft-com:office:powerpoint" xmlns:com="http://schemas.openxmlformats.org/drawingml/2006/compatibility" xmlns:p15="http://schemas.microsoft.com/office/powerpoint/2012/main">
       <p:transition spd="slow">
         <p:fade/>
       </p:transition>
@@ -9998,7 +9486,7 @@
         <p:fade/>
       </p:transition>
     </mc:Choice>
-    <mc:Fallback xmlns:p15="http://schemas.microsoft.com/office/powerpoint/2012/main" xmlns:com="http://schemas.openxmlformats.org/drawingml/2006/compatibility" xmlns:pvml="urn:schemas-microsoft-com:office:powerpoint" xmlns:v="urn:schemas-microsoft-com:vml" xmlns:o="urn:schemas-microsoft-com:office:office" xmlns:dgm="http://schemas.openxmlformats.org/drawingml/2006/diagram" xmlns:c="http://schemas.openxmlformats.org/drawingml/2006/chart" xmlns:mv="urn:schemas-microsoft-com:mac:vml" xmlns="">
+    <mc:Fallback xmlns="" xmlns:mv="urn:schemas-microsoft-com:mac:vml" xmlns:c="http://schemas.openxmlformats.org/drawingml/2006/chart" xmlns:dgm="http://schemas.openxmlformats.org/drawingml/2006/diagram" xmlns:o="urn:schemas-microsoft-com:office:office" xmlns:v="urn:schemas-microsoft-com:vml" xmlns:pvml="urn:schemas-microsoft-com:office:powerpoint" xmlns:com="http://schemas.openxmlformats.org/drawingml/2006/compatibility" xmlns:p15="http://schemas.microsoft.com/office/powerpoint/2012/main">
       <p:transition spd="slow">
         <p:fade/>
       </p:transition>
@@ -11131,7 +10619,7 @@
         <p:fade/>
       </p:transition>
     </mc:Choice>
-    <mc:Fallback xmlns:p15="http://schemas.microsoft.com/office/powerpoint/2012/main" xmlns:com="http://schemas.openxmlformats.org/drawingml/2006/compatibility" xmlns:pvml="urn:schemas-microsoft-com:office:powerpoint" xmlns:v="urn:schemas-microsoft-com:vml" xmlns:o="urn:schemas-microsoft-com:office:office" xmlns:dgm="http://schemas.openxmlformats.org/drawingml/2006/diagram" xmlns:c="http://schemas.openxmlformats.org/drawingml/2006/chart" xmlns:mv="urn:schemas-microsoft-com:mac:vml" xmlns="">
+    <mc:Fallback xmlns="" xmlns:mv="urn:schemas-microsoft-com:mac:vml" xmlns:c="http://schemas.openxmlformats.org/drawingml/2006/chart" xmlns:dgm="http://schemas.openxmlformats.org/drawingml/2006/diagram" xmlns:o="urn:schemas-microsoft-com:office:office" xmlns:v="urn:schemas-microsoft-com:vml" xmlns:pvml="urn:schemas-microsoft-com:office:powerpoint" xmlns:com="http://schemas.openxmlformats.org/drawingml/2006/compatibility" xmlns:p15="http://schemas.microsoft.com/office/powerpoint/2012/main">
       <p:transition spd="slow">
         <p:fade/>
       </p:transition>
@@ -11290,7 +10778,7 @@
         <p:fade/>
       </p:transition>
     </mc:Choice>
-    <mc:Fallback xmlns:p15="http://schemas.microsoft.com/office/powerpoint/2012/main" xmlns:com="http://schemas.openxmlformats.org/drawingml/2006/compatibility" xmlns:pvml="urn:schemas-microsoft-com:office:powerpoint" xmlns:v="urn:schemas-microsoft-com:vml" xmlns:o="urn:schemas-microsoft-com:office:office" xmlns:dgm="http://schemas.openxmlformats.org/drawingml/2006/diagram" xmlns:c="http://schemas.openxmlformats.org/drawingml/2006/chart" xmlns:mv="urn:schemas-microsoft-com:mac:vml" xmlns="">
+    <mc:Fallback xmlns="" xmlns:mv="urn:schemas-microsoft-com:mac:vml" xmlns:c="http://schemas.openxmlformats.org/drawingml/2006/chart" xmlns:dgm="http://schemas.openxmlformats.org/drawingml/2006/diagram" xmlns:o="urn:schemas-microsoft-com:office:office" xmlns:v="urn:schemas-microsoft-com:vml" xmlns:pvml="urn:schemas-microsoft-com:office:powerpoint" xmlns:com="http://schemas.openxmlformats.org/drawingml/2006/compatibility" xmlns:p15="http://schemas.microsoft.com/office/powerpoint/2012/main">
       <p:transition spd="slow">
         <p:fade/>
       </p:transition>
@@ -11635,7 +11123,7 @@
         <p:fade/>
       </p:transition>
     </mc:Choice>
-    <mc:Fallback xmlns:p15="http://schemas.microsoft.com/office/powerpoint/2012/main" xmlns:com="http://schemas.openxmlformats.org/drawingml/2006/compatibility" xmlns:pvml="urn:schemas-microsoft-com:office:powerpoint" xmlns:v="urn:schemas-microsoft-com:vml" xmlns:o="urn:schemas-microsoft-com:office:office" xmlns:dgm="http://schemas.openxmlformats.org/drawingml/2006/diagram" xmlns:c="http://schemas.openxmlformats.org/drawingml/2006/chart" xmlns:mv="urn:schemas-microsoft-com:mac:vml" xmlns="">
+    <mc:Fallback xmlns="" xmlns:mv="urn:schemas-microsoft-com:mac:vml" xmlns:c="http://schemas.openxmlformats.org/drawingml/2006/chart" xmlns:dgm="http://schemas.openxmlformats.org/drawingml/2006/diagram" xmlns:o="urn:schemas-microsoft-com:office:office" xmlns:v="urn:schemas-microsoft-com:vml" xmlns:pvml="urn:schemas-microsoft-com:office:powerpoint" xmlns:com="http://schemas.openxmlformats.org/drawingml/2006/compatibility" xmlns:p15="http://schemas.microsoft.com/office/powerpoint/2012/main">
       <p:transition spd="slow">
         <p:fade/>
       </p:transition>
@@ -11951,7 +11439,7 @@
         <p:fade/>
       </p:transition>
     </mc:Choice>
-    <mc:Fallback xmlns:p15="http://schemas.microsoft.com/office/powerpoint/2012/main" xmlns:com="http://schemas.openxmlformats.org/drawingml/2006/compatibility" xmlns:pvml="urn:schemas-microsoft-com:office:powerpoint" xmlns:v="urn:schemas-microsoft-com:vml" xmlns:o="urn:schemas-microsoft-com:office:office" xmlns:dgm="http://schemas.openxmlformats.org/drawingml/2006/diagram" xmlns:c="http://schemas.openxmlformats.org/drawingml/2006/chart" xmlns:mv="urn:schemas-microsoft-com:mac:vml" xmlns="">
+    <mc:Fallback xmlns="" xmlns:mv="urn:schemas-microsoft-com:mac:vml" xmlns:c="http://schemas.openxmlformats.org/drawingml/2006/chart" xmlns:dgm="http://schemas.openxmlformats.org/drawingml/2006/diagram" xmlns:o="urn:schemas-microsoft-com:office:office" xmlns:v="urn:schemas-microsoft-com:vml" xmlns:pvml="urn:schemas-microsoft-com:office:powerpoint" xmlns:com="http://schemas.openxmlformats.org/drawingml/2006/compatibility" xmlns:p15="http://schemas.microsoft.com/office/powerpoint/2012/main">
       <p:transition spd="slow">
         <p:fade/>
       </p:transition>
@@ -12442,7 +11930,7 @@
         <p:fade/>
       </p:transition>
     </mc:Choice>
-    <mc:Fallback xmlns:p15="http://schemas.microsoft.com/office/powerpoint/2012/main" xmlns:com="http://schemas.openxmlformats.org/drawingml/2006/compatibility" xmlns:pvml="urn:schemas-microsoft-com:office:powerpoint" xmlns:v="urn:schemas-microsoft-com:vml" xmlns:o="urn:schemas-microsoft-com:office:office" xmlns:dgm="http://schemas.openxmlformats.org/drawingml/2006/diagram" xmlns:c="http://schemas.openxmlformats.org/drawingml/2006/chart" xmlns:mv="urn:schemas-microsoft-com:mac:vml" xmlns="">
+    <mc:Fallback xmlns="" xmlns:mv="urn:schemas-microsoft-com:mac:vml" xmlns:c="http://schemas.openxmlformats.org/drawingml/2006/chart" xmlns:dgm="http://schemas.openxmlformats.org/drawingml/2006/diagram" xmlns:o="urn:schemas-microsoft-com:office:office" xmlns:v="urn:schemas-microsoft-com:vml" xmlns:pvml="urn:schemas-microsoft-com:office:powerpoint" xmlns:com="http://schemas.openxmlformats.org/drawingml/2006/compatibility" xmlns:p15="http://schemas.microsoft.com/office/powerpoint/2012/main">
       <p:transition spd="slow">
         <p:fade/>
       </p:transition>
@@ -12843,7 +12331,7 @@
         <p:fade/>
       </p:transition>
     </mc:Choice>
-    <mc:Fallback xmlns:p15="http://schemas.microsoft.com/office/powerpoint/2012/main" xmlns:com="http://schemas.openxmlformats.org/drawingml/2006/compatibility" xmlns:pvml="urn:schemas-microsoft-com:office:powerpoint" xmlns:v="urn:schemas-microsoft-com:vml" xmlns:o="urn:schemas-microsoft-com:office:office" xmlns:dgm="http://schemas.openxmlformats.org/drawingml/2006/diagram" xmlns:c="http://schemas.openxmlformats.org/drawingml/2006/chart" xmlns:mv="urn:schemas-microsoft-com:mac:vml" xmlns="">
+    <mc:Fallback xmlns="" xmlns:mv="urn:schemas-microsoft-com:mac:vml" xmlns:c="http://schemas.openxmlformats.org/drawingml/2006/chart" xmlns:dgm="http://schemas.openxmlformats.org/drawingml/2006/diagram" xmlns:o="urn:schemas-microsoft-com:office:office" xmlns:v="urn:schemas-microsoft-com:vml" xmlns:pvml="urn:schemas-microsoft-com:office:powerpoint" xmlns:com="http://schemas.openxmlformats.org/drawingml/2006/compatibility" xmlns:p15="http://schemas.microsoft.com/office/powerpoint/2012/main">
       <p:transition spd="slow">
         <p:fade/>
       </p:transition>
@@ -12981,7 +12469,7 @@
         <p:fade/>
       </p:transition>
     </mc:Choice>
-    <mc:Fallback xmlns:p15="http://schemas.microsoft.com/office/powerpoint/2012/main" xmlns:com="http://schemas.openxmlformats.org/drawingml/2006/compatibility" xmlns:pvml="urn:schemas-microsoft-com:office:powerpoint" xmlns:v="urn:schemas-microsoft-com:vml" xmlns:o="urn:schemas-microsoft-com:office:office" xmlns:dgm="http://schemas.openxmlformats.org/drawingml/2006/diagram" xmlns:c="http://schemas.openxmlformats.org/drawingml/2006/chart" xmlns:mv="urn:schemas-microsoft-com:mac:vml" xmlns="">
+    <mc:Fallback xmlns="" xmlns:mv="urn:schemas-microsoft-com:mac:vml" xmlns:c="http://schemas.openxmlformats.org/drawingml/2006/chart" xmlns:dgm="http://schemas.openxmlformats.org/drawingml/2006/diagram" xmlns:o="urn:schemas-microsoft-com:office:office" xmlns:v="urn:schemas-microsoft-com:vml" xmlns:pvml="urn:schemas-microsoft-com:office:powerpoint" xmlns:com="http://schemas.openxmlformats.org/drawingml/2006/compatibility" xmlns:p15="http://schemas.microsoft.com/office/powerpoint/2012/main">
       <p:transition spd="slow">
         <p:fade/>
       </p:transition>
@@ -13225,7 +12713,7 @@
         <p:fade/>
       </p:transition>
     </mc:Choice>
-    <mc:Fallback xmlns:p15="http://schemas.microsoft.com/office/powerpoint/2012/main" xmlns:com="http://schemas.openxmlformats.org/drawingml/2006/compatibility" xmlns:pvml="urn:schemas-microsoft-com:office:powerpoint" xmlns:v="urn:schemas-microsoft-com:vml" xmlns:o="urn:schemas-microsoft-com:office:office" xmlns:dgm="http://schemas.openxmlformats.org/drawingml/2006/diagram" xmlns:c="http://schemas.openxmlformats.org/drawingml/2006/chart" xmlns:mv="urn:schemas-microsoft-com:mac:vml" xmlns="">
+    <mc:Fallback xmlns="" xmlns:mv="urn:schemas-microsoft-com:mac:vml" xmlns:c="http://schemas.openxmlformats.org/drawingml/2006/chart" xmlns:dgm="http://schemas.openxmlformats.org/drawingml/2006/diagram" xmlns:o="urn:schemas-microsoft-com:office:office" xmlns:v="urn:schemas-microsoft-com:vml" xmlns:pvml="urn:schemas-microsoft-com:office:powerpoint" xmlns:com="http://schemas.openxmlformats.org/drawingml/2006/compatibility" xmlns:p15="http://schemas.microsoft.com/office/powerpoint/2012/main">
       <p:transition spd="slow">
         <p:fade/>
       </p:transition>
@@ -13755,7 +13243,7 @@
         <p:fade/>
       </p:transition>
     </mc:Choice>
-    <mc:Fallback xmlns:p15="http://schemas.microsoft.com/office/powerpoint/2012/main" xmlns:com="http://schemas.openxmlformats.org/drawingml/2006/compatibility" xmlns:pvml="urn:schemas-microsoft-com:office:powerpoint" xmlns:v="urn:schemas-microsoft-com:vml" xmlns:o="urn:schemas-microsoft-com:office:office" xmlns:dgm="http://schemas.openxmlformats.org/drawingml/2006/diagram" xmlns:c="http://schemas.openxmlformats.org/drawingml/2006/chart" xmlns:mv="urn:schemas-microsoft-com:mac:vml" xmlns="">
+    <mc:Fallback xmlns="" xmlns:mv="urn:schemas-microsoft-com:mac:vml" xmlns:c="http://schemas.openxmlformats.org/drawingml/2006/chart" xmlns:dgm="http://schemas.openxmlformats.org/drawingml/2006/diagram" xmlns:o="urn:schemas-microsoft-com:office:office" xmlns:v="urn:schemas-microsoft-com:vml" xmlns:pvml="urn:schemas-microsoft-com:office:powerpoint" xmlns:com="http://schemas.openxmlformats.org/drawingml/2006/compatibility" xmlns:p15="http://schemas.microsoft.com/office/powerpoint/2012/main">
       <p:transition spd="slow">
         <p:fade/>
       </p:transition>
@@ -13891,13 +13379,6 @@
             <a:pPr lvl="0"/>
             <a:r>
               <a:rPr lang="en-US" dirty="0"/>
-              <a:t>Example Code Reviews</a:t>
-            </a:r>
-          </a:p>
-          <a:p>
-            <a:pPr lvl="0"/>
-            <a:r>
-              <a:rPr lang="en-US" dirty="0"/>
               <a:t>Wrap It Up!</a:t>
             </a:r>
           </a:p>
@@ -14040,7 +13521,7 @@
         <p:fade/>
       </p:transition>
     </mc:Choice>
-    <mc:Fallback xmlns:p15="http://schemas.microsoft.com/office/powerpoint/2012/main" xmlns:com="http://schemas.openxmlformats.org/drawingml/2006/compatibility" xmlns:pvml="urn:schemas-microsoft-com:office:powerpoint" xmlns:v="urn:schemas-microsoft-com:vml" xmlns:o="urn:schemas-microsoft-com:office:office" xmlns:dgm="http://schemas.openxmlformats.org/drawingml/2006/diagram" xmlns:c="http://schemas.openxmlformats.org/drawingml/2006/chart" xmlns:mv="urn:schemas-microsoft-com:mac:vml" xmlns="">
+    <mc:Fallback xmlns="" xmlns:mv="urn:schemas-microsoft-com:mac:vml" xmlns:c="http://schemas.openxmlformats.org/drawingml/2006/chart" xmlns:dgm="http://schemas.openxmlformats.org/drawingml/2006/diagram" xmlns:o="urn:schemas-microsoft-com:office:office" xmlns:v="urn:schemas-microsoft-com:vml" xmlns:pvml="urn:schemas-microsoft-com:office:powerpoint" xmlns:com="http://schemas.openxmlformats.org/drawingml/2006/compatibility" xmlns:p15="http://schemas.microsoft.com/office/powerpoint/2012/main">
       <p:transition spd="slow">
         <p:fade/>
       </p:transition>
@@ -14097,7 +13578,7 @@
           <a:p>
             <a:r>
               <a:rPr lang="en-US" b="0" dirty="0"/>
-              <a:t>EXAMPLE CODE REVIEWS</a:t>
+              <a:t>SESSION SUMMARY</a:t>
             </a:r>
             <a:br>
               <a:rPr lang="en-US" dirty="0"/>
@@ -14124,8 +13605,8 @@
         </p:nvSpPr>
         <p:spPr>
           <a:xfrm>
-            <a:off x="609600" y="3586880"/>
-            <a:ext cx="7279341" cy="1252247"/>
+            <a:off x="609600" y="2958957"/>
+            <a:ext cx="7279341" cy="1339836"/>
           </a:xfrm>
           <a:prstGeom prst="rect">
             <a:avLst/>
@@ -14141,6 +13622,24 @@
           </a:bodyPr>
           <a:lstStyle/>
           <a:p>
+            <a:pPr marL="4763" lvl="0" indent="0" algn="l" rtl="0">
+              <a:lnSpc>
+                <a:spcPct val="90000"/>
+              </a:lnSpc>
+              <a:spcBef>
+                <a:spcPts val="0"/>
+              </a:spcBef>
+              <a:spcAft>
+                <a:spcPts val="0"/>
+              </a:spcAft>
+              <a:buSzPts val="2400"/>
+            </a:pPr>
+            <a:r>
+              <a:rPr lang="en-US" dirty="0"/>
+              <a:t>MAIN LEARNING POINTS</a:t>
+            </a:r>
+          </a:p>
+          <a:p>
             <a:pPr marL="347663" lvl="0" indent="-342900" algn="l" rtl="0">
               <a:lnSpc>
                 <a:spcPct val="90000"/>
@@ -14157,7 +13656,7 @@
             </a:pPr>
             <a:r>
               <a:rPr lang="en-US" dirty="0"/>
-              <a:t>Display views in controlbar</a:t>
+              <a:t>What/Why REST APIs</a:t>
             </a:r>
           </a:p>
           <a:p>
@@ -14177,25 +13676,80 @@
             </a:pPr>
             <a:r>
               <a:rPr lang="en-US" dirty="0"/>
-              <a:t>Bulk update video metadata</a:t>
+              <a:t>3 key entities: Client/Proxy/REST API</a:t>
             </a:r>
           </a:p>
           <a:p>
-            <a:pPr marL="347663" lvl="0" indent="-342900">
+            <a:pPr marL="347663" lvl="0" indent="-342900" algn="l" rtl="0">
+              <a:lnSpc>
+                <a:spcPct val="90000"/>
+              </a:lnSpc>
+              <a:spcBef>
+                <a:spcPts val="0"/>
+              </a:spcBef>
+              <a:spcAft>
+                <a:spcPts val="0"/>
+              </a:spcAft>
+              <a:buSzPts val="2400"/>
+              <a:buFont typeface="Arial" panose="020B0604020202020204" pitchFamily="34" charset="0"/>
+              <a:buChar char="•"/>
+            </a:pPr>
+            <a:r>
+              <a:rPr lang="en-US" dirty="0">
+                <a:solidFill>
+                  <a:srgbClr val="FF0000"/>
+                </a:solidFill>
+                <a:latin typeface="Source Code Pro" panose="020B0509030403020204" pitchFamily="49" charset="0"/>
+                <a:ea typeface="Source Code Pro" panose="020B0509030403020204" pitchFamily="49" charset="0"/>
+              </a:rPr>
+              <a:t>makeRequest()</a:t>
+            </a:r>
+            <a:r>
+              <a:rPr lang="en-US" dirty="0"/>
+              <a:t> function reusable code to actually call REST API</a:t>
+            </a:r>
+          </a:p>
+          <a:p>
+            <a:pPr marL="347663" lvl="0" indent="-342900" algn="l" rtl="0">
+              <a:lnSpc>
+                <a:spcPct val="90000"/>
+              </a:lnSpc>
+              <a:spcBef>
+                <a:spcPts val="0"/>
+              </a:spcBef>
+              <a:spcAft>
+                <a:spcPts val="0"/>
+              </a:spcAft>
+              <a:buSzPts val="2400"/>
               <a:buFont typeface="Arial" panose="020B0604020202020204" pitchFamily="34" charset="0"/>
               <a:buChar char="•"/>
             </a:pPr>
             <a:r>
               <a:rPr lang="en-US" dirty="0"/>
-              <a:t>Video engagement graph</a:t>
+              <a:t>For each application, you must write code to</a:t>
             </a:r>
           </a:p>
           <a:p>
-            <a:pPr marL="347663" lvl="0" indent="-342900">
+            <a:pPr marL="804863" lvl="1" indent="-342900">
+              <a:buSzPts val="2400"/>
               <a:buFont typeface="Arial" panose="020B0604020202020204" pitchFamily="34" charset="0"/>
               <a:buChar char="•"/>
             </a:pPr>
-            <a:endParaRPr lang="en-US" dirty="0"/>
+            <a:r>
+              <a:rPr lang="en-US" dirty="0"/>
+              <a:t>Build the request</a:t>
+            </a:r>
+          </a:p>
+          <a:p>
+            <a:pPr marL="804863" lvl="1" indent="-342900">
+              <a:buSzPts val="2400"/>
+              <a:buFont typeface="Arial" panose="020B0604020202020204" pitchFamily="34" charset="0"/>
+              <a:buChar char="•"/>
+            </a:pPr>
+            <a:r>
+              <a:rPr lang="en-US" dirty="0"/>
+              <a:t>Display the returned data</a:t>
+            </a:r>
           </a:p>
           <a:p>
             <a:pPr marL="347663" lvl="0" indent="-342900" algn="l" rtl="0">
@@ -14239,7 +13793,7 @@
     </p:spTree>
     <p:extLst>
       <p:ext uri="{BB962C8B-B14F-4D97-AF65-F5344CB8AC3E}">
-        <p14:creationId xmlns:p14="http://schemas.microsoft.com/office/powerpoint/2010/main" val="1145006676"/>
+        <p14:creationId xmlns:p14="http://schemas.microsoft.com/office/powerpoint/2010/main" val="2846772709"/>
       </p:ext>
     </p:extLst>
   </p:cSld>
@@ -14252,7 +13806,7 @@
         <p:fade/>
       </p:transition>
     </mc:Choice>
-    <mc:Fallback xmlns:p15="http://schemas.microsoft.com/office/powerpoint/2012/main" xmlns:com="http://schemas.openxmlformats.org/drawingml/2006/compatibility" xmlns:pvml="urn:schemas-microsoft-com:office:powerpoint" xmlns:v="urn:schemas-microsoft-com:vml" xmlns:o="urn:schemas-microsoft-com:office:office" xmlns:dgm="http://schemas.openxmlformats.org/drawingml/2006/diagram" xmlns:c="http://schemas.openxmlformats.org/drawingml/2006/chart" xmlns:mv="urn:schemas-microsoft-com:mac:vml" xmlns="">
+    <mc:Fallback xmlns="" xmlns:mv="urn:schemas-microsoft-com:mac:vml" xmlns:c="http://schemas.openxmlformats.org/drawingml/2006/chart" xmlns:dgm="http://schemas.openxmlformats.org/drawingml/2006/diagram" xmlns:o="urn:schemas-microsoft-com:office:office" xmlns:v="urn:schemas-microsoft-com:vml" xmlns:pvml="urn:schemas-microsoft-com:office:powerpoint" xmlns:com="http://schemas.openxmlformats.org/drawingml/2006/compatibility" xmlns:p15="http://schemas.microsoft.com/office/powerpoint/2012/main">
       <p:transition spd="slow">
         <p:fade/>
       </p:transition>
@@ -14307,29 +13861,140 @@
           </a:bodyPr>
           <a:lstStyle/>
           <a:p>
-            <a:pPr marL="514350" lvl="0" indent="-285750">
-              <a:buSzPts val="2000"/>
-            </a:pPr>
+            <a:pPr marL="514350" indent="-285750"/>
             <a:r>
               <a:rPr lang="en-US" sz="2000" dirty="0"/>
-              <a:t>Display Views in Controlbar (Brightcove Player related)</a:t>
+              <a:t>Learning Guide: Using the REST APIs</a:t>
             </a:r>
+            <a:endParaRPr lang="en-US" sz="2000" dirty="0">
+              <a:solidFill>
+                <a:srgbClr val="002060"/>
+              </a:solidFill>
+              <a:hlinkClick r:id="rId3">
+                <a:extLst>
+                  <a:ext uri="{A12FA001-AC4F-418D-AE19-62706E023703}">
+                    <ahyp:hlinkClr xmlns:ahyp="http://schemas.microsoft.com/office/drawing/2018/hyperlinkcolor" val="tx"/>
+                  </a:ext>
+                </a:extLst>
+              </a:hlinkClick>
+            </a:endParaRPr>
           </a:p>
           <a:p>
             <a:pPr marL="514350" indent="-285750"/>
             <a:r>
               <a:rPr lang="en-US" sz="2000" dirty="0">
                 <a:solidFill>
+                  <a:srgbClr val="0070C0"/>
+                </a:solidFill>
+                <a:hlinkClick r:id="rId3">
+                  <a:extLst>
+                    <a:ext uri="{A12FA001-AC4F-418D-AE19-62706E023703}">
+                      <ahyp:hlinkClr xmlns:ahyp="http://schemas.microsoft.com/office/drawing/2018/hyperlinkcolor" val="tx"/>
+                    </a:ext>
+                  </a:extLst>
+                </a:hlinkClick>
+              </a:rPr>
+              <a:t>https://player.support.brightcove.com/code-samples/brightcove-player-sample-display-views-controlbar.html</a:t>
+            </a:r>
+            <a:endParaRPr lang="en-US" sz="2000" dirty="0">
+              <a:solidFill>
+                <a:srgbClr val="0070C0"/>
+              </a:solidFill>
+            </a:endParaRPr>
+          </a:p>
+          <a:p>
+            <a:pPr marL="514350" indent="-285750"/>
+            <a:endParaRPr lang="en-US" sz="2000" dirty="0">
+              <a:solidFill>
+                <a:schemeClr val="tx2">
+                  <a:lumMod val="10000"/>
+                </a:schemeClr>
+              </a:solidFill>
+            </a:endParaRPr>
+          </a:p>
+          <a:p>
+            <a:pPr marL="514350" indent="-285750"/>
+            <a:r>
+              <a:rPr lang="en-US" sz="2000" dirty="0">
+                <a:solidFill>
                   <a:schemeClr val="tx2">
                     <a:lumMod val="10000"/>
                   </a:schemeClr>
                 </a:solidFill>
               </a:rPr>
-              <a:t>https://player.support.brightcove.com/code-samples/brightcove-player-sample-display-views-controlbar.html</a:t>
+              <a:t>Video Cloud Platform APIs Documentation</a:t>
+            </a:r>
+          </a:p>
+          <a:p>
+            <a:pPr marL="514350" indent="-285750"/>
+            <a:r>
+              <a:rPr lang="en-US" sz="2000" dirty="0">
+                <a:solidFill>
+                  <a:srgbClr val="0070C0"/>
+                </a:solidFill>
+              </a:rPr>
+              <a:t>https://</a:t>
+            </a:r>
+            <a:r>
+              <a:rPr lang="en-US" sz="2000" dirty="0" err="1">
+                <a:solidFill>
+                  <a:srgbClr val="0070C0"/>
+                </a:solidFill>
+              </a:rPr>
+              <a:t>apis.support.brightcove.com</a:t>
+            </a:r>
+            <a:r>
+              <a:rPr lang="en-US" sz="2000" dirty="0">
+                <a:solidFill>
+                  <a:srgbClr val="0070C0"/>
+                </a:solidFill>
+              </a:rPr>
+              <a:t>/</a:t>
+            </a:r>
+          </a:p>
+          <a:p>
+            <a:pPr marL="514350" indent="-285750"/>
+            <a:endParaRPr lang="en-US" sz="2000" dirty="0">
+              <a:solidFill>
+                <a:schemeClr val="tx2">
+                  <a:lumMod val="10000"/>
+                </a:schemeClr>
+              </a:solidFill>
+            </a:endParaRPr>
+          </a:p>
+          <a:p>
+            <a:pPr marL="514350" indent="-285750"/>
+            <a:r>
+              <a:rPr lang="en-US" sz="2000" dirty="0">
+                <a:solidFill>
+                  <a:schemeClr val="tx2">
+                    <a:lumMod val="10000"/>
+                  </a:schemeClr>
+                </a:solidFill>
+              </a:rPr>
+              <a:t>Player Samples</a:t>
+            </a:r>
+          </a:p>
+          <a:p>
+            <a:pPr marL="514350" indent="-285750"/>
+            <a:r>
+              <a:rPr lang="en-US" sz="2000" dirty="0">
+                <a:solidFill>
+                  <a:srgbClr val="0070C0"/>
+                </a:solidFill>
+                <a:hlinkClick r:id="rId4">
+                  <a:extLst>
+                    <a:ext uri="{A12FA001-AC4F-418D-AE19-62706E023703}">
+                      <ahyp:hlinkClr xmlns:ahyp="http://schemas.microsoft.com/office/drawing/2018/hyperlinkcolor" val="tx"/>
+                    </a:ext>
+                  </a:extLst>
+                </a:hlinkClick>
+              </a:rPr>
+              <a:t>https://player.support.brightcove.com/code-samples/</a:t>
             </a:r>
             <a:endParaRPr sz="2200" dirty="0">
               <a:solidFill>
-                <a:srgbClr val="000000"/>
+                <a:srgbClr val="0070C0"/>
               </a:solidFill>
             </a:endParaRPr>
           </a:p>
@@ -14407,1015 +14072,6 @@
                 <a:cs typeface="Arial"/>
                 <a:sym typeface="Arial"/>
               </a:rPr>
-              <a:t>DISPLAY VIEWS IN CONTROLBAR</a:t>
-            </a:r>
-            <a:endParaRPr sz="4000" b="1" i="0" u="none" strike="noStrike" cap="none" dirty="0">
-              <a:solidFill>
-                <a:srgbClr val="161614"/>
-              </a:solidFill>
-              <a:latin typeface="Arial"/>
-              <a:ea typeface="Arial"/>
-              <a:cs typeface="Arial"/>
-              <a:sym typeface="Arial"/>
-            </a:endParaRPr>
-          </a:p>
-        </p:txBody>
-      </p:sp>
-    </p:spTree>
-    <p:extLst>
-      <p:ext uri="{BB962C8B-B14F-4D97-AF65-F5344CB8AC3E}">
-        <p14:creationId xmlns:p14="http://schemas.microsoft.com/office/powerpoint/2010/main" val="1664961781"/>
-      </p:ext>
-    </p:extLst>
-  </p:cSld>
-  <p:clrMapOvr>
-    <a:masterClrMapping/>
-  </p:clrMapOvr>
-  <mc:AlternateContent xmlns:mc="http://schemas.openxmlformats.org/markup-compatibility/2006" xmlns:p14="http://schemas.microsoft.com/office/powerpoint/2010/main">
-    <mc:Choice Requires="p14">
-      <p:transition spd="med" p14:dur="700">
-        <p:fade/>
-      </p:transition>
-    </mc:Choice>
-    <mc:Fallback xmlns:p15="http://schemas.microsoft.com/office/powerpoint/2012/main" xmlns:com="http://schemas.openxmlformats.org/drawingml/2006/compatibility" xmlns:pvml="urn:schemas-microsoft-com:office:powerpoint" xmlns:v="urn:schemas-microsoft-com:vml" xmlns:o="urn:schemas-microsoft-com:office:office" xmlns:dgm="http://schemas.openxmlformats.org/drawingml/2006/diagram" xmlns:c="http://schemas.openxmlformats.org/drawingml/2006/chart" xmlns:mv="urn:schemas-microsoft-com:mac:vml" xmlns="">
-      <p:transition spd="slow">
-        <p:fade/>
-      </p:transition>
-    </mc:Fallback>
-  </mc:AlternateContent>
-</p:sld>
-</file>
-
-<file path=ppt/slides/slide23.xml><?xml version="1.0" encoding="utf-8"?>
-<p:sld xmlns:a="http://schemas.openxmlformats.org/drawingml/2006/main" xmlns:r="http://schemas.openxmlformats.org/officeDocument/2006/relationships" xmlns:p="http://schemas.openxmlformats.org/presentationml/2006/main">
-  <p:cSld>
-    <p:spTree>
-      <p:nvGrpSpPr>
-        <p:cNvPr id="1" name="Shape 145"/>
-        <p:cNvGrpSpPr/>
-        <p:nvPr/>
-      </p:nvGrpSpPr>
-      <p:grpSpPr>
-        <a:xfrm>
-          <a:off x="0" y="0"/>
-          <a:ext cx="0" cy="0"/>
-          <a:chOff x="0" y="0"/>
-          <a:chExt cx="0" cy="0"/>
-        </a:xfrm>
-      </p:grpSpPr>
-      <p:sp>
-        <p:nvSpPr>
-          <p:cNvPr id="146" name="Google Shape;146;p12"/>
-          <p:cNvSpPr txBox="1">
-            <a:spLocks noGrp="1"/>
-          </p:cNvSpPr>
-          <p:nvPr>
-            <p:ph type="body" idx="1"/>
-          </p:nvPr>
-        </p:nvSpPr>
-        <p:spPr>
-          <a:xfrm>
-            <a:off x="619125" y="2017713"/>
-            <a:ext cx="9532938" cy="3294062"/>
-          </a:xfrm>
-          <a:prstGeom prst="rect">
-            <a:avLst/>
-          </a:prstGeom>
-          <a:noFill/>
-          <a:ln>
-            <a:noFill/>
-          </a:ln>
-        </p:spPr>
-        <p:txBody>
-          <a:bodyPr spcFirstLastPara="1" wrap="square" lIns="0" tIns="0" rIns="0" bIns="0" anchor="t" anchorCtr="0">
-            <a:noAutofit/>
-          </a:bodyPr>
-          <a:lstStyle/>
-          <a:p>
-            <a:pPr marL="514350" lvl="0" indent="-285750" algn="l" rtl="0">
-              <a:lnSpc>
-                <a:spcPct val="90000"/>
-              </a:lnSpc>
-              <a:spcBef>
-                <a:spcPts val="1200"/>
-              </a:spcBef>
-              <a:spcAft>
-                <a:spcPts val="0"/>
-              </a:spcAft>
-              <a:buClr>
-                <a:srgbClr val="000000"/>
-              </a:buClr>
-              <a:buSzPts val="2000"/>
-              <a:buFont typeface="Arial"/>
-              <a:buChar char="•"/>
-            </a:pPr>
-            <a:r>
-              <a:rPr lang="en-US" sz="2000" dirty="0">
-                <a:solidFill>
-                  <a:srgbClr val="000000"/>
-                </a:solidFill>
-              </a:rPr>
-              <a:t>Bulk update a set of video’s metadata</a:t>
-            </a:r>
-          </a:p>
-          <a:p>
-            <a:pPr marL="514350" lvl="0" indent="-285750">
-              <a:buSzPts val="2000"/>
-            </a:pPr>
-            <a:r>
-              <a:rPr lang="en-US" sz="1800" dirty="0"/>
-              <a:t>https://apis.support.brightcove.com/cms/code-samples/cms-api-sample-update-videos.html</a:t>
-            </a:r>
-          </a:p>
-          <a:p>
-            <a:pPr marL="228600" lvl="0" indent="0">
-              <a:buSzPts val="2000"/>
-              <a:buNone/>
-            </a:pPr>
-            <a:endParaRPr sz="1800" dirty="0">
-              <a:solidFill>
-                <a:srgbClr val="000000"/>
-              </a:solidFill>
-            </a:endParaRPr>
-          </a:p>
-          <a:p>
-            <a:pPr marL="0" lvl="0" indent="0" algn="l" rtl="0">
-              <a:lnSpc>
-                <a:spcPct val="90000"/>
-              </a:lnSpc>
-              <a:spcBef>
-                <a:spcPts val="0"/>
-              </a:spcBef>
-              <a:spcAft>
-                <a:spcPts val="0"/>
-              </a:spcAft>
-              <a:buClr>
-                <a:schemeClr val="dk1"/>
-              </a:buClr>
-              <a:buSzPts val="1800"/>
-              <a:buFont typeface="Arial"/>
-              <a:buNone/>
-            </a:pPr>
-            <a:endParaRPr dirty="0"/>
-          </a:p>
-        </p:txBody>
-      </p:sp>
-      <p:sp>
-        <p:nvSpPr>
-          <p:cNvPr id="147" name="Google Shape;147;p12"/>
-          <p:cNvSpPr txBox="1"/>
-          <p:nvPr/>
-        </p:nvSpPr>
-        <p:spPr>
-          <a:xfrm>
-            <a:off x="615192" y="856891"/>
-            <a:ext cx="10969943" cy="411480"/>
-          </a:xfrm>
-          <a:prstGeom prst="rect">
-            <a:avLst/>
-          </a:prstGeom>
-          <a:noFill/>
-          <a:ln>
-            <a:noFill/>
-          </a:ln>
-        </p:spPr>
-        <p:txBody>
-          <a:bodyPr spcFirstLastPara="1" wrap="square" lIns="0" tIns="0" rIns="0" bIns="0" anchor="t" anchorCtr="0">
-            <a:noAutofit/>
-          </a:bodyPr>
-          <a:lstStyle/>
-          <a:p>
-            <a:pPr marL="0" marR="0" lvl="0" indent="0" algn="l" rtl="0">
-              <a:lnSpc>
-                <a:spcPct val="90000"/>
-              </a:lnSpc>
-              <a:spcBef>
-                <a:spcPts val="0"/>
-              </a:spcBef>
-              <a:spcAft>
-                <a:spcPts val="0"/>
-              </a:spcAft>
-              <a:buClr>
-                <a:schemeClr val="dk1"/>
-              </a:buClr>
-              <a:buSzPts val="3200"/>
-              <a:buFont typeface="Arial"/>
-              <a:buNone/>
-            </a:pPr>
-            <a:r>
-              <a:rPr lang="en-US" sz="4000" b="1" i="0" u="none" strike="noStrike" cap="none" dirty="0">
-                <a:solidFill>
-                  <a:srgbClr val="161614"/>
-                </a:solidFill>
-                <a:latin typeface="Arial"/>
-                <a:ea typeface="Arial"/>
-                <a:cs typeface="Arial"/>
-                <a:sym typeface="Arial"/>
-              </a:rPr>
-              <a:t>UPDATE VIDEOS</a:t>
-            </a:r>
-            <a:endParaRPr sz="4000" b="1" i="0" u="none" strike="noStrike" cap="none" dirty="0">
-              <a:solidFill>
-                <a:srgbClr val="161614"/>
-              </a:solidFill>
-              <a:latin typeface="Arial"/>
-              <a:ea typeface="Arial"/>
-              <a:cs typeface="Arial"/>
-              <a:sym typeface="Arial"/>
-            </a:endParaRPr>
-          </a:p>
-        </p:txBody>
-      </p:sp>
-    </p:spTree>
-    <p:extLst>
-      <p:ext uri="{BB962C8B-B14F-4D97-AF65-F5344CB8AC3E}">
-        <p14:creationId xmlns:p14="http://schemas.microsoft.com/office/powerpoint/2010/main" val="2814004009"/>
-      </p:ext>
-    </p:extLst>
-  </p:cSld>
-  <p:clrMapOvr>
-    <a:masterClrMapping/>
-  </p:clrMapOvr>
-  <mc:AlternateContent xmlns:mc="http://schemas.openxmlformats.org/markup-compatibility/2006" xmlns:p14="http://schemas.microsoft.com/office/powerpoint/2010/main">
-    <mc:Choice Requires="p14">
-      <p:transition spd="med" p14:dur="700">
-        <p:fade/>
-      </p:transition>
-    </mc:Choice>
-    <mc:Fallback xmlns:p15="http://schemas.microsoft.com/office/powerpoint/2012/main" xmlns:com="http://schemas.openxmlformats.org/drawingml/2006/compatibility" xmlns:pvml="urn:schemas-microsoft-com:office:powerpoint" xmlns:v="urn:schemas-microsoft-com:vml" xmlns:o="urn:schemas-microsoft-com:office:office" xmlns:dgm="http://schemas.openxmlformats.org/drawingml/2006/diagram" xmlns:c="http://schemas.openxmlformats.org/drawingml/2006/chart" xmlns:mv="urn:schemas-microsoft-com:mac:vml" xmlns="">
-      <p:transition spd="slow">
-        <p:fade/>
-      </p:transition>
-    </mc:Fallback>
-  </mc:AlternateContent>
-</p:sld>
-</file>
-
-<file path=ppt/slides/slide24.xml><?xml version="1.0" encoding="utf-8"?>
-<p:sld xmlns:a="http://schemas.openxmlformats.org/drawingml/2006/main" xmlns:r="http://schemas.openxmlformats.org/officeDocument/2006/relationships" xmlns:p="http://schemas.openxmlformats.org/presentationml/2006/main">
-  <p:cSld>
-    <p:spTree>
-      <p:nvGrpSpPr>
-        <p:cNvPr id="1" name="Shape 145"/>
-        <p:cNvGrpSpPr/>
-        <p:nvPr/>
-      </p:nvGrpSpPr>
-      <p:grpSpPr>
-        <a:xfrm>
-          <a:off x="0" y="0"/>
-          <a:ext cx="0" cy="0"/>
-          <a:chOff x="0" y="0"/>
-          <a:chExt cx="0" cy="0"/>
-        </a:xfrm>
-      </p:grpSpPr>
-      <p:sp>
-        <p:nvSpPr>
-          <p:cNvPr id="146" name="Google Shape;146;p12"/>
-          <p:cNvSpPr txBox="1">
-            <a:spLocks noGrp="1"/>
-          </p:cNvSpPr>
-          <p:nvPr>
-            <p:ph type="body" idx="1"/>
-          </p:nvPr>
-        </p:nvSpPr>
-        <p:spPr>
-          <a:xfrm>
-            <a:off x="619125" y="2017713"/>
-            <a:ext cx="9532938" cy="3294062"/>
-          </a:xfrm>
-          <a:prstGeom prst="rect">
-            <a:avLst/>
-          </a:prstGeom>
-          <a:noFill/>
-          <a:ln>
-            <a:noFill/>
-          </a:ln>
-        </p:spPr>
-        <p:txBody>
-          <a:bodyPr spcFirstLastPara="1" wrap="square" lIns="0" tIns="0" rIns="0" bIns="0" anchor="t" anchorCtr="0">
-            <a:noAutofit/>
-          </a:bodyPr>
-          <a:lstStyle/>
-          <a:p>
-            <a:pPr marL="514350" lvl="0" indent="-285750" algn="l" rtl="0">
-              <a:lnSpc>
-                <a:spcPct val="90000"/>
-              </a:lnSpc>
-              <a:spcBef>
-                <a:spcPts val="1200"/>
-              </a:spcBef>
-              <a:spcAft>
-                <a:spcPts val="0"/>
-              </a:spcAft>
-              <a:buClr>
-                <a:srgbClr val="000000"/>
-              </a:buClr>
-              <a:buSzPts val="2000"/>
-              <a:buFont typeface="Arial"/>
-              <a:buChar char="•"/>
-            </a:pPr>
-            <a:r>
-              <a:rPr lang="en-US" sz="2000" dirty="0">
-                <a:solidFill>
-                  <a:srgbClr val="000000"/>
-                </a:solidFill>
-              </a:rPr>
-              <a:t>Bulk update a set of video’s metadata</a:t>
-            </a:r>
-          </a:p>
-          <a:p>
-            <a:pPr marL="514350" lvl="0" indent="-285750">
-              <a:buSzPts val="2000"/>
-            </a:pPr>
-            <a:r>
-              <a:rPr lang="en-US" sz="1800" dirty="0"/>
-              <a:t>https://apis.support.brightcove.com/cms/code-samples/cms-api-sample-update-videos.html</a:t>
-            </a:r>
-          </a:p>
-          <a:p>
-            <a:pPr marL="228600" lvl="0" indent="0">
-              <a:buSzPts val="2000"/>
-              <a:buNone/>
-            </a:pPr>
-            <a:endParaRPr sz="1800" dirty="0">
-              <a:solidFill>
-                <a:srgbClr val="000000"/>
-              </a:solidFill>
-            </a:endParaRPr>
-          </a:p>
-          <a:p>
-            <a:pPr marL="0" lvl="0" indent="0" algn="l" rtl="0">
-              <a:lnSpc>
-                <a:spcPct val="90000"/>
-              </a:lnSpc>
-              <a:spcBef>
-                <a:spcPts val="0"/>
-              </a:spcBef>
-              <a:spcAft>
-                <a:spcPts val="0"/>
-              </a:spcAft>
-              <a:buClr>
-                <a:schemeClr val="dk1"/>
-              </a:buClr>
-              <a:buSzPts val="1800"/>
-              <a:buFont typeface="Arial"/>
-              <a:buNone/>
-            </a:pPr>
-            <a:endParaRPr dirty="0"/>
-          </a:p>
-        </p:txBody>
-      </p:sp>
-      <p:sp>
-        <p:nvSpPr>
-          <p:cNvPr id="147" name="Google Shape;147;p12"/>
-          <p:cNvSpPr txBox="1"/>
-          <p:nvPr/>
-        </p:nvSpPr>
-        <p:spPr>
-          <a:xfrm>
-            <a:off x="619125" y="856891"/>
-            <a:ext cx="10966010" cy="411480"/>
-          </a:xfrm>
-          <a:prstGeom prst="rect">
-            <a:avLst/>
-          </a:prstGeom>
-          <a:noFill/>
-          <a:ln>
-            <a:noFill/>
-          </a:ln>
-        </p:spPr>
-        <p:txBody>
-          <a:bodyPr spcFirstLastPara="1" wrap="square" lIns="0" tIns="0" rIns="0" bIns="0" anchor="t" anchorCtr="0">
-            <a:noAutofit/>
-          </a:bodyPr>
-          <a:lstStyle/>
-          <a:p>
-            <a:pPr lvl="0">
-              <a:lnSpc>
-                <a:spcPct val="90000"/>
-              </a:lnSpc>
-              <a:buClr>
-                <a:schemeClr val="dk1"/>
-              </a:buClr>
-              <a:buSzPts val="3200"/>
-            </a:pPr>
-            <a:r>
-              <a:rPr lang="en-US" sz="4000" b="1" dirty="0">
-                <a:solidFill>
-                  <a:srgbClr val="161614"/>
-                </a:solidFill>
-              </a:rPr>
-              <a:t>VIDEO ENGAGEMENT GRAPH</a:t>
-            </a:r>
-            <a:endParaRPr sz="4000" b="1" i="0" u="none" strike="noStrike" cap="none" dirty="0">
-              <a:solidFill>
-                <a:srgbClr val="161614"/>
-              </a:solidFill>
-              <a:latin typeface="Arial"/>
-              <a:ea typeface="Arial"/>
-              <a:cs typeface="Arial"/>
-              <a:sym typeface="Arial"/>
-            </a:endParaRPr>
-          </a:p>
-        </p:txBody>
-      </p:sp>
-      <p:pic>
-        <p:nvPicPr>
-          <p:cNvPr id="2" name="Picture 1">
-            <a:extLst>
-              <a:ext uri="{FF2B5EF4-FFF2-40B4-BE49-F238E27FC236}">
-                <a16:creationId xmlns:a16="http://schemas.microsoft.com/office/drawing/2014/main" id="{0645A88A-3100-ED4F-A4AF-16EBC0F9F66B}"/>
-              </a:ext>
-            </a:extLst>
-          </p:cNvPr>
-          <p:cNvPicPr>
-            <a:picLocks noChangeAspect="1"/>
-          </p:cNvPicPr>
-          <p:nvPr/>
-        </p:nvPicPr>
-        <p:blipFill>
-          <a:blip r:embed="rId3"/>
-          <a:stretch>
-            <a:fillRect/>
-          </a:stretch>
-        </p:blipFill>
-        <p:spPr>
-          <a:xfrm>
-            <a:off x="3062840" y="3166437"/>
-            <a:ext cx="3967292" cy="3491217"/>
-          </a:xfrm>
-          <a:prstGeom prst="rect">
-            <a:avLst/>
-          </a:prstGeom>
-        </p:spPr>
-      </p:pic>
-    </p:spTree>
-    <p:extLst>
-      <p:ext uri="{BB962C8B-B14F-4D97-AF65-F5344CB8AC3E}">
-        <p14:creationId xmlns:p14="http://schemas.microsoft.com/office/powerpoint/2010/main" val="991036120"/>
-      </p:ext>
-    </p:extLst>
-  </p:cSld>
-  <p:clrMapOvr>
-    <a:masterClrMapping/>
-  </p:clrMapOvr>
-  <mc:AlternateContent xmlns:mc="http://schemas.openxmlformats.org/markup-compatibility/2006" xmlns:p14="http://schemas.microsoft.com/office/powerpoint/2010/main">
-    <mc:Choice Requires="p14">
-      <p:transition spd="med" p14:dur="700">
-        <p:fade/>
-      </p:transition>
-    </mc:Choice>
-    <mc:Fallback xmlns:p15="http://schemas.microsoft.com/office/powerpoint/2012/main" xmlns:com="http://schemas.openxmlformats.org/drawingml/2006/compatibility" xmlns:pvml="urn:schemas-microsoft-com:office:powerpoint" xmlns:v="urn:schemas-microsoft-com:vml" xmlns:o="urn:schemas-microsoft-com:office:office" xmlns:dgm="http://schemas.openxmlformats.org/drawingml/2006/diagram" xmlns:c="http://schemas.openxmlformats.org/drawingml/2006/chart" xmlns:mv="urn:schemas-microsoft-com:mac:vml" xmlns="">
-      <p:transition spd="slow">
-        <p:fade/>
-      </p:transition>
-    </mc:Fallback>
-  </mc:AlternateContent>
-</p:sld>
-</file>
-
-<file path=ppt/slides/slide25.xml><?xml version="1.0" encoding="utf-8"?>
-<p:sld xmlns:a="http://schemas.openxmlformats.org/drawingml/2006/main" xmlns:r="http://schemas.openxmlformats.org/officeDocument/2006/relationships" xmlns:p="http://schemas.openxmlformats.org/presentationml/2006/main">
-  <p:cSld>
-    <p:spTree>
-      <p:nvGrpSpPr>
-        <p:cNvPr id="1" name="Shape 98"/>
-        <p:cNvGrpSpPr/>
-        <p:nvPr/>
-      </p:nvGrpSpPr>
-      <p:grpSpPr>
-        <a:xfrm>
-          <a:off x="0" y="0"/>
-          <a:ext cx="0" cy="0"/>
-          <a:chOff x="0" y="0"/>
-          <a:chExt cx="0" cy="0"/>
-        </a:xfrm>
-      </p:grpSpPr>
-      <p:sp>
-        <p:nvSpPr>
-          <p:cNvPr id="99" name="Google Shape;99;p3"/>
-          <p:cNvSpPr txBox="1">
-            <a:spLocks noGrp="1"/>
-          </p:cNvSpPr>
-          <p:nvPr>
-            <p:ph type="title"/>
-          </p:nvPr>
-        </p:nvSpPr>
-        <p:spPr>
-          <a:xfrm>
-            <a:off x="609600" y="655914"/>
-            <a:ext cx="8044543" cy="1333903"/>
-          </a:xfrm>
-          <a:prstGeom prst="rect">
-            <a:avLst/>
-          </a:prstGeom>
-          <a:noFill/>
-          <a:ln>
-            <a:noFill/>
-          </a:ln>
-        </p:spPr>
-        <p:txBody>
-          <a:bodyPr spcFirstLastPara="1" wrap="square" lIns="0" tIns="0" rIns="0" bIns="0" anchor="t" anchorCtr="0">
-            <a:noAutofit/>
-          </a:bodyPr>
-          <a:lstStyle/>
-          <a:p>
-            <a:r>
-              <a:rPr lang="en-US" b="0" dirty="0"/>
-              <a:t>SESSION SUMMARY</a:t>
-            </a:r>
-            <a:br>
-              <a:rPr lang="en-US" dirty="0"/>
-            </a:br>
-            <a:endParaRPr sz="6000" dirty="0"/>
-          </a:p>
-        </p:txBody>
-      </p:sp>
-      <p:sp>
-        <p:nvSpPr>
-          <p:cNvPr id="4" name="Google Shape;100;p3">
-            <a:extLst>
-              <a:ext uri="{FF2B5EF4-FFF2-40B4-BE49-F238E27FC236}">
-                <a16:creationId xmlns:a16="http://schemas.microsoft.com/office/drawing/2014/main" id="{5F29453B-CE75-FD40-B24E-2BB5DAC32986}"/>
-              </a:ext>
-            </a:extLst>
-          </p:cNvPr>
-          <p:cNvSpPr txBox="1">
-            <a:spLocks noGrp="1"/>
-          </p:cNvSpPr>
-          <p:nvPr>
-            <p:ph type="body" idx="1"/>
-          </p:nvPr>
-        </p:nvSpPr>
-        <p:spPr>
-          <a:xfrm>
-            <a:off x="609600" y="2958957"/>
-            <a:ext cx="7279341" cy="1339836"/>
-          </a:xfrm>
-          <a:prstGeom prst="rect">
-            <a:avLst/>
-          </a:prstGeom>
-          <a:noFill/>
-          <a:ln>
-            <a:noFill/>
-          </a:ln>
-        </p:spPr>
-        <p:txBody>
-          <a:bodyPr spcFirstLastPara="1" wrap="square" lIns="0" tIns="0" rIns="0" bIns="0" anchor="t" anchorCtr="0">
-            <a:noAutofit/>
-          </a:bodyPr>
-          <a:lstStyle/>
-          <a:p>
-            <a:pPr marL="4763" lvl="0" indent="0" algn="l" rtl="0">
-              <a:lnSpc>
-                <a:spcPct val="90000"/>
-              </a:lnSpc>
-              <a:spcBef>
-                <a:spcPts val="0"/>
-              </a:spcBef>
-              <a:spcAft>
-                <a:spcPts val="0"/>
-              </a:spcAft>
-              <a:buSzPts val="2400"/>
-            </a:pPr>
-            <a:r>
-              <a:rPr lang="en-US" dirty="0"/>
-              <a:t>MAIN LEARNING POINTS</a:t>
-            </a:r>
-          </a:p>
-          <a:p>
-            <a:pPr marL="347663" lvl="0" indent="-342900" algn="l" rtl="0">
-              <a:lnSpc>
-                <a:spcPct val="90000"/>
-              </a:lnSpc>
-              <a:spcBef>
-                <a:spcPts val="0"/>
-              </a:spcBef>
-              <a:spcAft>
-                <a:spcPts val="0"/>
-              </a:spcAft>
-              <a:buSzPts val="2400"/>
-              <a:buFont typeface="Arial" panose="020B0604020202020204" pitchFamily="34" charset="0"/>
-              <a:buChar char="•"/>
-            </a:pPr>
-            <a:r>
-              <a:rPr lang="en-US" dirty="0"/>
-              <a:t>What/Why REST APIs</a:t>
-            </a:r>
-          </a:p>
-          <a:p>
-            <a:pPr marL="347663" lvl="0" indent="-342900" algn="l" rtl="0">
-              <a:lnSpc>
-                <a:spcPct val="90000"/>
-              </a:lnSpc>
-              <a:spcBef>
-                <a:spcPts val="0"/>
-              </a:spcBef>
-              <a:spcAft>
-                <a:spcPts val="0"/>
-              </a:spcAft>
-              <a:buSzPts val="2400"/>
-              <a:buFont typeface="Arial" panose="020B0604020202020204" pitchFamily="34" charset="0"/>
-              <a:buChar char="•"/>
-            </a:pPr>
-            <a:r>
-              <a:rPr lang="en-US" dirty="0"/>
-              <a:t>3 key entities: Client/Proxy/REST API</a:t>
-            </a:r>
-          </a:p>
-          <a:p>
-            <a:pPr marL="347663" lvl="0" indent="-342900" algn="l" rtl="0">
-              <a:lnSpc>
-                <a:spcPct val="90000"/>
-              </a:lnSpc>
-              <a:spcBef>
-                <a:spcPts val="0"/>
-              </a:spcBef>
-              <a:spcAft>
-                <a:spcPts val="0"/>
-              </a:spcAft>
-              <a:buSzPts val="2400"/>
-              <a:buFont typeface="Arial" panose="020B0604020202020204" pitchFamily="34" charset="0"/>
-              <a:buChar char="•"/>
-            </a:pPr>
-            <a:r>
-              <a:rPr lang="en-US" dirty="0">
-                <a:solidFill>
-                  <a:srgbClr val="FF0000"/>
-                </a:solidFill>
-                <a:latin typeface="Source Code Pro" panose="020B0509030403020204" pitchFamily="49" charset="0"/>
-                <a:ea typeface="Source Code Pro" panose="020B0509030403020204" pitchFamily="49" charset="0"/>
-              </a:rPr>
-              <a:t>makeRequest()</a:t>
-            </a:r>
-            <a:r>
-              <a:rPr lang="en-US" dirty="0"/>
-              <a:t> function reusable code to actually call REST API</a:t>
-            </a:r>
-          </a:p>
-          <a:p>
-            <a:pPr marL="347663" lvl="0" indent="-342900" algn="l" rtl="0">
-              <a:lnSpc>
-                <a:spcPct val="90000"/>
-              </a:lnSpc>
-              <a:spcBef>
-                <a:spcPts val="0"/>
-              </a:spcBef>
-              <a:spcAft>
-                <a:spcPts val="0"/>
-              </a:spcAft>
-              <a:buSzPts val="2400"/>
-              <a:buFont typeface="Arial" panose="020B0604020202020204" pitchFamily="34" charset="0"/>
-              <a:buChar char="•"/>
-            </a:pPr>
-            <a:r>
-              <a:rPr lang="en-US" dirty="0"/>
-              <a:t>For each application, you must write code to</a:t>
-            </a:r>
-          </a:p>
-          <a:p>
-            <a:pPr marL="804863" lvl="1" indent="-342900">
-              <a:buSzPts val="2400"/>
-              <a:buFont typeface="Arial" panose="020B0604020202020204" pitchFamily="34" charset="0"/>
-              <a:buChar char="•"/>
-            </a:pPr>
-            <a:r>
-              <a:rPr lang="en-US" dirty="0"/>
-              <a:t>Build the request</a:t>
-            </a:r>
-          </a:p>
-          <a:p>
-            <a:pPr marL="804863" lvl="1" indent="-342900">
-              <a:buSzPts val="2400"/>
-              <a:buFont typeface="Arial" panose="020B0604020202020204" pitchFamily="34" charset="0"/>
-              <a:buChar char="•"/>
-            </a:pPr>
-            <a:r>
-              <a:rPr lang="en-US" dirty="0"/>
-              <a:t>Display the returned data</a:t>
-            </a:r>
-          </a:p>
-          <a:p>
-            <a:pPr marL="347663" lvl="0" indent="-342900" algn="l" rtl="0">
-              <a:lnSpc>
-                <a:spcPct val="90000"/>
-              </a:lnSpc>
-              <a:spcBef>
-                <a:spcPts val="0"/>
-              </a:spcBef>
-              <a:spcAft>
-                <a:spcPts val="0"/>
-              </a:spcAft>
-              <a:buSzPts val="2400"/>
-              <a:buFont typeface="Arial" panose="020B0604020202020204" pitchFamily="34" charset="0"/>
-              <a:buChar char="•"/>
-            </a:pPr>
-            <a:endParaRPr dirty="0"/>
-          </a:p>
-          <a:p>
-            <a:pPr marL="457200" lvl="0" indent="-228600" algn="l" rtl="0">
-              <a:lnSpc>
-                <a:spcPct val="90000"/>
-              </a:lnSpc>
-              <a:spcBef>
-                <a:spcPts val="0"/>
-              </a:spcBef>
-              <a:spcAft>
-                <a:spcPts val="0"/>
-              </a:spcAft>
-              <a:buClr>
-                <a:schemeClr val="dk1"/>
-              </a:buClr>
-              <a:buSzPts val="2400"/>
-              <a:buFont typeface="Arial"/>
-              <a:buNone/>
-            </a:pPr>
-            <a:endParaRPr dirty="0"/>
-          </a:p>
-        </p:txBody>
-      </p:sp>
-    </p:spTree>
-    <p:extLst>
-      <p:ext uri="{BB962C8B-B14F-4D97-AF65-F5344CB8AC3E}">
-        <p14:creationId xmlns:p14="http://schemas.microsoft.com/office/powerpoint/2010/main" val="2846772709"/>
-      </p:ext>
-    </p:extLst>
-  </p:cSld>
-  <p:clrMapOvr>
-    <a:masterClrMapping/>
-  </p:clrMapOvr>
-  <mc:AlternateContent xmlns:mc="http://schemas.openxmlformats.org/markup-compatibility/2006" xmlns:p14="http://schemas.microsoft.com/office/powerpoint/2010/main">
-    <mc:Choice Requires="p14">
-      <p:transition spd="med" p14:dur="700">
-        <p:fade/>
-      </p:transition>
-    </mc:Choice>
-    <mc:Fallback xmlns:p15="http://schemas.microsoft.com/office/powerpoint/2012/main" xmlns:com="http://schemas.openxmlformats.org/drawingml/2006/compatibility" xmlns:pvml="urn:schemas-microsoft-com:office:powerpoint" xmlns:v="urn:schemas-microsoft-com:vml" xmlns:o="urn:schemas-microsoft-com:office:office" xmlns:dgm="http://schemas.openxmlformats.org/drawingml/2006/diagram" xmlns:c="http://schemas.openxmlformats.org/drawingml/2006/chart" xmlns:mv="urn:schemas-microsoft-com:mac:vml" xmlns="">
-      <p:transition spd="slow">
-        <p:fade/>
-      </p:transition>
-    </mc:Fallback>
-  </mc:AlternateContent>
-</p:sld>
-</file>
-
-<file path=ppt/slides/slide26.xml><?xml version="1.0" encoding="utf-8"?>
-<p:sld xmlns:a="http://schemas.openxmlformats.org/drawingml/2006/main" xmlns:r="http://schemas.openxmlformats.org/officeDocument/2006/relationships" xmlns:p="http://schemas.openxmlformats.org/presentationml/2006/main">
-  <p:cSld>
-    <p:spTree>
-      <p:nvGrpSpPr>
-        <p:cNvPr id="1" name="Shape 145"/>
-        <p:cNvGrpSpPr/>
-        <p:nvPr/>
-      </p:nvGrpSpPr>
-      <p:grpSpPr>
-        <a:xfrm>
-          <a:off x="0" y="0"/>
-          <a:ext cx="0" cy="0"/>
-          <a:chOff x="0" y="0"/>
-          <a:chExt cx="0" cy="0"/>
-        </a:xfrm>
-      </p:grpSpPr>
-      <p:sp>
-        <p:nvSpPr>
-          <p:cNvPr id="146" name="Google Shape;146;p12"/>
-          <p:cNvSpPr txBox="1">
-            <a:spLocks noGrp="1"/>
-          </p:cNvSpPr>
-          <p:nvPr>
-            <p:ph type="body" idx="1"/>
-          </p:nvPr>
-        </p:nvSpPr>
-        <p:spPr>
-          <a:xfrm>
-            <a:off x="619125" y="2017713"/>
-            <a:ext cx="9532938" cy="3294062"/>
-          </a:xfrm>
-          <a:prstGeom prst="rect">
-            <a:avLst/>
-          </a:prstGeom>
-          <a:noFill/>
-          <a:ln>
-            <a:noFill/>
-          </a:ln>
-        </p:spPr>
-        <p:txBody>
-          <a:bodyPr spcFirstLastPara="1" wrap="square" lIns="0" tIns="0" rIns="0" bIns="0" anchor="t" anchorCtr="0">
-            <a:noAutofit/>
-          </a:bodyPr>
-          <a:lstStyle/>
-          <a:p>
-            <a:pPr marL="514350" indent="-285750"/>
-            <a:r>
-              <a:rPr lang="en-US" sz="2000" dirty="0"/>
-              <a:t>Learning Guide: Using the REST APIs</a:t>
-            </a:r>
-            <a:endParaRPr lang="en-US" sz="2000" dirty="0">
-              <a:solidFill>
-                <a:srgbClr val="002060"/>
-              </a:solidFill>
-              <a:hlinkClick r:id="rId3">
-                <a:extLst>
-                  <a:ext uri="{A12FA001-AC4F-418D-AE19-62706E023703}">
-                    <ahyp:hlinkClr xmlns:ahyp="http://schemas.microsoft.com/office/drawing/2018/hyperlinkcolor" val="tx"/>
-                  </a:ext>
-                </a:extLst>
-              </a:hlinkClick>
-            </a:endParaRPr>
-          </a:p>
-          <a:p>
-            <a:pPr marL="514350" indent="-285750"/>
-            <a:r>
-              <a:rPr lang="en-US" sz="2000" dirty="0">
-                <a:solidFill>
-                  <a:srgbClr val="0070C0"/>
-                </a:solidFill>
-                <a:hlinkClick r:id="rId3">
-                  <a:extLst>
-                    <a:ext uri="{A12FA001-AC4F-418D-AE19-62706E023703}">
-                      <ahyp:hlinkClr xmlns:ahyp="http://schemas.microsoft.com/office/drawing/2018/hyperlinkcolor" val="tx"/>
-                    </a:ext>
-                  </a:extLst>
-                </a:hlinkClick>
-              </a:rPr>
-              <a:t>https://player.support.brightcove.com/code-samples/brightcove-player-sample-display-views-controlbar.html</a:t>
-            </a:r>
-            <a:endParaRPr lang="en-US" sz="2000" dirty="0">
-              <a:solidFill>
-                <a:srgbClr val="0070C0"/>
-              </a:solidFill>
-            </a:endParaRPr>
-          </a:p>
-          <a:p>
-            <a:pPr marL="514350" indent="-285750"/>
-            <a:endParaRPr lang="en-US" sz="2000" dirty="0">
-              <a:solidFill>
-                <a:schemeClr val="tx2">
-                  <a:lumMod val="10000"/>
-                </a:schemeClr>
-              </a:solidFill>
-            </a:endParaRPr>
-          </a:p>
-          <a:p>
-            <a:pPr marL="514350" indent="-285750"/>
-            <a:r>
-              <a:rPr lang="en-US" sz="2000" dirty="0">
-                <a:solidFill>
-                  <a:schemeClr val="tx2">
-                    <a:lumMod val="10000"/>
-                  </a:schemeClr>
-                </a:solidFill>
-              </a:rPr>
-              <a:t>Video Cloud Platform APIs Documentation</a:t>
-            </a:r>
-          </a:p>
-          <a:p>
-            <a:pPr marL="514350" indent="-285750"/>
-            <a:r>
-              <a:rPr lang="en-US" sz="2000" dirty="0">
-                <a:solidFill>
-                  <a:srgbClr val="0070C0"/>
-                </a:solidFill>
-              </a:rPr>
-              <a:t>https://</a:t>
-            </a:r>
-            <a:r>
-              <a:rPr lang="en-US" sz="2000" dirty="0" err="1">
-                <a:solidFill>
-                  <a:srgbClr val="0070C0"/>
-                </a:solidFill>
-              </a:rPr>
-              <a:t>apis.support.brightcove.com</a:t>
-            </a:r>
-            <a:r>
-              <a:rPr lang="en-US" sz="2000" dirty="0">
-                <a:solidFill>
-                  <a:srgbClr val="0070C0"/>
-                </a:solidFill>
-              </a:rPr>
-              <a:t>/</a:t>
-            </a:r>
-          </a:p>
-          <a:p>
-            <a:pPr marL="514350" indent="-285750"/>
-            <a:endParaRPr lang="en-US" sz="2000" dirty="0">
-              <a:solidFill>
-                <a:schemeClr val="tx2">
-                  <a:lumMod val="10000"/>
-                </a:schemeClr>
-              </a:solidFill>
-            </a:endParaRPr>
-          </a:p>
-          <a:p>
-            <a:pPr marL="514350" indent="-285750"/>
-            <a:r>
-              <a:rPr lang="en-US" sz="2000" dirty="0">
-                <a:solidFill>
-                  <a:schemeClr val="tx2">
-                    <a:lumMod val="10000"/>
-                  </a:schemeClr>
-                </a:solidFill>
-              </a:rPr>
-              <a:t>Player Samples</a:t>
-            </a:r>
-          </a:p>
-          <a:p>
-            <a:pPr marL="514350" indent="-285750"/>
-            <a:r>
-              <a:rPr lang="en-US" sz="2000" dirty="0">
-                <a:solidFill>
-                  <a:srgbClr val="0070C0"/>
-                </a:solidFill>
-                <a:hlinkClick r:id="rId4">
-                  <a:extLst>
-                    <a:ext uri="{A12FA001-AC4F-418D-AE19-62706E023703}">
-                      <ahyp:hlinkClr xmlns:ahyp="http://schemas.microsoft.com/office/drawing/2018/hyperlinkcolor" val="tx"/>
-                    </a:ext>
-                  </a:extLst>
-                </a:hlinkClick>
-              </a:rPr>
-              <a:t>https://player.support.brightcove.com/code-samples/</a:t>
-            </a:r>
-            <a:endParaRPr sz="2200" dirty="0">
-              <a:solidFill>
-                <a:srgbClr val="0070C0"/>
-              </a:solidFill>
-            </a:endParaRPr>
-          </a:p>
-          <a:p>
-            <a:pPr marL="0" lvl="0" indent="0" algn="l" rtl="0">
-              <a:lnSpc>
-                <a:spcPct val="90000"/>
-              </a:lnSpc>
-              <a:spcBef>
-                <a:spcPts val="0"/>
-              </a:spcBef>
-              <a:spcAft>
-                <a:spcPts val="0"/>
-              </a:spcAft>
-              <a:buClr>
-                <a:schemeClr val="dk1"/>
-              </a:buClr>
-              <a:buSzPts val="1800"/>
-              <a:buFont typeface="Arial"/>
-              <a:buNone/>
-            </a:pPr>
-            <a:endParaRPr dirty="0"/>
-          </a:p>
-        </p:txBody>
-      </p:sp>
-      <p:sp>
-        <p:nvSpPr>
-          <p:cNvPr id="147" name="Google Shape;147;p12"/>
-          <p:cNvSpPr txBox="1"/>
-          <p:nvPr/>
-        </p:nvSpPr>
-        <p:spPr>
-          <a:xfrm>
-            <a:off x="615192" y="856891"/>
-            <a:ext cx="10969943" cy="411480"/>
-          </a:xfrm>
-          <a:prstGeom prst="rect">
-            <a:avLst/>
-          </a:prstGeom>
-          <a:noFill/>
-          <a:ln>
-            <a:noFill/>
-          </a:ln>
-        </p:spPr>
-        <p:txBody>
-          <a:bodyPr spcFirstLastPara="1" wrap="square" lIns="0" tIns="0" rIns="0" bIns="0" anchor="t" anchorCtr="0">
-            <a:noAutofit/>
-          </a:bodyPr>
-          <a:lstStyle/>
-          <a:p>
-            <a:pPr marL="0" marR="0" lvl="0" indent="0" algn="l" rtl="0">
-              <a:lnSpc>
-                <a:spcPct val="90000"/>
-              </a:lnSpc>
-              <a:spcBef>
-                <a:spcPts val="0"/>
-              </a:spcBef>
-              <a:spcAft>
-                <a:spcPts val="0"/>
-              </a:spcAft>
-              <a:buClr>
-                <a:schemeClr val="dk1"/>
-              </a:buClr>
-              <a:buSzPts val="3200"/>
-              <a:buFont typeface="Arial"/>
-              <a:buNone/>
-            </a:pPr>
-            <a:r>
-              <a:rPr lang="en-US" sz="4000" b="1" i="0" u="none" strike="noStrike" cap="none" dirty="0">
-                <a:solidFill>
-                  <a:srgbClr val="161614"/>
-                </a:solidFill>
-                <a:latin typeface="Arial"/>
-                <a:ea typeface="Arial"/>
-                <a:cs typeface="Arial"/>
-                <a:sym typeface="Arial"/>
-              </a:rPr>
               <a:t>KEY RESOURCES</a:t>
             </a:r>
             <a:endParaRPr sz="4000" b="1" i="0" u="none" strike="noStrike" cap="none" dirty="0">
@@ -15446,7 +14102,7 @@
         <p:fade/>
       </p:transition>
     </mc:Choice>
-    <mc:Fallback xmlns:p15="http://schemas.microsoft.com/office/powerpoint/2012/main" xmlns:com="http://schemas.openxmlformats.org/drawingml/2006/compatibility" xmlns:pvml="urn:schemas-microsoft-com:office:powerpoint" xmlns:v="urn:schemas-microsoft-com:vml" xmlns:o="urn:schemas-microsoft-com:office:office" xmlns:dgm="http://schemas.openxmlformats.org/drawingml/2006/diagram" xmlns:c="http://schemas.openxmlformats.org/drawingml/2006/chart" xmlns:mv="urn:schemas-microsoft-com:mac:vml" xmlns="">
+    <mc:Fallback xmlns="" xmlns:mv="urn:schemas-microsoft-com:mac:vml" xmlns:c="http://schemas.openxmlformats.org/drawingml/2006/chart" xmlns:dgm="http://schemas.openxmlformats.org/drawingml/2006/diagram" xmlns:o="urn:schemas-microsoft-com:office:office" xmlns:v="urn:schemas-microsoft-com:vml" xmlns:pvml="urn:schemas-microsoft-com:office:powerpoint" xmlns:com="http://schemas.openxmlformats.org/drawingml/2006/compatibility" xmlns:p15="http://schemas.microsoft.com/office/powerpoint/2012/main">
       <p:transition spd="slow">
         <p:fade/>
       </p:transition>
@@ -15455,7 +14111,7 @@
 </p:sld>
 </file>
 
-<file path=ppt/slides/slide27.xml><?xml version="1.0" encoding="utf-8"?>
+<file path=ppt/slides/slide23.xml><?xml version="1.0" encoding="utf-8"?>
 <p:sld xmlns:a="http://schemas.openxmlformats.org/drawingml/2006/main" xmlns:r="http://schemas.openxmlformats.org/officeDocument/2006/relationships" xmlns:p="http://schemas.openxmlformats.org/presentationml/2006/main">
   <p:cSld>
     <p:spTree>
@@ -15483,7 +14139,7 @@
         <p:fade/>
       </p:transition>
     </mc:Choice>
-    <mc:Fallback xmlns:p15="http://schemas.microsoft.com/office/powerpoint/2012/main" xmlns:com="http://schemas.openxmlformats.org/drawingml/2006/compatibility" xmlns:pvml="urn:schemas-microsoft-com:office:powerpoint" xmlns:v="urn:schemas-microsoft-com:vml" xmlns:o="urn:schemas-microsoft-com:office:office" xmlns:dgm="http://schemas.openxmlformats.org/drawingml/2006/diagram" xmlns:c="http://schemas.openxmlformats.org/drawingml/2006/chart" xmlns:mv="urn:schemas-microsoft-com:mac:vml" xmlns="">
+    <mc:Fallback xmlns="" xmlns:mv="urn:schemas-microsoft-com:mac:vml" xmlns:c="http://schemas.openxmlformats.org/drawingml/2006/chart" xmlns:dgm="http://schemas.openxmlformats.org/drawingml/2006/diagram" xmlns:o="urn:schemas-microsoft-com:office:office" xmlns:v="urn:schemas-microsoft-com:vml" xmlns:pvml="urn:schemas-microsoft-com:office:powerpoint" xmlns:com="http://schemas.openxmlformats.org/drawingml/2006/compatibility" xmlns:p15="http://schemas.microsoft.com/office/powerpoint/2012/main">
       <p:transition spd="slow">
         <p:fade/>
       </p:transition>
@@ -15651,7 +14307,7 @@
         <p:fade/>
       </p:transition>
     </mc:Choice>
-    <mc:Fallback xmlns:p15="http://schemas.microsoft.com/office/powerpoint/2012/main" xmlns:com="http://schemas.openxmlformats.org/drawingml/2006/compatibility" xmlns:pvml="urn:schemas-microsoft-com:office:powerpoint" xmlns:v="urn:schemas-microsoft-com:vml" xmlns:o="urn:schemas-microsoft-com:office:office" xmlns:dgm="http://schemas.openxmlformats.org/drawingml/2006/diagram" xmlns:c="http://schemas.openxmlformats.org/drawingml/2006/chart" xmlns:mv="urn:schemas-microsoft-com:mac:vml" xmlns="">
+    <mc:Fallback xmlns="" xmlns:mv="urn:schemas-microsoft-com:mac:vml" xmlns:c="http://schemas.openxmlformats.org/drawingml/2006/chart" xmlns:dgm="http://schemas.openxmlformats.org/drawingml/2006/diagram" xmlns:o="urn:schemas-microsoft-com:office:office" xmlns:v="urn:schemas-microsoft-com:vml" xmlns:pvml="urn:schemas-microsoft-com:office:powerpoint" xmlns:com="http://schemas.openxmlformats.org/drawingml/2006/compatibility" xmlns:p15="http://schemas.microsoft.com/office/powerpoint/2012/main">
       <p:transition spd="slow">
         <p:fade/>
       </p:transition>
@@ -15930,7 +14586,7 @@
         <p:fade/>
       </p:transition>
     </mc:Choice>
-    <mc:Fallback xmlns:p15="http://schemas.microsoft.com/office/powerpoint/2012/main" xmlns:com="http://schemas.openxmlformats.org/drawingml/2006/compatibility" xmlns:pvml="urn:schemas-microsoft-com:office:powerpoint" xmlns:v="urn:schemas-microsoft-com:vml" xmlns:o="urn:schemas-microsoft-com:office:office" xmlns:dgm="http://schemas.openxmlformats.org/drawingml/2006/diagram" xmlns:c="http://schemas.openxmlformats.org/drawingml/2006/chart" xmlns:mv="urn:schemas-microsoft-com:mac:vml" xmlns="">
+    <mc:Fallback xmlns="" xmlns:mv="urn:schemas-microsoft-com:mac:vml" xmlns:c="http://schemas.openxmlformats.org/drawingml/2006/chart" xmlns:dgm="http://schemas.openxmlformats.org/drawingml/2006/diagram" xmlns:o="urn:schemas-microsoft-com:office:office" xmlns:v="urn:schemas-microsoft-com:vml" xmlns:pvml="urn:schemas-microsoft-com:office:powerpoint" xmlns:com="http://schemas.openxmlformats.org/drawingml/2006/compatibility" xmlns:p15="http://schemas.microsoft.com/office/powerpoint/2012/main">
       <p:transition spd="slow">
         <p:fade/>
       </p:transition>
@@ -16163,7 +14819,7 @@
         <p:fade/>
       </p:transition>
     </mc:Choice>
-    <mc:Fallback xmlns:p15="http://schemas.microsoft.com/office/powerpoint/2012/main" xmlns:com="http://schemas.openxmlformats.org/drawingml/2006/compatibility" xmlns:pvml="urn:schemas-microsoft-com:office:powerpoint" xmlns:v="urn:schemas-microsoft-com:vml" xmlns:o="urn:schemas-microsoft-com:office:office" xmlns:dgm="http://schemas.openxmlformats.org/drawingml/2006/diagram" xmlns:c="http://schemas.openxmlformats.org/drawingml/2006/chart" xmlns:mv="urn:schemas-microsoft-com:mac:vml" xmlns="">
+    <mc:Fallback xmlns="" xmlns:mv="urn:schemas-microsoft-com:mac:vml" xmlns:c="http://schemas.openxmlformats.org/drawingml/2006/chart" xmlns:dgm="http://schemas.openxmlformats.org/drawingml/2006/diagram" xmlns:o="urn:schemas-microsoft-com:office:office" xmlns:v="urn:schemas-microsoft-com:vml" xmlns:pvml="urn:schemas-microsoft-com:office:powerpoint" xmlns:com="http://schemas.openxmlformats.org/drawingml/2006/compatibility" xmlns:p15="http://schemas.microsoft.com/office/powerpoint/2012/main">
       <p:transition spd="slow">
         <p:fade/>
       </p:transition>
@@ -16359,7 +15015,7 @@
         <p:fade/>
       </p:transition>
     </mc:Choice>
-    <mc:Fallback xmlns:p15="http://schemas.microsoft.com/office/powerpoint/2012/main" xmlns:com="http://schemas.openxmlformats.org/drawingml/2006/compatibility" xmlns:pvml="urn:schemas-microsoft-com:office:powerpoint" xmlns:v="urn:schemas-microsoft-com:vml" xmlns:o="urn:schemas-microsoft-com:office:office" xmlns:dgm="http://schemas.openxmlformats.org/drawingml/2006/diagram" xmlns:c="http://schemas.openxmlformats.org/drawingml/2006/chart" xmlns:mv="urn:schemas-microsoft-com:mac:vml" xmlns="">
+    <mc:Fallback xmlns="" xmlns:mv="urn:schemas-microsoft-com:mac:vml" xmlns:c="http://schemas.openxmlformats.org/drawingml/2006/chart" xmlns:dgm="http://schemas.openxmlformats.org/drawingml/2006/diagram" xmlns:o="urn:schemas-microsoft-com:office:office" xmlns:v="urn:schemas-microsoft-com:vml" xmlns:pvml="urn:schemas-microsoft-com:office:powerpoint" xmlns:com="http://schemas.openxmlformats.org/drawingml/2006/compatibility" xmlns:p15="http://schemas.microsoft.com/office/powerpoint/2012/main">
       <p:transition spd="slow">
         <p:fade/>
       </p:transition>
@@ -16649,7 +15305,7 @@
         <p:fade/>
       </p:transition>
     </mc:Choice>
-    <mc:Fallback xmlns:p15="http://schemas.microsoft.com/office/powerpoint/2012/main" xmlns:com="http://schemas.openxmlformats.org/drawingml/2006/compatibility" xmlns:pvml="urn:schemas-microsoft-com:office:powerpoint" xmlns:v="urn:schemas-microsoft-com:vml" xmlns:o="urn:schemas-microsoft-com:office:office" xmlns:dgm="http://schemas.openxmlformats.org/drawingml/2006/diagram" xmlns:c="http://schemas.openxmlformats.org/drawingml/2006/chart" xmlns:mv="urn:schemas-microsoft-com:mac:vml" xmlns="">
+    <mc:Fallback xmlns="" xmlns:mv="urn:schemas-microsoft-com:mac:vml" xmlns:c="http://schemas.openxmlformats.org/drawingml/2006/chart" xmlns:dgm="http://schemas.openxmlformats.org/drawingml/2006/diagram" xmlns:o="urn:schemas-microsoft-com:office:office" xmlns:v="urn:schemas-microsoft-com:vml" xmlns:pvml="urn:schemas-microsoft-com:office:powerpoint" xmlns:com="http://schemas.openxmlformats.org/drawingml/2006/compatibility" xmlns:p15="http://schemas.microsoft.com/office/powerpoint/2012/main">
       <p:transition spd="slow">
         <p:fade/>
       </p:transition>
@@ -16870,7 +15526,7 @@
         <p:fade/>
       </p:transition>
     </mc:Choice>
-    <mc:Fallback xmlns:p15="http://schemas.microsoft.com/office/powerpoint/2012/main" xmlns:com="http://schemas.openxmlformats.org/drawingml/2006/compatibility" xmlns:pvml="urn:schemas-microsoft-com:office:powerpoint" xmlns:v="urn:schemas-microsoft-com:vml" xmlns:o="urn:schemas-microsoft-com:office:office" xmlns:dgm="http://schemas.openxmlformats.org/drawingml/2006/diagram" xmlns:c="http://schemas.openxmlformats.org/drawingml/2006/chart" xmlns:mv="urn:schemas-microsoft-com:mac:vml" xmlns="">
+    <mc:Fallback xmlns="" xmlns:mv="urn:schemas-microsoft-com:mac:vml" xmlns:c="http://schemas.openxmlformats.org/drawingml/2006/chart" xmlns:dgm="http://schemas.openxmlformats.org/drawingml/2006/diagram" xmlns:o="urn:schemas-microsoft-com:office:office" xmlns:v="urn:schemas-microsoft-com:vml" xmlns:pvml="urn:schemas-microsoft-com:office:powerpoint" xmlns:com="http://schemas.openxmlformats.org/drawingml/2006/compatibility" xmlns:p15="http://schemas.microsoft.com/office/powerpoint/2012/main">
       <p:transition spd="slow">
         <p:fade/>
       </p:transition>
@@ -17064,7 +15720,7 @@
         <p:fade/>
       </p:transition>
     </mc:Choice>
-    <mc:Fallback xmlns:p15="http://schemas.microsoft.com/office/powerpoint/2012/main" xmlns:com="http://schemas.openxmlformats.org/drawingml/2006/compatibility" xmlns:pvml="urn:schemas-microsoft-com:office:powerpoint" xmlns:v="urn:schemas-microsoft-com:vml" xmlns:o="urn:schemas-microsoft-com:office:office" xmlns:dgm="http://schemas.openxmlformats.org/drawingml/2006/diagram" xmlns:c="http://schemas.openxmlformats.org/drawingml/2006/chart" xmlns:mv="urn:schemas-microsoft-com:mac:vml" xmlns="">
+    <mc:Fallback xmlns="" xmlns:mv="urn:schemas-microsoft-com:mac:vml" xmlns:c="http://schemas.openxmlformats.org/drawingml/2006/chart" xmlns:dgm="http://schemas.openxmlformats.org/drawingml/2006/diagram" xmlns:o="urn:schemas-microsoft-com:office:office" xmlns:v="urn:schemas-microsoft-com:vml" xmlns:pvml="urn:schemas-microsoft-com:office:powerpoint" xmlns:com="http://schemas.openxmlformats.org/drawingml/2006/compatibility" xmlns:p15="http://schemas.microsoft.com/office/powerpoint/2012/main">
       <p:transition spd="slow">
         <p:fade/>
       </p:transition>
